--- a/literature/DAG_Bricks.pptx
+++ b/literature/DAG_Bricks.pptx
@@ -263,7 +263,7 @@
           <a:p>
             <a:fld id="{1F3DBAA6-2CF2-4754-A48C-28ABAB9FE26B}" type="datetimeFigureOut">
               <a:rPr lang="en-US" smtClean="0"/>
-              <a:t>11/23/2020</a:t>
+              <a:t>12/5/2020</a:t>
             </a:fld>
             <a:endParaRPr lang="en-US"/>
           </a:p>
@@ -463,7 +463,7 @@
           <a:p>
             <a:fld id="{1F3DBAA6-2CF2-4754-A48C-28ABAB9FE26B}" type="datetimeFigureOut">
               <a:rPr lang="en-US" smtClean="0"/>
-              <a:t>11/23/2020</a:t>
+              <a:t>12/5/2020</a:t>
             </a:fld>
             <a:endParaRPr lang="en-US"/>
           </a:p>
@@ -673,7 +673,7 @@
           <a:p>
             <a:fld id="{1F3DBAA6-2CF2-4754-A48C-28ABAB9FE26B}" type="datetimeFigureOut">
               <a:rPr lang="en-US" smtClean="0"/>
-              <a:t>11/23/2020</a:t>
+              <a:t>12/5/2020</a:t>
             </a:fld>
             <a:endParaRPr lang="en-US"/>
           </a:p>
@@ -873,7 +873,7 @@
           <a:p>
             <a:fld id="{1F3DBAA6-2CF2-4754-A48C-28ABAB9FE26B}" type="datetimeFigureOut">
               <a:rPr lang="en-US" smtClean="0"/>
-              <a:t>11/23/2020</a:t>
+              <a:t>12/5/2020</a:t>
             </a:fld>
             <a:endParaRPr lang="en-US"/>
           </a:p>
@@ -1149,7 +1149,7 @@
           <a:p>
             <a:fld id="{1F3DBAA6-2CF2-4754-A48C-28ABAB9FE26B}" type="datetimeFigureOut">
               <a:rPr lang="en-US" smtClean="0"/>
-              <a:t>11/23/2020</a:t>
+              <a:t>12/5/2020</a:t>
             </a:fld>
             <a:endParaRPr lang="en-US"/>
           </a:p>
@@ -1417,7 +1417,7 @@
           <a:p>
             <a:fld id="{1F3DBAA6-2CF2-4754-A48C-28ABAB9FE26B}" type="datetimeFigureOut">
               <a:rPr lang="en-US" smtClean="0"/>
-              <a:t>11/23/2020</a:t>
+              <a:t>12/5/2020</a:t>
             </a:fld>
             <a:endParaRPr lang="en-US"/>
           </a:p>
@@ -1832,7 +1832,7 @@
           <a:p>
             <a:fld id="{1F3DBAA6-2CF2-4754-A48C-28ABAB9FE26B}" type="datetimeFigureOut">
               <a:rPr lang="en-US" smtClean="0"/>
-              <a:t>11/23/2020</a:t>
+              <a:t>12/5/2020</a:t>
             </a:fld>
             <a:endParaRPr lang="en-US"/>
           </a:p>
@@ -1974,7 +1974,7 @@
           <a:p>
             <a:fld id="{1F3DBAA6-2CF2-4754-A48C-28ABAB9FE26B}" type="datetimeFigureOut">
               <a:rPr lang="en-US" smtClean="0"/>
-              <a:t>11/23/2020</a:t>
+              <a:t>12/5/2020</a:t>
             </a:fld>
             <a:endParaRPr lang="en-US"/>
           </a:p>
@@ -2087,7 +2087,7 @@
           <a:p>
             <a:fld id="{1F3DBAA6-2CF2-4754-A48C-28ABAB9FE26B}" type="datetimeFigureOut">
               <a:rPr lang="en-US" smtClean="0"/>
-              <a:t>11/23/2020</a:t>
+              <a:t>12/5/2020</a:t>
             </a:fld>
             <a:endParaRPr lang="en-US"/>
           </a:p>
@@ -2400,7 +2400,7 @@
           <a:p>
             <a:fld id="{1F3DBAA6-2CF2-4754-A48C-28ABAB9FE26B}" type="datetimeFigureOut">
               <a:rPr lang="en-US" smtClean="0"/>
-              <a:t>11/23/2020</a:t>
+              <a:t>12/5/2020</a:t>
             </a:fld>
             <a:endParaRPr lang="en-US"/>
           </a:p>
@@ -2689,7 +2689,7 @@
           <a:p>
             <a:fld id="{1F3DBAA6-2CF2-4754-A48C-28ABAB9FE26B}" type="datetimeFigureOut">
               <a:rPr lang="en-US" smtClean="0"/>
-              <a:t>11/23/2020</a:t>
+              <a:t>12/5/2020</a:t>
             </a:fld>
             <a:endParaRPr lang="en-US"/>
           </a:p>
@@ -2932,7 +2932,7 @@
           <a:p>
             <a:fld id="{1F3DBAA6-2CF2-4754-A48C-28ABAB9FE26B}" type="datetimeFigureOut">
               <a:rPr lang="en-US" smtClean="0"/>
-              <a:t>11/23/2020</a:t>
+              <a:t>12/5/2020</a:t>
             </a:fld>
             <a:endParaRPr lang="en-US"/>
           </a:p>
@@ -3444,7 +3444,7 @@
         </p:nvSpPr>
         <p:spPr>
           <a:xfrm>
-            <a:off x="9172301" y="3296185"/>
+            <a:off x="9172301" y="2834631"/>
             <a:ext cx="2525486" cy="1532709"/>
           </a:xfrm>
           <a:prstGeom prst="roundRect">
@@ -3715,6 +3715,151 @@
               <a:latin typeface="Arial" panose="020B0604020202020204" pitchFamily="34" charset="0"/>
               <a:cs typeface="Arial" panose="020B0604020202020204" pitchFamily="34" charset="0"/>
             </a:endParaRPr>
+          </a:p>
+        </p:txBody>
+      </p:sp>
+      <p:sp>
+        <p:nvSpPr>
+          <p:cNvPr id="7" name="Rechteck 6">
+            <a:extLst>
+              <a:ext uri="{FF2B5EF4-FFF2-40B4-BE49-F238E27FC236}">
+                <a16:creationId xmlns:a16="http://schemas.microsoft.com/office/drawing/2014/main" id="{8F281ABB-246B-47E0-8465-B24C2B1CE422}"/>
+              </a:ext>
+            </a:extLst>
+          </p:cNvPr>
+          <p:cNvSpPr/>
+          <p:nvPr/>
+        </p:nvSpPr>
+        <p:spPr>
+          <a:xfrm>
+            <a:off x="9172301" y="727143"/>
+            <a:ext cx="2525486" cy="1532709"/>
+          </a:xfrm>
+          <a:prstGeom prst="rect">
+            <a:avLst/>
+          </a:prstGeom>
+          <a:solidFill>
+            <a:schemeClr val="accent1">
+              <a:lumMod val="40000"/>
+              <a:lumOff val="60000"/>
+            </a:schemeClr>
+          </a:solidFill>
+          <a:ln>
+            <a:noFill/>
+          </a:ln>
+        </p:spPr>
+        <p:style>
+          <a:lnRef idx="2">
+            <a:schemeClr val="accent1">
+              <a:shade val="50000"/>
+            </a:schemeClr>
+          </a:lnRef>
+          <a:fillRef idx="1">
+            <a:schemeClr val="accent1"/>
+          </a:fillRef>
+          <a:effectRef idx="0">
+            <a:schemeClr val="accent1"/>
+          </a:effectRef>
+          <a:fontRef idx="minor">
+            <a:schemeClr val="lt1"/>
+          </a:fontRef>
+        </p:style>
+        <p:txBody>
+          <a:bodyPr rtlCol="0" anchor="ctr"/>
+          <a:lstStyle/>
+          <a:p>
+            <a:pPr algn="ctr"/>
+            <a:r>
+              <a:rPr lang="de-DE" dirty="0">
+                <a:solidFill>
+                  <a:schemeClr val="tx1"/>
+                </a:solidFill>
+                <a:latin typeface="Arial" panose="020B0604020202020204" pitchFamily="34" charset="0"/>
+                <a:cs typeface="Arial" panose="020B0604020202020204" pitchFamily="34" charset="0"/>
+              </a:rPr>
+              <a:t>Data </a:t>
+            </a:r>
+            <a:r>
+              <a:rPr lang="de-DE" dirty="0" err="1">
+                <a:solidFill>
+                  <a:schemeClr val="tx1"/>
+                </a:solidFill>
+                <a:latin typeface="Arial" panose="020B0604020202020204" pitchFamily="34" charset="0"/>
+                <a:cs typeface="Arial" panose="020B0604020202020204" pitchFamily="34" charset="0"/>
+              </a:rPr>
+              <a:t>Node</a:t>
+            </a:r>
+            <a:endParaRPr lang="en-US" dirty="0">
+              <a:solidFill>
+                <a:schemeClr val="tx1"/>
+              </a:solidFill>
+              <a:latin typeface="Arial" panose="020B0604020202020204" pitchFamily="34" charset="0"/>
+              <a:cs typeface="Arial" panose="020B0604020202020204" pitchFamily="34" charset="0"/>
+            </a:endParaRPr>
+          </a:p>
+        </p:txBody>
+      </p:sp>
+      <p:sp>
+        <p:nvSpPr>
+          <p:cNvPr id="11" name="Rechteck 10">
+            <a:extLst>
+              <a:ext uri="{FF2B5EF4-FFF2-40B4-BE49-F238E27FC236}">
+                <a16:creationId xmlns:a16="http://schemas.microsoft.com/office/drawing/2014/main" id="{51A9596E-9E7B-4CA2-8255-D9811426A242}"/>
+              </a:ext>
+            </a:extLst>
+          </p:cNvPr>
+          <p:cNvSpPr/>
+          <p:nvPr/>
+        </p:nvSpPr>
+        <p:spPr>
+          <a:xfrm>
+            <a:off x="9239794" y="5164172"/>
+            <a:ext cx="2525486" cy="1058095"/>
+          </a:xfrm>
+          <a:prstGeom prst="rect">
+            <a:avLst/>
+          </a:prstGeom>
+          <a:solidFill>
+            <a:schemeClr val="accent2">
+              <a:lumMod val="60000"/>
+              <a:lumOff val="40000"/>
+            </a:schemeClr>
+          </a:solidFill>
+          <a:ln>
+            <a:noFill/>
+          </a:ln>
+        </p:spPr>
+        <p:style>
+          <a:lnRef idx="2">
+            <a:schemeClr val="accent1">
+              <a:shade val="50000"/>
+            </a:schemeClr>
+          </a:lnRef>
+          <a:fillRef idx="1">
+            <a:schemeClr val="accent1"/>
+          </a:fillRef>
+          <a:effectRef idx="0">
+            <a:schemeClr val="accent1"/>
+          </a:effectRef>
+          <a:fontRef idx="minor">
+            <a:schemeClr val="lt1"/>
+          </a:fontRef>
+        </p:style>
+        <p:txBody>
+          <a:bodyPr rtlCol="0" anchor="ctr"/>
+          <a:lstStyle/>
+          <a:p>
+            <a:pPr algn="ctr"/>
+            <a:r>
+              <a:rPr lang="de-DE" sz="1600" dirty="0">
+                <a:solidFill>
+                  <a:schemeClr val="tx1"/>
+                </a:solidFill>
+                <a:latin typeface="Arial" panose="020B0604020202020204" pitchFamily="34" charset="0"/>
+                <a:cs typeface="Arial" panose="020B0604020202020204" pitchFamily="34" charset="0"/>
+              </a:rPr>
+              <a:t>Start/End Nodes</a:t>
+            </a:r>
           </a:p>
         </p:txBody>
       </p:sp>
@@ -3762,7 +3907,7 @@
         </p:nvSpPr>
         <p:spPr>
           <a:xfrm>
-            <a:off x="348343" y="457196"/>
+            <a:off x="348343" y="452832"/>
             <a:ext cx="2525486" cy="1532709"/>
           </a:xfrm>
           <a:prstGeom prst="rect">
@@ -3807,8 +3952,25 @@
                 <a:latin typeface="Arial" panose="020B0604020202020204" pitchFamily="34" charset="0"/>
                 <a:cs typeface="Arial" panose="020B0604020202020204" pitchFamily="34" charset="0"/>
               </a:rPr>
-              <a:t>Input Objects</a:t>
-            </a:r>
+              <a:t>Input </a:t>
+            </a:r>
+            <a:r>
+              <a:rPr lang="de-DE" sz="1600" b="1" dirty="0" err="1">
+                <a:solidFill>
+                  <a:schemeClr val="tx1"/>
+                </a:solidFill>
+                <a:latin typeface="Arial" panose="020B0604020202020204" pitchFamily="34" charset="0"/>
+                <a:cs typeface="Arial" panose="020B0604020202020204" pitchFamily="34" charset="0"/>
+              </a:rPr>
+              <a:t>Object</a:t>
+            </a:r>
+            <a:endParaRPr lang="de-DE" sz="1600" b="1" dirty="0">
+              <a:solidFill>
+                <a:schemeClr val="tx1"/>
+              </a:solidFill>
+              <a:latin typeface="Arial" panose="020B0604020202020204" pitchFamily="34" charset="0"/>
+              <a:cs typeface="Arial" panose="020B0604020202020204" pitchFamily="34" charset="0"/>
+            </a:endParaRPr>
           </a:p>
           <a:p>
             <a:pPr algn="ctr"/>
@@ -3822,14 +3984,24 @@
           </a:p>
           <a:p>
             <a:r>
-              <a:rPr lang="de-DE" sz="1400" dirty="0">
-                <a:solidFill>
-                  <a:schemeClr val="tx1"/>
-                </a:solidFill>
-                <a:latin typeface="Arial" panose="020B0604020202020204" pitchFamily="34" charset="0"/>
-                <a:cs typeface="Arial" panose="020B0604020202020204" pitchFamily="34" charset="0"/>
-              </a:rPr>
-              <a:t>Objects </a:t>
+              <a:rPr lang="de-DE" sz="1400" dirty="0" err="1">
+                <a:solidFill>
+                  <a:schemeClr val="tx1"/>
+                </a:solidFill>
+                <a:latin typeface="Arial" panose="020B0604020202020204" pitchFamily="34" charset="0"/>
+                <a:cs typeface="Arial" panose="020B0604020202020204" pitchFamily="34" charset="0"/>
+              </a:rPr>
+              <a:t>Object</a:t>
+            </a:r>
+            <a:r>
+              <a:rPr lang="de-DE" sz="1400" dirty="0">
+                <a:solidFill>
+                  <a:schemeClr val="tx1"/>
+                </a:solidFill>
+                <a:latin typeface="Arial" panose="020B0604020202020204" pitchFamily="34" charset="0"/>
+                <a:cs typeface="Arial" panose="020B0604020202020204" pitchFamily="34" charset="0"/>
+              </a:rPr>
+              <a:t> </a:t>
             </a:r>
             <a:r>
               <a:rPr lang="de-DE" sz="1400" dirty="0" err="1">
@@ -3859,7 +4031,7 @@
                 <a:latin typeface="Arial" panose="020B0604020202020204" pitchFamily="34" charset="0"/>
                 <a:cs typeface="Arial" panose="020B0604020202020204" pitchFamily="34" charset="0"/>
               </a:rPr>
-              <a:t>order</a:t>
+              <a:t>seller</a:t>
             </a:r>
             <a:r>
               <a:rPr lang="de-DE" sz="1400" dirty="0">
@@ -3880,106 +4052,6 @@
                 <a:cs typeface="Arial" panose="020B0604020202020204" pitchFamily="34" charset="0"/>
               </a:rPr>
               <a:t>data</a:t>
-            </a:r>
-            <a:r>
-              <a:rPr lang="de-DE" sz="1400" dirty="0">
-                <a:solidFill>
-                  <a:schemeClr val="tx1"/>
-                </a:solidFill>
-                <a:latin typeface="Arial" panose="020B0604020202020204" pitchFamily="34" charset="0"/>
-                <a:cs typeface="Arial" panose="020B0604020202020204" pitchFamily="34" charset="0"/>
-              </a:rPr>
-              <a:t> </a:t>
-            </a:r>
-            <a:r>
-              <a:rPr lang="de-DE" sz="1400" dirty="0" err="1">
-                <a:solidFill>
-                  <a:schemeClr val="tx1"/>
-                </a:solidFill>
-                <a:latin typeface="Arial" panose="020B0604020202020204" pitchFamily="34" charset="0"/>
-                <a:cs typeface="Arial" panose="020B0604020202020204" pitchFamily="34" charset="0"/>
-              </a:rPr>
-              <a:t>for</a:t>
-            </a:r>
-            <a:r>
-              <a:rPr lang="de-DE" sz="1400" dirty="0">
-                <a:solidFill>
-                  <a:schemeClr val="tx1"/>
-                </a:solidFill>
-                <a:latin typeface="Arial" panose="020B0604020202020204" pitchFamily="34" charset="0"/>
-                <a:cs typeface="Arial" panose="020B0604020202020204" pitchFamily="34" charset="0"/>
-              </a:rPr>
-              <a:t> </a:t>
-            </a:r>
-            <a:r>
-              <a:rPr lang="de-DE" sz="1400" dirty="0" err="1">
-                <a:solidFill>
-                  <a:schemeClr val="tx1"/>
-                </a:solidFill>
-                <a:latin typeface="Arial" panose="020B0604020202020204" pitchFamily="34" charset="0"/>
-                <a:cs typeface="Arial" panose="020B0604020202020204" pitchFamily="34" charset="0"/>
-              </a:rPr>
-              <a:t>one</a:t>
-            </a:r>
-            <a:r>
-              <a:rPr lang="de-DE" sz="1400" dirty="0">
-                <a:solidFill>
-                  <a:schemeClr val="tx1"/>
-                </a:solidFill>
-                <a:latin typeface="Arial" panose="020B0604020202020204" pitchFamily="34" charset="0"/>
-                <a:cs typeface="Arial" panose="020B0604020202020204" pitchFamily="34" charset="0"/>
-              </a:rPr>
-              <a:t> </a:t>
-            </a:r>
-            <a:r>
-              <a:rPr lang="de-DE" sz="1400" dirty="0" err="1">
-                <a:solidFill>
-                  <a:schemeClr val="tx1"/>
-                </a:solidFill>
-                <a:latin typeface="Arial" panose="020B0604020202020204" pitchFamily="34" charset="0"/>
-                <a:cs typeface="Arial" panose="020B0604020202020204" pitchFamily="34" charset="0"/>
-              </a:rPr>
-              <a:t>or</a:t>
-            </a:r>
-            <a:r>
-              <a:rPr lang="de-DE" sz="1400" dirty="0">
-                <a:solidFill>
-                  <a:schemeClr val="tx1"/>
-                </a:solidFill>
-                <a:latin typeface="Arial" panose="020B0604020202020204" pitchFamily="34" charset="0"/>
-                <a:cs typeface="Arial" panose="020B0604020202020204" pitchFamily="34" charset="0"/>
-              </a:rPr>
-              <a:t> </a:t>
-            </a:r>
-            <a:r>
-              <a:rPr lang="de-DE" sz="1400" dirty="0" err="1">
-                <a:solidFill>
-                  <a:schemeClr val="tx1"/>
-                </a:solidFill>
-                <a:latin typeface="Arial" panose="020B0604020202020204" pitchFamily="34" charset="0"/>
-                <a:cs typeface="Arial" panose="020B0604020202020204" pitchFamily="34" charset="0"/>
-              </a:rPr>
-              <a:t>more</a:t>
-            </a:r>
-            <a:r>
-              <a:rPr lang="de-DE" sz="1400" dirty="0">
-                <a:solidFill>
-                  <a:schemeClr val="tx1"/>
-                </a:solidFill>
-                <a:latin typeface="Arial" panose="020B0604020202020204" pitchFamily="34" charset="0"/>
-                <a:cs typeface="Arial" panose="020B0604020202020204" pitchFamily="34" charset="0"/>
-              </a:rPr>
-              <a:t> </a:t>
-            </a:r>
-            <a:r>
-              <a:rPr lang="de-DE" sz="1400" dirty="0" err="1">
-                <a:solidFill>
-                  <a:schemeClr val="tx1"/>
-                </a:solidFill>
-                <a:latin typeface="Arial" panose="020B0604020202020204" pitchFamily="34" charset="0"/>
-                <a:cs typeface="Arial" panose="020B0604020202020204" pitchFamily="34" charset="0"/>
-              </a:rPr>
-              <a:t>products</a:t>
             </a:r>
             <a:r>
               <a:rPr lang="de-DE" sz="1400" dirty="0">
@@ -4279,295 +4351,9 @@
                 <a:latin typeface="Arial" panose="020B0604020202020204" pitchFamily="34" charset="0"/>
                 <a:cs typeface="Arial" panose="020B0604020202020204" pitchFamily="34" charset="0"/>
               </a:rPr>
-              <a:t>aggregated</a:t>
-            </a:r>
-            <a:r>
-              <a:rPr lang="de-DE" sz="1400" dirty="0">
-                <a:solidFill>
-                  <a:schemeClr val="tx1"/>
-                </a:solidFill>
-                <a:latin typeface="Arial" panose="020B0604020202020204" pitchFamily="34" charset="0"/>
-                <a:cs typeface="Arial" panose="020B0604020202020204" pitchFamily="34" charset="0"/>
-              </a:rPr>
-              <a:t> </a:t>
-            </a:r>
-            <a:r>
-              <a:rPr lang="de-DE" sz="1400" dirty="0" err="1">
-                <a:solidFill>
-                  <a:schemeClr val="tx1"/>
-                </a:solidFill>
-                <a:latin typeface="Arial" panose="020B0604020202020204" pitchFamily="34" charset="0"/>
-                <a:cs typeface="Arial" panose="020B0604020202020204" pitchFamily="34" charset="0"/>
-              </a:rPr>
-              <a:t>into</a:t>
-            </a:r>
-            <a:r>
-              <a:rPr lang="de-DE" sz="1400" dirty="0">
-                <a:solidFill>
-                  <a:schemeClr val="tx1"/>
-                </a:solidFill>
-                <a:latin typeface="Arial" panose="020B0604020202020204" pitchFamily="34" charset="0"/>
-                <a:cs typeface="Arial" panose="020B0604020202020204" pitchFamily="34" charset="0"/>
-              </a:rPr>
-              <a:t> </a:t>
-            </a:r>
-            <a:r>
-              <a:rPr lang="de-DE" sz="1400" dirty="0" err="1">
-                <a:solidFill>
-                  <a:schemeClr val="tx1"/>
-                </a:solidFill>
-                <a:latin typeface="Arial" panose="020B0604020202020204" pitchFamily="34" charset="0"/>
-                <a:cs typeface="Arial" panose="020B0604020202020204" pitchFamily="34" charset="0"/>
-              </a:rPr>
-              <a:t>target</a:t>
-            </a:r>
-            <a:r>
-              <a:rPr lang="de-DE" sz="1400" dirty="0">
-                <a:solidFill>
-                  <a:schemeClr val="tx1"/>
-                </a:solidFill>
-                <a:latin typeface="Arial" panose="020B0604020202020204" pitchFamily="34" charset="0"/>
-                <a:cs typeface="Arial" panose="020B0604020202020204" pitchFamily="34" charset="0"/>
-              </a:rPr>
-              <a:t> variable RFM score</a:t>
-            </a:r>
-          </a:p>
-        </p:txBody>
-      </p:sp>
-      <p:sp>
-        <p:nvSpPr>
-          <p:cNvPr id="11" name="Rechteck 10">
-            <a:extLst>
-              <a:ext uri="{FF2B5EF4-FFF2-40B4-BE49-F238E27FC236}">
-                <a16:creationId xmlns:a16="http://schemas.microsoft.com/office/drawing/2014/main" id="{27B5D0D4-2AE6-4902-BF1F-0613DA55126D}"/>
-              </a:ext>
-            </a:extLst>
-          </p:cNvPr>
-          <p:cNvSpPr/>
-          <p:nvPr/>
-        </p:nvSpPr>
-        <p:spPr>
-          <a:xfrm>
-            <a:off x="348343" y="2497191"/>
-            <a:ext cx="2525486" cy="1532709"/>
-          </a:xfrm>
-          <a:prstGeom prst="rect">
-            <a:avLst/>
-          </a:prstGeom>
-          <a:solidFill>
-            <a:schemeClr val="accent1">
-              <a:lumMod val="40000"/>
-              <a:lumOff val="60000"/>
-            </a:schemeClr>
-          </a:solidFill>
-          <a:ln>
-            <a:noFill/>
-          </a:ln>
-        </p:spPr>
-        <p:style>
-          <a:lnRef idx="2">
-            <a:schemeClr val="accent1">
-              <a:shade val="50000"/>
-            </a:schemeClr>
-          </a:lnRef>
-          <a:fillRef idx="1">
-            <a:schemeClr val="accent1"/>
-          </a:fillRef>
-          <a:effectRef idx="0">
-            <a:schemeClr val="accent1"/>
-          </a:effectRef>
-          <a:fontRef idx="minor">
-            <a:schemeClr val="lt1"/>
-          </a:fontRef>
-        </p:style>
-        <p:txBody>
-          <a:bodyPr rtlCol="0" anchor="ctr"/>
-          <a:lstStyle/>
-          <a:p>
-            <a:pPr algn="ctr"/>
-            <a:r>
-              <a:rPr lang="de-DE" sz="1600" b="1" dirty="0">
-                <a:solidFill>
-                  <a:schemeClr val="tx1"/>
-                </a:solidFill>
-                <a:latin typeface="Arial" panose="020B0604020202020204" pitchFamily="34" charset="0"/>
-                <a:cs typeface="Arial" panose="020B0604020202020204" pitchFamily="34" charset="0"/>
-              </a:rPr>
-              <a:t>Input Objects</a:t>
-            </a:r>
-          </a:p>
-          <a:p>
-            <a:pPr algn="ctr"/>
-            <a:endParaRPr lang="de-DE" sz="1600" b="1" dirty="0">
-              <a:solidFill>
-                <a:schemeClr val="tx1"/>
-              </a:solidFill>
-              <a:latin typeface="Arial" panose="020B0604020202020204" pitchFamily="34" charset="0"/>
-              <a:cs typeface="Arial" panose="020B0604020202020204" pitchFamily="34" charset="0"/>
-            </a:endParaRPr>
-          </a:p>
-          <a:p>
-            <a:r>
-              <a:rPr lang="de-DE" sz="1400" dirty="0">
-                <a:solidFill>
-                  <a:schemeClr val="tx1"/>
-                </a:solidFill>
-                <a:latin typeface="Arial" panose="020B0604020202020204" pitchFamily="34" charset="0"/>
-                <a:cs typeface="Arial" panose="020B0604020202020204" pitchFamily="34" charset="0"/>
-              </a:rPr>
-              <a:t>Objects </a:t>
-            </a:r>
-            <a:r>
-              <a:rPr lang="de-DE" sz="1400" dirty="0" err="1">
-                <a:solidFill>
-                  <a:schemeClr val="tx1"/>
-                </a:solidFill>
-                <a:latin typeface="Arial" panose="020B0604020202020204" pitchFamily="34" charset="0"/>
-                <a:cs typeface="Arial" panose="020B0604020202020204" pitchFamily="34" charset="0"/>
-              </a:rPr>
-              <a:t>containing</a:t>
-            </a:r>
-            <a:r>
-              <a:rPr lang="de-DE" sz="1400" dirty="0">
-                <a:solidFill>
-                  <a:schemeClr val="tx1"/>
-                </a:solidFill>
-                <a:latin typeface="Arial" panose="020B0604020202020204" pitchFamily="34" charset="0"/>
-                <a:cs typeface="Arial" panose="020B0604020202020204" pitchFamily="34" charset="0"/>
-              </a:rPr>
-              <a:t> </a:t>
-            </a:r>
-            <a:r>
-              <a:rPr lang="de-DE" sz="1400" dirty="0" err="1">
-                <a:solidFill>
-                  <a:schemeClr val="tx1"/>
-                </a:solidFill>
-                <a:latin typeface="Arial" panose="020B0604020202020204" pitchFamily="34" charset="0"/>
-                <a:cs typeface="Arial" panose="020B0604020202020204" pitchFamily="34" charset="0"/>
-              </a:rPr>
-              <a:t>marketing</a:t>
-            </a:r>
-            <a:r>
-              <a:rPr lang="de-DE" sz="1400" dirty="0">
-                <a:solidFill>
-                  <a:schemeClr val="tx1"/>
-                </a:solidFill>
-                <a:latin typeface="Arial" panose="020B0604020202020204" pitchFamily="34" charset="0"/>
-                <a:cs typeface="Arial" panose="020B0604020202020204" pitchFamily="34" charset="0"/>
-              </a:rPr>
-              <a:t> </a:t>
-            </a:r>
-            <a:r>
-              <a:rPr lang="de-DE" sz="1400" dirty="0" err="1">
-                <a:solidFill>
-                  <a:schemeClr val="tx1"/>
-                </a:solidFill>
-                <a:latin typeface="Arial" panose="020B0604020202020204" pitchFamily="34" charset="0"/>
-                <a:cs typeface="Arial" panose="020B0604020202020204" pitchFamily="34" charset="0"/>
-              </a:rPr>
-              <a:t>lead</a:t>
-            </a:r>
-            <a:r>
-              <a:rPr lang="de-DE" sz="1400" dirty="0">
-                <a:solidFill>
-                  <a:schemeClr val="tx1"/>
-                </a:solidFill>
-                <a:latin typeface="Arial" panose="020B0604020202020204" pitchFamily="34" charset="0"/>
-                <a:cs typeface="Arial" panose="020B0604020202020204" pitchFamily="34" charset="0"/>
-              </a:rPr>
-              <a:t> </a:t>
-            </a:r>
-            <a:r>
-              <a:rPr lang="de-DE" sz="1400" dirty="0" err="1">
-                <a:solidFill>
-                  <a:schemeClr val="tx1"/>
-                </a:solidFill>
-                <a:latin typeface="Arial" panose="020B0604020202020204" pitchFamily="34" charset="0"/>
-                <a:cs typeface="Arial" panose="020B0604020202020204" pitchFamily="34" charset="0"/>
-              </a:rPr>
-              <a:t>data</a:t>
-            </a:r>
-            <a:r>
-              <a:rPr lang="de-DE" sz="1400" dirty="0">
-                <a:solidFill>
-                  <a:schemeClr val="tx1"/>
-                </a:solidFill>
-                <a:latin typeface="Arial" panose="020B0604020202020204" pitchFamily="34" charset="0"/>
-                <a:cs typeface="Arial" panose="020B0604020202020204" pitchFamily="34" charset="0"/>
-              </a:rPr>
-              <a:t> </a:t>
-            </a:r>
-            <a:r>
-              <a:rPr lang="de-DE" sz="1400" dirty="0" err="1">
-                <a:solidFill>
-                  <a:schemeClr val="tx1"/>
-                </a:solidFill>
-                <a:latin typeface="Arial" panose="020B0604020202020204" pitchFamily="34" charset="0"/>
-                <a:cs typeface="Arial" panose="020B0604020202020204" pitchFamily="34" charset="0"/>
-              </a:rPr>
-              <a:t>for</a:t>
-            </a:r>
-            <a:r>
-              <a:rPr lang="de-DE" sz="1400" dirty="0">
-                <a:solidFill>
-                  <a:schemeClr val="tx1"/>
-                </a:solidFill>
-                <a:latin typeface="Arial" panose="020B0604020202020204" pitchFamily="34" charset="0"/>
-                <a:cs typeface="Arial" panose="020B0604020202020204" pitchFamily="34" charset="0"/>
-              </a:rPr>
-              <a:t> multiple </a:t>
-            </a:r>
-            <a:r>
-              <a:rPr lang="de-DE" sz="1400" dirty="0" err="1">
-                <a:solidFill>
-                  <a:schemeClr val="tx1"/>
-                </a:solidFill>
-                <a:latin typeface="Arial" panose="020B0604020202020204" pitchFamily="34" charset="0"/>
-                <a:cs typeface="Arial" panose="020B0604020202020204" pitchFamily="34" charset="0"/>
-              </a:rPr>
-              <a:t>sellers</a:t>
-            </a:r>
-            <a:r>
-              <a:rPr lang="de-DE" sz="1400" dirty="0">
-                <a:solidFill>
-                  <a:schemeClr val="tx1"/>
-                </a:solidFill>
-                <a:latin typeface="Arial" panose="020B0604020202020204" pitchFamily="34" charset="0"/>
-                <a:cs typeface="Arial" panose="020B0604020202020204" pitchFamily="34" charset="0"/>
-              </a:rPr>
-              <a:t> in a n-dimensional </a:t>
-            </a:r>
-            <a:r>
-              <a:rPr lang="de-DE" sz="1400" dirty="0" err="1">
-                <a:solidFill>
-                  <a:schemeClr val="tx1"/>
-                </a:solidFill>
-                <a:latin typeface="Arial" panose="020B0604020202020204" pitchFamily="34" charset="0"/>
-                <a:cs typeface="Arial" panose="020B0604020202020204" pitchFamily="34" charset="0"/>
-              </a:rPr>
-              <a:t>topological</a:t>
-            </a:r>
-            <a:r>
-              <a:rPr lang="de-DE" sz="1400" dirty="0">
-                <a:solidFill>
-                  <a:schemeClr val="tx1"/>
-                </a:solidFill>
-                <a:latin typeface="Arial" panose="020B0604020202020204" pitchFamily="34" charset="0"/>
-                <a:cs typeface="Arial" panose="020B0604020202020204" pitchFamily="34" charset="0"/>
-              </a:rPr>
-              <a:t> </a:t>
-            </a:r>
-            <a:r>
-              <a:rPr lang="de-DE" sz="1400" dirty="0" err="1">
-                <a:solidFill>
-                  <a:schemeClr val="tx1"/>
-                </a:solidFill>
-                <a:latin typeface="Arial" panose="020B0604020202020204" pitchFamily="34" charset="0"/>
-                <a:cs typeface="Arial" panose="020B0604020202020204" pitchFamily="34" charset="0"/>
-              </a:rPr>
-              <a:t>space</a:t>
-            </a:r>
-            <a:endParaRPr lang="en-US" sz="1400" dirty="0">
+              <a:t>averaged</a:t>
+            </a:r>
+            <a:endParaRPr lang="de-DE" sz="1400" dirty="0">
               <a:solidFill>
                 <a:schemeClr val="tx1"/>
               </a:solidFill>
@@ -4751,7 +4537,7 @@
         </p:nvSpPr>
         <p:spPr>
           <a:xfrm>
-            <a:off x="3346268" y="2497191"/>
+            <a:off x="3358241" y="2514606"/>
             <a:ext cx="2973977" cy="1532709"/>
           </a:xfrm>
           <a:prstGeom prst="roundRect">
@@ -5164,9 +4950,9 @@
           <p:nvPr/>
         </p:nvCxnSpPr>
         <p:spPr>
-          <a:xfrm flipV="1">
-            <a:off x="2873829" y="1219188"/>
-            <a:ext cx="488766" cy="4363"/>
+          <a:xfrm>
+            <a:off x="2873829" y="1219187"/>
+            <a:ext cx="488766" cy="1"/>
           </a:xfrm>
           <a:prstGeom prst="straightConnector1">
             <a:avLst/>
@@ -5195,69 +4981,21 @@
       </p:cxnSp>
       <p:cxnSp>
         <p:nvCxnSpPr>
-          <p:cNvPr id="16" name="Gerade Verbindung mit Pfeil 15">
-            <a:extLst>
-              <a:ext uri="{FF2B5EF4-FFF2-40B4-BE49-F238E27FC236}">
-                <a16:creationId xmlns:a16="http://schemas.microsoft.com/office/drawing/2014/main" id="{11FF5E9F-541E-4E23-921A-1F5F0AD24818}"/>
+          <p:cNvPr id="21" name="Gerade Verbindung mit Pfeil 20">
+            <a:extLst>
+              <a:ext uri="{FF2B5EF4-FFF2-40B4-BE49-F238E27FC236}">
+                <a16:creationId xmlns:a16="http://schemas.microsoft.com/office/drawing/2014/main" id="{04640786-F0D4-4E2E-9266-136BA7D64FB6}"/>
               </a:ext>
             </a:extLst>
           </p:cNvPr>
           <p:cNvCxnSpPr>
             <a:cxnSpLocks/>
-            <a:stCxn id="11" idx="3"/>
-            <a:endCxn id="13" idx="1"/>
-          </p:cNvCxnSpPr>
-          <p:nvPr/>
-        </p:nvCxnSpPr>
-        <p:spPr>
-          <a:xfrm>
-            <a:off x="2873829" y="3263546"/>
-            <a:ext cx="472439" cy="0"/>
-          </a:xfrm>
-          <a:prstGeom prst="straightConnector1">
-            <a:avLst/>
-          </a:prstGeom>
-          <a:ln w="38100">
-            <a:solidFill>
-              <a:schemeClr val="tx1"/>
-            </a:solidFill>
-            <a:tailEnd type="triangle"/>
-          </a:ln>
-        </p:spPr>
-        <p:style>
-          <a:lnRef idx="1">
-            <a:schemeClr val="accent1"/>
-          </a:lnRef>
-          <a:fillRef idx="0">
-            <a:schemeClr val="accent1"/>
-          </a:fillRef>
-          <a:effectRef idx="0">
-            <a:schemeClr val="accent1"/>
-          </a:effectRef>
-          <a:fontRef idx="minor">
-            <a:schemeClr val="tx1"/>
-          </a:fontRef>
-        </p:style>
-      </p:cxnSp>
-      <p:cxnSp>
-        <p:nvCxnSpPr>
-          <p:cNvPr id="21" name="Gerade Verbindung mit Pfeil 20">
-            <a:extLst>
-              <a:ext uri="{FF2B5EF4-FFF2-40B4-BE49-F238E27FC236}">
-                <a16:creationId xmlns:a16="http://schemas.microsoft.com/office/drawing/2014/main" id="{04640786-F0D4-4E2E-9266-136BA7D64FB6}"/>
-              </a:ext>
-            </a:extLst>
-          </p:cNvPr>
-          <p:cNvCxnSpPr>
-            <a:cxnSpLocks/>
-            <a:stCxn id="10" idx="3"/>
-            <a:endCxn id="12" idx="1"/>
           </p:cNvCxnSpPr>
           <p:nvPr/>
         </p:nvCxnSpPr>
         <p:spPr>
           <a:xfrm flipV="1">
-            <a:off x="6336572" y="1219187"/>
+            <a:off x="6336572" y="1219185"/>
             <a:ext cx="456113" cy="1"/>
           </a:xfrm>
           <a:prstGeom prst="straightConnector1">
@@ -5265,7 +5003,9 @@
           </a:prstGeom>
           <a:ln w="38100">
             <a:solidFill>
-              <a:schemeClr val="tx1"/>
+              <a:schemeClr val="bg2">
+                <a:lumMod val="50000"/>
+              </a:schemeClr>
             </a:solidFill>
             <a:tailEnd type="triangle"/>
           </a:ln>
@@ -5303,8 +5043,8 @@
         </p:nvCxnSpPr>
         <p:spPr>
           <a:xfrm rot="5400000">
-            <a:off x="6188518" y="630281"/>
-            <a:ext cx="511650" cy="3222171"/>
+            <a:off x="6185797" y="644974"/>
+            <a:ext cx="529065" cy="3210198"/>
           </a:xfrm>
           <a:prstGeom prst="bentConnector3">
             <a:avLst>
@@ -5347,7 +5087,7 @@
         </p:nvSpPr>
         <p:spPr>
           <a:xfrm>
-            <a:off x="348343" y="4646042"/>
+            <a:off x="348343" y="4863759"/>
             <a:ext cx="2525486" cy="1532709"/>
           </a:xfrm>
           <a:prstGeom prst="rect">
@@ -5647,7 +5387,7 @@
         </p:nvSpPr>
         <p:spPr>
           <a:xfrm>
-            <a:off x="3346267" y="4646042"/>
+            <a:off x="3358241" y="4863757"/>
             <a:ext cx="2973977" cy="1532709"/>
           </a:xfrm>
           <a:prstGeom prst="roundRect">
@@ -5984,8 +5724,8 @@
         </p:nvCxnSpPr>
         <p:spPr>
           <a:xfrm rot="5400000">
-            <a:off x="2914101" y="2726886"/>
-            <a:ext cx="616142" cy="3222171"/>
+            <a:off x="2819936" y="2838465"/>
+            <a:ext cx="816444" cy="3234144"/>
           </a:xfrm>
           <a:prstGeom prst="bentConnector3">
             <a:avLst>
@@ -6031,9 +5771,9 @@
           <p:nvPr/>
         </p:nvCxnSpPr>
         <p:spPr>
-          <a:xfrm>
-            <a:off x="2873829" y="5412397"/>
-            <a:ext cx="472438" cy="0"/>
+          <a:xfrm flipV="1">
+            <a:off x="2873829" y="5630112"/>
+            <a:ext cx="484412" cy="2"/>
           </a:xfrm>
           <a:prstGeom prst="straightConnector1">
             <a:avLst/>
@@ -6074,7 +5814,7 @@
         </p:nvSpPr>
         <p:spPr>
           <a:xfrm>
-            <a:off x="6792682" y="4646041"/>
+            <a:off x="6792682" y="4863758"/>
             <a:ext cx="2525486" cy="1532709"/>
           </a:xfrm>
           <a:prstGeom prst="rect">
@@ -6347,9 +6087,9 @@
           <p:nvPr/>
         </p:nvCxnSpPr>
         <p:spPr>
-          <a:xfrm flipV="1">
-            <a:off x="6320244" y="5412396"/>
-            <a:ext cx="472438" cy="1"/>
+          <a:xfrm>
+            <a:off x="6332218" y="5630112"/>
+            <a:ext cx="460464" cy="1"/>
           </a:xfrm>
           <a:prstGeom prst="straightConnector1">
             <a:avLst/>
@@ -6820,15 +6560,61 @@
           </p:cNvPr>
           <p:cNvCxnSpPr>
             <a:cxnSpLocks/>
-            <a:stCxn id="12" idx="3"/>
-            <a:endCxn id="78" idx="0"/>
           </p:cNvCxnSpPr>
           <p:nvPr/>
         </p:nvCxnSpPr>
         <p:spPr>
           <a:xfrm>
-            <a:off x="9318171" y="1219187"/>
+            <a:off x="9318170" y="1219187"/>
             <a:ext cx="1029787" cy="1278004"/>
+          </a:xfrm>
+          <a:prstGeom prst="bentConnector2">
+            <a:avLst/>
+          </a:prstGeom>
+          <a:ln w="38100">
+            <a:solidFill>
+              <a:schemeClr val="bg2">
+                <a:lumMod val="50000"/>
+              </a:schemeClr>
+            </a:solidFill>
+            <a:tailEnd type="triangle"/>
+          </a:ln>
+        </p:spPr>
+        <p:style>
+          <a:lnRef idx="1">
+            <a:schemeClr val="accent1"/>
+          </a:lnRef>
+          <a:fillRef idx="0">
+            <a:schemeClr val="accent1"/>
+          </a:fillRef>
+          <a:effectRef idx="0">
+            <a:schemeClr val="accent1"/>
+          </a:effectRef>
+          <a:fontRef idx="minor">
+            <a:schemeClr val="tx1"/>
+          </a:fontRef>
+        </p:style>
+      </p:cxnSp>
+      <p:cxnSp>
+        <p:nvCxnSpPr>
+          <p:cNvPr id="85" name="Verbinder: gewinkelt 84">
+            <a:extLst>
+              <a:ext uri="{FF2B5EF4-FFF2-40B4-BE49-F238E27FC236}">
+                <a16:creationId xmlns:a16="http://schemas.microsoft.com/office/drawing/2014/main" id="{E7F6888B-9C5F-4FCF-956C-399E24259F95}"/>
+              </a:ext>
+            </a:extLst>
+          </p:cNvPr>
+          <p:cNvCxnSpPr>
+            <a:cxnSpLocks/>
+            <a:stCxn id="70" idx="3"/>
+            <a:endCxn id="78" idx="2"/>
+          </p:cNvCxnSpPr>
+          <p:nvPr/>
+        </p:nvCxnSpPr>
+        <p:spPr>
+          <a:xfrm flipV="1">
+            <a:off x="9318168" y="4029900"/>
+            <a:ext cx="1029790" cy="1600213"/>
           </a:xfrm>
           <a:prstGeom prst="bentConnector2">
             <a:avLst/>
@@ -6855,28 +6641,262 @@
           </a:fontRef>
         </p:style>
       </p:cxnSp>
+      <p:sp>
+        <p:nvSpPr>
+          <p:cNvPr id="32" name="Rechteck 31">
+            <a:extLst>
+              <a:ext uri="{FF2B5EF4-FFF2-40B4-BE49-F238E27FC236}">
+                <a16:creationId xmlns:a16="http://schemas.microsoft.com/office/drawing/2014/main" id="{8D35BABC-5F60-4C40-A5CC-A685DCFCC38F}"/>
+              </a:ext>
+            </a:extLst>
+          </p:cNvPr>
+          <p:cNvSpPr/>
+          <p:nvPr/>
+        </p:nvSpPr>
+        <p:spPr>
+          <a:xfrm>
+            <a:off x="348343" y="452831"/>
+            <a:ext cx="2525486" cy="1532709"/>
+          </a:xfrm>
+          <a:prstGeom prst="rect">
+            <a:avLst/>
+          </a:prstGeom>
+          <a:solidFill>
+            <a:schemeClr val="accent1">
+              <a:lumMod val="40000"/>
+              <a:lumOff val="60000"/>
+            </a:schemeClr>
+          </a:solidFill>
+          <a:ln>
+            <a:noFill/>
+          </a:ln>
+        </p:spPr>
+        <p:style>
+          <a:lnRef idx="2">
+            <a:schemeClr val="accent1">
+              <a:shade val="50000"/>
+            </a:schemeClr>
+          </a:lnRef>
+          <a:fillRef idx="1">
+            <a:schemeClr val="accent1"/>
+          </a:fillRef>
+          <a:effectRef idx="0">
+            <a:schemeClr val="accent1"/>
+          </a:effectRef>
+          <a:fontRef idx="minor">
+            <a:schemeClr val="lt1"/>
+          </a:fontRef>
+        </p:style>
+        <p:txBody>
+          <a:bodyPr rtlCol="0" anchor="ctr"/>
+          <a:lstStyle/>
+          <a:p>
+            <a:pPr algn="ctr"/>
+            <a:r>
+              <a:rPr lang="de-DE" sz="1600" b="1" dirty="0">
+                <a:solidFill>
+                  <a:schemeClr val="tx1"/>
+                </a:solidFill>
+                <a:latin typeface="Arial" panose="020B0604020202020204" pitchFamily="34" charset="0"/>
+                <a:cs typeface="Arial" panose="020B0604020202020204" pitchFamily="34" charset="0"/>
+              </a:rPr>
+              <a:t>Input </a:t>
+            </a:r>
+            <a:r>
+              <a:rPr lang="de-DE" sz="1600" b="1" dirty="0" err="1">
+                <a:solidFill>
+                  <a:schemeClr val="tx1"/>
+                </a:solidFill>
+                <a:latin typeface="Arial" panose="020B0604020202020204" pitchFamily="34" charset="0"/>
+                <a:cs typeface="Arial" panose="020B0604020202020204" pitchFamily="34" charset="0"/>
+              </a:rPr>
+              <a:t>Object</a:t>
+            </a:r>
+            <a:endParaRPr lang="de-DE" sz="1600" b="1" dirty="0">
+              <a:solidFill>
+                <a:schemeClr val="tx1"/>
+              </a:solidFill>
+              <a:latin typeface="Arial" panose="020B0604020202020204" pitchFamily="34" charset="0"/>
+              <a:cs typeface="Arial" panose="020B0604020202020204" pitchFamily="34" charset="0"/>
+            </a:endParaRPr>
+          </a:p>
+          <a:p>
+            <a:pPr algn="ctr"/>
+            <a:endParaRPr lang="de-DE" sz="1600" b="1" dirty="0">
+              <a:solidFill>
+                <a:schemeClr val="tx1"/>
+              </a:solidFill>
+              <a:latin typeface="Arial" panose="020B0604020202020204" pitchFamily="34" charset="0"/>
+              <a:cs typeface="Arial" panose="020B0604020202020204" pitchFamily="34" charset="0"/>
+            </a:endParaRPr>
+          </a:p>
+          <a:p>
+            <a:r>
+              <a:rPr lang="de-DE" sz="1400" dirty="0" err="1">
+                <a:solidFill>
+                  <a:schemeClr val="tx1"/>
+                </a:solidFill>
+                <a:latin typeface="Arial" panose="020B0604020202020204" pitchFamily="34" charset="0"/>
+                <a:cs typeface="Arial" panose="020B0604020202020204" pitchFamily="34" charset="0"/>
+              </a:rPr>
+              <a:t>Object</a:t>
+            </a:r>
+            <a:r>
+              <a:rPr lang="de-DE" sz="1400" dirty="0">
+                <a:solidFill>
+                  <a:schemeClr val="tx1"/>
+                </a:solidFill>
+                <a:latin typeface="Arial" panose="020B0604020202020204" pitchFamily="34" charset="0"/>
+                <a:cs typeface="Arial" panose="020B0604020202020204" pitchFamily="34" charset="0"/>
+              </a:rPr>
+              <a:t> </a:t>
+            </a:r>
+            <a:r>
+              <a:rPr lang="de-DE" sz="1400" dirty="0" err="1">
+                <a:solidFill>
+                  <a:schemeClr val="tx1"/>
+                </a:solidFill>
+                <a:latin typeface="Arial" panose="020B0604020202020204" pitchFamily="34" charset="0"/>
+                <a:cs typeface="Arial" panose="020B0604020202020204" pitchFamily="34" charset="0"/>
+              </a:rPr>
+              <a:t>containing</a:t>
+            </a:r>
+            <a:r>
+              <a:rPr lang="de-DE" sz="1400" dirty="0">
+                <a:solidFill>
+                  <a:schemeClr val="tx1"/>
+                </a:solidFill>
+                <a:latin typeface="Arial" panose="020B0604020202020204" pitchFamily="34" charset="0"/>
+                <a:cs typeface="Arial" panose="020B0604020202020204" pitchFamily="34" charset="0"/>
+              </a:rPr>
+              <a:t> </a:t>
+            </a:r>
+            <a:r>
+              <a:rPr lang="de-DE" sz="1400" dirty="0" err="1">
+                <a:solidFill>
+                  <a:schemeClr val="tx1"/>
+                </a:solidFill>
+                <a:latin typeface="Arial" panose="020B0604020202020204" pitchFamily="34" charset="0"/>
+                <a:cs typeface="Arial" panose="020B0604020202020204" pitchFamily="34" charset="0"/>
+              </a:rPr>
+              <a:t>seller</a:t>
+            </a:r>
+            <a:r>
+              <a:rPr lang="de-DE" sz="1400" dirty="0">
+                <a:solidFill>
+                  <a:schemeClr val="tx1"/>
+                </a:solidFill>
+                <a:latin typeface="Arial" panose="020B0604020202020204" pitchFamily="34" charset="0"/>
+                <a:cs typeface="Arial" panose="020B0604020202020204" pitchFamily="34" charset="0"/>
+              </a:rPr>
+              <a:t> </a:t>
+            </a:r>
+            <a:r>
+              <a:rPr lang="de-DE" sz="1400" dirty="0" err="1">
+                <a:solidFill>
+                  <a:schemeClr val="tx1"/>
+                </a:solidFill>
+                <a:latin typeface="Arial" panose="020B0604020202020204" pitchFamily="34" charset="0"/>
+                <a:cs typeface="Arial" panose="020B0604020202020204" pitchFamily="34" charset="0"/>
+              </a:rPr>
+              <a:t>data</a:t>
+            </a:r>
+            <a:r>
+              <a:rPr lang="de-DE" sz="1400" dirty="0">
+                <a:solidFill>
+                  <a:schemeClr val="tx1"/>
+                </a:solidFill>
+                <a:latin typeface="Arial" panose="020B0604020202020204" pitchFamily="34" charset="0"/>
+                <a:cs typeface="Arial" panose="020B0604020202020204" pitchFamily="34" charset="0"/>
+              </a:rPr>
+              <a:t> in a n-dimensional </a:t>
+            </a:r>
+            <a:r>
+              <a:rPr lang="de-DE" sz="1400" dirty="0" err="1">
+                <a:solidFill>
+                  <a:schemeClr val="tx1"/>
+                </a:solidFill>
+                <a:latin typeface="Arial" panose="020B0604020202020204" pitchFamily="34" charset="0"/>
+                <a:cs typeface="Arial" panose="020B0604020202020204" pitchFamily="34" charset="0"/>
+              </a:rPr>
+              <a:t>space</a:t>
+            </a:r>
+            <a:endParaRPr lang="en-US" sz="1400" dirty="0">
+              <a:solidFill>
+                <a:schemeClr val="tx1"/>
+              </a:solidFill>
+              <a:latin typeface="Arial" panose="020B0604020202020204" pitchFamily="34" charset="0"/>
+              <a:cs typeface="Arial" panose="020B0604020202020204" pitchFamily="34" charset="0"/>
+            </a:endParaRPr>
+          </a:p>
+        </p:txBody>
+      </p:sp>
       <p:cxnSp>
         <p:nvCxnSpPr>
-          <p:cNvPr id="85" name="Verbinder: gewinkelt 84">
-            <a:extLst>
-              <a:ext uri="{FF2B5EF4-FFF2-40B4-BE49-F238E27FC236}">
-                <a16:creationId xmlns:a16="http://schemas.microsoft.com/office/drawing/2014/main" id="{E7F6888B-9C5F-4FCF-956C-399E24259F95}"/>
+          <p:cNvPr id="33" name="Gerade Verbindung mit Pfeil 32">
+            <a:extLst>
+              <a:ext uri="{FF2B5EF4-FFF2-40B4-BE49-F238E27FC236}">
+                <a16:creationId xmlns:a16="http://schemas.microsoft.com/office/drawing/2014/main" id="{CCD466C0-799B-4A2A-A0CC-BE1B35A795F0}"/>
               </a:ext>
             </a:extLst>
           </p:cNvPr>
           <p:cNvCxnSpPr>
             <a:cxnSpLocks/>
-            <a:stCxn id="70" idx="3"/>
-            <a:endCxn id="78" idx="2"/>
           </p:cNvCxnSpPr>
           <p:nvPr/>
         </p:nvCxnSpPr>
         <p:spPr>
-          <a:xfrm flipV="1">
-            <a:off x="9318168" y="4029900"/>
-            <a:ext cx="1029790" cy="1382496"/>
+          <a:xfrm>
+            <a:off x="2869475" y="1219185"/>
+            <a:ext cx="488766" cy="1"/>
           </a:xfrm>
-          <a:prstGeom prst="bentConnector2">
+          <a:prstGeom prst="straightConnector1">
+            <a:avLst/>
+          </a:prstGeom>
+          <a:ln w="38100">
+            <a:solidFill>
+              <a:schemeClr val="bg2">
+                <a:lumMod val="50000"/>
+              </a:schemeClr>
+            </a:solidFill>
+            <a:tailEnd type="triangle"/>
+          </a:ln>
+        </p:spPr>
+        <p:style>
+          <a:lnRef idx="1">
+            <a:schemeClr val="accent1"/>
+          </a:lnRef>
+          <a:fillRef idx="0">
+            <a:schemeClr val="accent1"/>
+          </a:fillRef>
+          <a:effectRef idx="0">
+            <a:schemeClr val="accent1"/>
+          </a:effectRef>
+          <a:fontRef idx="minor">
+            <a:schemeClr val="tx1"/>
+          </a:fontRef>
+        </p:style>
+      </p:cxnSp>
+      <p:cxnSp>
+        <p:nvCxnSpPr>
+          <p:cNvPr id="48" name="Gerade Verbindung mit Pfeil 47">
+            <a:extLst>
+              <a:ext uri="{FF2B5EF4-FFF2-40B4-BE49-F238E27FC236}">
+                <a16:creationId xmlns:a16="http://schemas.microsoft.com/office/drawing/2014/main" id="{1202EB7F-0D36-4812-8ED1-ECD5599CB989}"/>
+              </a:ext>
+            </a:extLst>
+          </p:cNvPr>
+          <p:cNvCxnSpPr>
+            <a:cxnSpLocks/>
+          </p:cNvCxnSpPr>
+          <p:nvPr/>
+        </p:nvCxnSpPr>
+        <p:spPr>
+          <a:xfrm>
+            <a:off x="2869475" y="1483717"/>
+            <a:ext cx="488766" cy="1"/>
+          </a:xfrm>
+          <a:prstGeom prst="straightConnector1">
             <a:avLst/>
           </a:prstGeom>
           <a:ln w="38100">
@@ -6901,6 +6921,520 @@
           </a:fontRef>
         </p:style>
       </p:cxnSp>
+      <p:cxnSp>
+        <p:nvCxnSpPr>
+          <p:cNvPr id="49" name="Gerade Verbindung mit Pfeil 48">
+            <a:extLst>
+              <a:ext uri="{FF2B5EF4-FFF2-40B4-BE49-F238E27FC236}">
+                <a16:creationId xmlns:a16="http://schemas.microsoft.com/office/drawing/2014/main" id="{5BD4038A-BF1E-4F05-B20F-AB2953F0D62E}"/>
+              </a:ext>
+            </a:extLst>
+          </p:cNvPr>
+          <p:cNvCxnSpPr>
+            <a:cxnSpLocks/>
+          </p:cNvCxnSpPr>
+          <p:nvPr/>
+        </p:nvCxnSpPr>
+        <p:spPr>
+          <a:xfrm>
+            <a:off x="6328408" y="1577859"/>
+            <a:ext cx="488766" cy="1"/>
+          </a:xfrm>
+          <a:prstGeom prst="straightConnector1">
+            <a:avLst/>
+          </a:prstGeom>
+          <a:ln w="38100">
+            <a:solidFill>
+              <a:schemeClr val="tx1"/>
+            </a:solidFill>
+            <a:tailEnd type="triangle"/>
+          </a:ln>
+        </p:spPr>
+        <p:style>
+          <a:lnRef idx="1">
+            <a:schemeClr val="accent1"/>
+          </a:lnRef>
+          <a:fillRef idx="0">
+            <a:schemeClr val="accent1"/>
+          </a:fillRef>
+          <a:effectRef idx="0">
+            <a:schemeClr val="accent1"/>
+          </a:effectRef>
+          <a:fontRef idx="minor">
+            <a:schemeClr val="tx1"/>
+          </a:fontRef>
+        </p:style>
+      </p:cxnSp>
+      <p:grpSp>
+        <p:nvGrpSpPr>
+          <p:cNvPr id="42" name="Gruppieren 41">
+            <a:extLst>
+              <a:ext uri="{FF2B5EF4-FFF2-40B4-BE49-F238E27FC236}">
+                <a16:creationId xmlns:a16="http://schemas.microsoft.com/office/drawing/2014/main" id="{78EA3F55-7334-4B83-B5B8-0E2726C8BAD0}"/>
+              </a:ext>
+            </a:extLst>
+          </p:cNvPr>
+          <p:cNvGrpSpPr/>
+          <p:nvPr/>
+        </p:nvGrpSpPr>
+        <p:grpSpPr>
+          <a:xfrm>
+            <a:off x="348342" y="2588609"/>
+            <a:ext cx="2521134" cy="1458706"/>
+            <a:chOff x="348342" y="2588609"/>
+            <a:chExt cx="2521134" cy="1458706"/>
+          </a:xfrm>
+        </p:grpSpPr>
+        <p:sp>
+          <p:nvSpPr>
+            <p:cNvPr id="9" name="Rechteck 8">
+              <a:extLst>
+                <a:ext uri="{FF2B5EF4-FFF2-40B4-BE49-F238E27FC236}">
+                  <a16:creationId xmlns:a16="http://schemas.microsoft.com/office/drawing/2014/main" id="{329D9629-59BF-49D6-A867-0BA8423816C9}"/>
+                </a:ext>
+              </a:extLst>
+            </p:cNvPr>
+            <p:cNvSpPr/>
+            <p:nvPr/>
+          </p:nvSpPr>
+          <p:spPr>
+            <a:xfrm>
+              <a:off x="348342" y="2588609"/>
+              <a:ext cx="2520598" cy="1458706"/>
+            </a:xfrm>
+            <a:prstGeom prst="rect">
+              <a:avLst/>
+            </a:prstGeom>
+            <a:solidFill>
+              <a:schemeClr val="bg1">
+                <a:lumMod val="95000"/>
+              </a:schemeClr>
+            </a:solidFill>
+            <a:ln w="38100">
+              <a:solidFill>
+                <a:schemeClr val="tx1"/>
+              </a:solidFill>
+            </a:ln>
+            <a:effectLst>
+              <a:outerShdw blurRad="50800" dist="38100" dir="2700000" algn="tl" rotWithShape="0">
+                <a:prstClr val="black">
+                  <a:alpha val="40000"/>
+                </a:prstClr>
+              </a:outerShdw>
+            </a:effectLst>
+          </p:spPr>
+          <p:style>
+            <a:lnRef idx="2">
+              <a:schemeClr val="accent1">
+                <a:shade val="50000"/>
+              </a:schemeClr>
+            </a:lnRef>
+            <a:fillRef idx="1">
+              <a:schemeClr val="accent1"/>
+            </a:fillRef>
+            <a:effectRef idx="0">
+              <a:schemeClr val="accent1"/>
+            </a:effectRef>
+            <a:fontRef idx="minor">
+              <a:schemeClr val="lt1"/>
+            </a:fontRef>
+          </p:style>
+          <p:txBody>
+            <a:bodyPr rtlCol="0" anchor="ctr"/>
+            <a:lstStyle/>
+            <a:p>
+              <a:pPr algn="ctr"/>
+              <a:endParaRPr lang="en-US" dirty="0"/>
+            </a:p>
+          </p:txBody>
+        </p:sp>
+        <p:sp>
+          <p:nvSpPr>
+            <p:cNvPr id="15" name="Rechteck 14">
+              <a:extLst>
+                <a:ext uri="{FF2B5EF4-FFF2-40B4-BE49-F238E27FC236}">
+                  <a16:creationId xmlns:a16="http://schemas.microsoft.com/office/drawing/2014/main" id="{27DABF15-B9A8-4F96-97FF-724C082462C8}"/>
+                </a:ext>
+              </a:extLst>
+            </p:cNvPr>
+            <p:cNvSpPr/>
+            <p:nvPr/>
+          </p:nvSpPr>
+          <p:spPr>
+            <a:xfrm>
+              <a:off x="843641" y="2658280"/>
+              <a:ext cx="1457598" cy="322217"/>
+            </a:xfrm>
+            <a:prstGeom prst="rect">
+              <a:avLst/>
+            </a:prstGeom>
+            <a:noFill/>
+            <a:ln>
+              <a:noFill/>
+            </a:ln>
+          </p:spPr>
+          <p:style>
+            <a:lnRef idx="2">
+              <a:schemeClr val="accent1">
+                <a:shade val="50000"/>
+              </a:schemeClr>
+            </a:lnRef>
+            <a:fillRef idx="1">
+              <a:schemeClr val="accent1"/>
+            </a:fillRef>
+            <a:effectRef idx="0">
+              <a:schemeClr val="accent1"/>
+            </a:effectRef>
+            <a:fontRef idx="minor">
+              <a:schemeClr val="lt1"/>
+            </a:fontRef>
+          </p:style>
+          <p:txBody>
+            <a:bodyPr rtlCol="0" anchor="ctr"/>
+            <a:lstStyle/>
+            <a:p>
+              <a:pPr algn="ctr"/>
+              <a:r>
+                <a:rPr lang="de-DE" sz="1600" b="1" dirty="0">
+                  <a:solidFill>
+                    <a:schemeClr val="tx1"/>
+                  </a:solidFill>
+                  <a:latin typeface="Arial" panose="020B0604020202020204" pitchFamily="34" charset="0"/>
+                  <a:cs typeface="Arial" panose="020B0604020202020204" pitchFamily="34" charset="0"/>
+                </a:rPr>
+                <a:t>DATAFLOWS</a:t>
+              </a:r>
+              <a:endParaRPr lang="en-US" sz="1600" b="1" dirty="0">
+                <a:solidFill>
+                  <a:schemeClr val="tx1"/>
+                </a:solidFill>
+                <a:latin typeface="Arial" panose="020B0604020202020204" pitchFamily="34" charset="0"/>
+                <a:cs typeface="Arial" panose="020B0604020202020204" pitchFamily="34" charset="0"/>
+              </a:endParaRPr>
+            </a:p>
+          </p:txBody>
+        </p:sp>
+        <p:cxnSp>
+          <p:nvCxnSpPr>
+            <p:cNvPr id="50" name="Gerade Verbindung mit Pfeil 49">
+              <a:extLst>
+                <a:ext uri="{FF2B5EF4-FFF2-40B4-BE49-F238E27FC236}">
+                  <a16:creationId xmlns:a16="http://schemas.microsoft.com/office/drawing/2014/main" id="{E6443F60-4793-4CE0-88DC-BC3F3B048D62}"/>
+                </a:ext>
+              </a:extLst>
+            </p:cNvPr>
+            <p:cNvCxnSpPr>
+              <a:cxnSpLocks/>
+            </p:cNvCxnSpPr>
+            <p:nvPr/>
+          </p:nvCxnSpPr>
+          <p:spPr>
+            <a:xfrm>
+              <a:off x="464821" y="3174259"/>
+              <a:ext cx="378820" cy="1634"/>
+            </a:xfrm>
+            <a:prstGeom prst="straightConnector1">
+              <a:avLst/>
+            </a:prstGeom>
+            <a:ln w="38100">
+              <a:solidFill>
+                <a:schemeClr val="bg2">
+                  <a:lumMod val="50000"/>
+                </a:schemeClr>
+              </a:solidFill>
+              <a:tailEnd type="triangle"/>
+            </a:ln>
+          </p:spPr>
+          <p:style>
+            <a:lnRef idx="1">
+              <a:schemeClr val="accent1"/>
+            </a:lnRef>
+            <a:fillRef idx="0">
+              <a:schemeClr val="accent1"/>
+            </a:fillRef>
+            <a:effectRef idx="0">
+              <a:schemeClr val="accent1"/>
+            </a:effectRef>
+            <a:fontRef idx="minor">
+              <a:schemeClr val="tx1"/>
+            </a:fontRef>
+          </p:style>
+        </p:cxnSp>
+        <p:cxnSp>
+          <p:nvCxnSpPr>
+            <p:cNvPr id="51" name="Gerade Verbindung mit Pfeil 50">
+              <a:extLst>
+                <a:ext uri="{FF2B5EF4-FFF2-40B4-BE49-F238E27FC236}">
+                  <a16:creationId xmlns:a16="http://schemas.microsoft.com/office/drawing/2014/main" id="{0B6B2857-EAAF-4F7D-91BB-E7DF97D40FF6}"/>
+                </a:ext>
+              </a:extLst>
+            </p:cNvPr>
+            <p:cNvCxnSpPr>
+              <a:cxnSpLocks/>
+            </p:cNvCxnSpPr>
+            <p:nvPr/>
+          </p:nvCxnSpPr>
+          <p:spPr>
+            <a:xfrm>
+              <a:off x="464821" y="3572675"/>
+              <a:ext cx="378820" cy="11439"/>
+            </a:xfrm>
+            <a:prstGeom prst="straightConnector1">
+              <a:avLst/>
+            </a:prstGeom>
+            <a:ln w="38100">
+              <a:solidFill>
+                <a:schemeClr val="tx1"/>
+              </a:solidFill>
+              <a:tailEnd type="triangle"/>
+            </a:ln>
+          </p:spPr>
+          <p:style>
+            <a:lnRef idx="1">
+              <a:schemeClr val="accent1"/>
+            </a:lnRef>
+            <a:fillRef idx="0">
+              <a:schemeClr val="accent1"/>
+            </a:fillRef>
+            <a:effectRef idx="0">
+              <a:schemeClr val="accent1"/>
+            </a:effectRef>
+            <a:fontRef idx="minor">
+              <a:schemeClr val="tx1"/>
+            </a:fontRef>
+          </p:style>
+        </p:cxnSp>
+        <p:sp>
+          <p:nvSpPr>
+            <p:cNvPr id="52" name="Rechteck 51">
+              <a:extLst>
+                <a:ext uri="{FF2B5EF4-FFF2-40B4-BE49-F238E27FC236}">
+                  <a16:creationId xmlns:a16="http://schemas.microsoft.com/office/drawing/2014/main" id="{BDC8C817-F420-4F6D-A84B-D9E24E2B9D81}"/>
+                </a:ext>
+              </a:extLst>
+            </p:cNvPr>
+            <p:cNvSpPr/>
+            <p:nvPr/>
+          </p:nvSpPr>
+          <p:spPr>
+            <a:xfrm>
+              <a:off x="843642" y="3066490"/>
+              <a:ext cx="2025834" cy="218806"/>
+            </a:xfrm>
+            <a:prstGeom prst="rect">
+              <a:avLst/>
+            </a:prstGeom>
+            <a:noFill/>
+            <a:ln>
+              <a:noFill/>
+            </a:ln>
+          </p:spPr>
+          <p:style>
+            <a:lnRef idx="2">
+              <a:schemeClr val="accent1">
+                <a:shade val="50000"/>
+              </a:schemeClr>
+            </a:lnRef>
+            <a:fillRef idx="1">
+              <a:schemeClr val="accent1"/>
+            </a:fillRef>
+            <a:effectRef idx="0">
+              <a:schemeClr val="accent1"/>
+            </a:effectRef>
+            <a:fontRef idx="minor">
+              <a:schemeClr val="lt1"/>
+            </a:fontRef>
+          </p:style>
+          <p:txBody>
+            <a:bodyPr rtlCol="0" anchor="ctr"/>
+            <a:lstStyle/>
+            <a:p>
+              <a:r>
+                <a:rPr lang="de-DE" sz="1200" dirty="0">
+                  <a:solidFill>
+                    <a:schemeClr val="tx1"/>
+                  </a:solidFill>
+                  <a:latin typeface="Arial" panose="020B0604020202020204" pitchFamily="34" charset="0"/>
+                  <a:cs typeface="Arial" panose="020B0604020202020204" pitchFamily="34" charset="0"/>
+                </a:rPr>
+                <a:t>Flow </a:t>
+              </a:r>
+              <a:r>
+                <a:rPr lang="de-DE" sz="1200" dirty="0" err="1">
+                  <a:solidFill>
+                    <a:schemeClr val="tx1"/>
+                  </a:solidFill>
+                  <a:latin typeface="Arial" panose="020B0604020202020204" pitchFamily="34" charset="0"/>
+                  <a:cs typeface="Arial" panose="020B0604020202020204" pitchFamily="34" charset="0"/>
+                </a:rPr>
+                <a:t>for</a:t>
+              </a:r>
+              <a:r>
+                <a:rPr lang="de-DE" sz="1200" dirty="0">
+                  <a:solidFill>
+                    <a:schemeClr val="tx1"/>
+                  </a:solidFill>
+                  <a:latin typeface="Arial" panose="020B0604020202020204" pitchFamily="34" charset="0"/>
+                  <a:cs typeface="Arial" panose="020B0604020202020204" pitchFamily="34" charset="0"/>
+                </a:rPr>
+                <a:t> </a:t>
+              </a:r>
+              <a:r>
+                <a:rPr lang="de-DE" sz="1200" dirty="0" err="1">
+                  <a:solidFill>
+                    <a:schemeClr val="tx1"/>
+                  </a:solidFill>
+                  <a:latin typeface="Arial" panose="020B0604020202020204" pitchFamily="34" charset="0"/>
+                  <a:cs typeface="Arial" panose="020B0604020202020204" pitchFamily="34" charset="0"/>
+                </a:rPr>
+                <a:t>existing</a:t>
+              </a:r>
+              <a:r>
+                <a:rPr lang="de-DE" sz="1200" dirty="0">
+                  <a:solidFill>
+                    <a:schemeClr val="tx1"/>
+                  </a:solidFill>
+                  <a:latin typeface="Arial" panose="020B0604020202020204" pitchFamily="34" charset="0"/>
+                  <a:cs typeface="Arial" panose="020B0604020202020204" pitchFamily="34" charset="0"/>
+                </a:rPr>
+                <a:t> </a:t>
+              </a:r>
+              <a:r>
+                <a:rPr lang="de-DE" sz="1200" dirty="0" err="1">
+                  <a:solidFill>
+                    <a:schemeClr val="tx1"/>
+                  </a:solidFill>
+                  <a:latin typeface="Arial" panose="020B0604020202020204" pitchFamily="34" charset="0"/>
+                  <a:cs typeface="Arial" panose="020B0604020202020204" pitchFamily="34" charset="0"/>
+                </a:rPr>
+                <a:t>partners</a:t>
+              </a:r>
+              <a:endParaRPr lang="en-US" sz="1200" dirty="0">
+                <a:solidFill>
+                  <a:schemeClr val="tx1"/>
+                </a:solidFill>
+                <a:latin typeface="Arial" panose="020B0604020202020204" pitchFamily="34" charset="0"/>
+                <a:cs typeface="Arial" panose="020B0604020202020204" pitchFamily="34" charset="0"/>
+              </a:endParaRPr>
+            </a:p>
+          </p:txBody>
+        </p:sp>
+        <p:sp>
+          <p:nvSpPr>
+            <p:cNvPr id="53" name="Rechteck 52">
+              <a:extLst>
+                <a:ext uri="{FF2B5EF4-FFF2-40B4-BE49-F238E27FC236}">
+                  <a16:creationId xmlns:a16="http://schemas.microsoft.com/office/drawing/2014/main" id="{374130FE-6861-4C39-820F-BD0A47E5219C}"/>
+                </a:ext>
+              </a:extLst>
+            </p:cNvPr>
+            <p:cNvSpPr/>
+            <p:nvPr/>
+          </p:nvSpPr>
+          <p:spPr>
+            <a:xfrm>
+              <a:off x="843105" y="3464374"/>
+              <a:ext cx="2025834" cy="218806"/>
+            </a:xfrm>
+            <a:prstGeom prst="rect">
+              <a:avLst/>
+            </a:prstGeom>
+            <a:noFill/>
+            <a:ln>
+              <a:noFill/>
+            </a:ln>
+          </p:spPr>
+          <p:style>
+            <a:lnRef idx="2">
+              <a:schemeClr val="accent1">
+                <a:shade val="50000"/>
+              </a:schemeClr>
+            </a:lnRef>
+            <a:fillRef idx="1">
+              <a:schemeClr val="accent1"/>
+            </a:fillRef>
+            <a:effectRef idx="0">
+              <a:schemeClr val="accent1"/>
+            </a:effectRef>
+            <a:fontRef idx="minor">
+              <a:schemeClr val="lt1"/>
+            </a:fontRef>
+          </p:style>
+          <p:txBody>
+            <a:bodyPr rtlCol="0" anchor="ctr"/>
+            <a:lstStyle/>
+            <a:p>
+              <a:r>
+                <a:rPr lang="de-DE" sz="1200" dirty="0">
+                  <a:solidFill>
+                    <a:schemeClr val="tx1"/>
+                  </a:solidFill>
+                  <a:latin typeface="Arial" panose="020B0604020202020204" pitchFamily="34" charset="0"/>
+                  <a:cs typeface="Arial" panose="020B0604020202020204" pitchFamily="34" charset="0"/>
+                </a:rPr>
+                <a:t>Flow </a:t>
+              </a:r>
+              <a:r>
+                <a:rPr lang="de-DE" sz="1200" dirty="0" err="1">
+                  <a:solidFill>
+                    <a:schemeClr val="tx1"/>
+                  </a:solidFill>
+                  <a:latin typeface="Arial" panose="020B0604020202020204" pitchFamily="34" charset="0"/>
+                  <a:cs typeface="Arial" panose="020B0604020202020204" pitchFamily="34" charset="0"/>
+                </a:rPr>
+                <a:t>for</a:t>
+              </a:r>
+              <a:r>
+                <a:rPr lang="de-DE" sz="1200" dirty="0">
+                  <a:solidFill>
+                    <a:schemeClr val="tx1"/>
+                  </a:solidFill>
+                  <a:latin typeface="Arial" panose="020B0604020202020204" pitchFamily="34" charset="0"/>
+                  <a:cs typeface="Arial" panose="020B0604020202020204" pitchFamily="34" charset="0"/>
+                </a:rPr>
+                <a:t> </a:t>
+              </a:r>
+              <a:r>
+                <a:rPr lang="de-DE" sz="1200" dirty="0" err="1">
+                  <a:solidFill>
+                    <a:schemeClr val="tx1"/>
+                  </a:solidFill>
+                  <a:latin typeface="Arial" panose="020B0604020202020204" pitchFamily="34" charset="0"/>
+                  <a:cs typeface="Arial" panose="020B0604020202020204" pitchFamily="34" charset="0"/>
+                </a:rPr>
+                <a:t>new</a:t>
+              </a:r>
+              <a:r>
+                <a:rPr lang="de-DE" sz="1200" dirty="0">
+                  <a:solidFill>
+                    <a:schemeClr val="tx1"/>
+                  </a:solidFill>
+                  <a:latin typeface="Arial" panose="020B0604020202020204" pitchFamily="34" charset="0"/>
+                  <a:cs typeface="Arial" panose="020B0604020202020204" pitchFamily="34" charset="0"/>
+                </a:rPr>
+                <a:t> </a:t>
+              </a:r>
+              <a:r>
+                <a:rPr lang="de-DE" sz="1200" dirty="0" err="1">
+                  <a:solidFill>
+                    <a:schemeClr val="tx1"/>
+                  </a:solidFill>
+                  <a:latin typeface="Arial" panose="020B0604020202020204" pitchFamily="34" charset="0"/>
+                  <a:cs typeface="Arial" panose="020B0604020202020204" pitchFamily="34" charset="0"/>
+                </a:rPr>
+                <a:t>partners</a:t>
+              </a:r>
+              <a:endParaRPr lang="en-US" sz="1200" dirty="0">
+                <a:solidFill>
+                  <a:schemeClr val="tx1"/>
+                </a:solidFill>
+                <a:latin typeface="Arial" panose="020B0604020202020204" pitchFamily="34" charset="0"/>
+                <a:cs typeface="Arial" panose="020B0604020202020204" pitchFamily="34" charset="0"/>
+              </a:endParaRPr>
+            </a:p>
+          </p:txBody>
+        </p:sp>
+      </p:grpSp>
     </p:spTree>
     <p:extLst>
       <p:ext uri="{BB962C8B-B14F-4D97-AF65-F5344CB8AC3E}">
@@ -6945,16 +7479,16 @@
         </p:nvSpPr>
         <p:spPr>
           <a:xfrm>
-            <a:off x="348343" y="457196"/>
-            <a:ext cx="2525486" cy="1532709"/>
+            <a:off x="348343" y="452835"/>
+            <a:ext cx="2525486" cy="1058095"/>
           </a:xfrm>
           <a:prstGeom prst="rect">
             <a:avLst/>
           </a:prstGeom>
           <a:solidFill>
-            <a:schemeClr val="accent1">
-              <a:lumMod val="40000"/>
-              <a:lumOff val="60000"/>
+            <a:schemeClr val="accent2">
+              <a:lumMod val="60000"/>
+              <a:lumOff val="40000"/>
             </a:schemeClr>
           </a:solidFill>
           <a:ln>
@@ -6990,8 +7524,25 @@
                 <a:latin typeface="Arial" panose="020B0604020202020204" pitchFamily="34" charset="0"/>
                 <a:cs typeface="Arial" panose="020B0604020202020204" pitchFamily="34" charset="0"/>
               </a:rPr>
-              <a:t>Raw Data</a:t>
-            </a:r>
+              <a:t>Create </a:t>
+            </a:r>
+            <a:r>
+              <a:rPr lang="de-DE" sz="1600" b="1" dirty="0" err="1">
+                <a:solidFill>
+                  <a:schemeClr val="tx1"/>
+                </a:solidFill>
+                <a:latin typeface="Arial" panose="020B0604020202020204" pitchFamily="34" charset="0"/>
+                <a:cs typeface="Arial" panose="020B0604020202020204" pitchFamily="34" charset="0"/>
+              </a:rPr>
+              <a:t>project</a:t>
+            </a:r>
+            <a:endParaRPr lang="de-DE" sz="1600" b="1" dirty="0">
+              <a:solidFill>
+                <a:schemeClr val="tx1"/>
+              </a:solidFill>
+              <a:latin typeface="Arial" panose="020B0604020202020204" pitchFamily="34" charset="0"/>
+              <a:cs typeface="Arial" panose="020B0604020202020204" pitchFamily="34" charset="0"/>
+            </a:endParaRPr>
           </a:p>
           <a:p>
             <a:pPr algn="ctr"/>
@@ -7004,25 +7555,16 @@
             </a:endParaRPr>
           </a:p>
           <a:p>
-            <a:r>
-              <a:rPr lang="de-DE" sz="1400" dirty="0">
-                <a:solidFill>
-                  <a:schemeClr val="tx1"/>
-                </a:solidFill>
-                <a:latin typeface="Arial" panose="020B0604020202020204" pitchFamily="34" charset="0"/>
-                <a:cs typeface="Arial" panose="020B0604020202020204" pitchFamily="34" charset="0"/>
-              </a:rPr>
-              <a:t>Objects </a:t>
-            </a:r>
-            <a:r>
-              <a:rPr lang="de-DE" sz="1400" dirty="0" err="1">
-                <a:solidFill>
-                  <a:schemeClr val="tx1"/>
-                </a:solidFill>
-                <a:latin typeface="Arial" panose="020B0604020202020204" pitchFamily="34" charset="0"/>
-                <a:cs typeface="Arial" panose="020B0604020202020204" pitchFamily="34" charset="0"/>
-              </a:rPr>
-              <a:t>containing</a:t>
+            <a:pPr algn="ctr"/>
+            <a:r>
+              <a:rPr lang="de-DE" sz="1400" dirty="0" err="1">
+                <a:solidFill>
+                  <a:schemeClr val="tx1"/>
+                </a:solidFill>
+                <a:latin typeface="Arial" panose="020B0604020202020204" pitchFamily="34" charset="0"/>
+                <a:cs typeface="Arial" panose="020B0604020202020204" pitchFamily="34" charset="0"/>
+              </a:rPr>
+              <a:t>Define</a:t>
             </a:r>
             <a:r>
               <a:rPr lang="de-DE" sz="1400" dirty="0">
@@ -7042,167 +7584,27 @@
                 <a:latin typeface="Arial" panose="020B0604020202020204" pitchFamily="34" charset="0"/>
                 <a:cs typeface="Arial" panose="020B0604020202020204" pitchFamily="34" charset="0"/>
               </a:rPr>
-              <a:t>order</a:t>
-            </a:r>
-            <a:r>
-              <a:rPr lang="de-DE" sz="1400" dirty="0">
-                <a:solidFill>
-                  <a:schemeClr val="tx1"/>
-                </a:solidFill>
-                <a:latin typeface="Arial" panose="020B0604020202020204" pitchFamily="34" charset="0"/>
-                <a:cs typeface="Arial" panose="020B0604020202020204" pitchFamily="34" charset="0"/>
-              </a:rPr>
-              <a:t> </a:t>
-            </a:r>
-            <a:r>
-              <a:rPr lang="de-DE" sz="1400" dirty="0" err="1">
-                <a:solidFill>
-                  <a:schemeClr val="tx1"/>
-                </a:solidFill>
-                <a:latin typeface="Arial" panose="020B0604020202020204" pitchFamily="34" charset="0"/>
-                <a:cs typeface="Arial" panose="020B0604020202020204" pitchFamily="34" charset="0"/>
-              </a:rPr>
-              <a:t>data</a:t>
-            </a:r>
-            <a:r>
-              <a:rPr lang="de-DE" sz="1400" dirty="0">
-                <a:solidFill>
-                  <a:schemeClr val="tx1"/>
-                </a:solidFill>
-                <a:latin typeface="Arial" panose="020B0604020202020204" pitchFamily="34" charset="0"/>
-                <a:cs typeface="Arial" panose="020B0604020202020204" pitchFamily="34" charset="0"/>
-              </a:rPr>
-              <a:t> </a:t>
-            </a:r>
-            <a:r>
-              <a:rPr lang="de-DE" sz="1400" dirty="0" err="1">
-                <a:solidFill>
-                  <a:schemeClr val="tx1"/>
-                </a:solidFill>
-                <a:latin typeface="Arial" panose="020B0604020202020204" pitchFamily="34" charset="0"/>
-                <a:cs typeface="Arial" panose="020B0604020202020204" pitchFamily="34" charset="0"/>
-              </a:rPr>
-              <a:t>for</a:t>
-            </a:r>
-            <a:r>
-              <a:rPr lang="de-DE" sz="1400" dirty="0">
-                <a:solidFill>
-                  <a:schemeClr val="tx1"/>
-                </a:solidFill>
-                <a:latin typeface="Arial" panose="020B0604020202020204" pitchFamily="34" charset="0"/>
-                <a:cs typeface="Arial" panose="020B0604020202020204" pitchFamily="34" charset="0"/>
-              </a:rPr>
-              <a:t> </a:t>
-            </a:r>
-            <a:r>
-              <a:rPr lang="de-DE" sz="1400" dirty="0" err="1">
-                <a:solidFill>
-                  <a:schemeClr val="tx1"/>
-                </a:solidFill>
-                <a:latin typeface="Arial" panose="020B0604020202020204" pitchFamily="34" charset="0"/>
-                <a:cs typeface="Arial" panose="020B0604020202020204" pitchFamily="34" charset="0"/>
-              </a:rPr>
-              <a:t>one</a:t>
-            </a:r>
-            <a:r>
-              <a:rPr lang="de-DE" sz="1400" dirty="0">
-                <a:solidFill>
-                  <a:schemeClr val="tx1"/>
-                </a:solidFill>
-                <a:latin typeface="Arial" panose="020B0604020202020204" pitchFamily="34" charset="0"/>
-                <a:cs typeface="Arial" panose="020B0604020202020204" pitchFamily="34" charset="0"/>
-              </a:rPr>
-              <a:t> </a:t>
-            </a:r>
-            <a:r>
-              <a:rPr lang="de-DE" sz="1400" dirty="0" err="1">
-                <a:solidFill>
-                  <a:schemeClr val="tx1"/>
-                </a:solidFill>
-                <a:latin typeface="Arial" panose="020B0604020202020204" pitchFamily="34" charset="0"/>
-                <a:cs typeface="Arial" panose="020B0604020202020204" pitchFamily="34" charset="0"/>
-              </a:rPr>
-              <a:t>or</a:t>
-            </a:r>
-            <a:r>
-              <a:rPr lang="de-DE" sz="1400" dirty="0">
-                <a:solidFill>
-                  <a:schemeClr val="tx1"/>
-                </a:solidFill>
-                <a:latin typeface="Arial" panose="020B0604020202020204" pitchFamily="34" charset="0"/>
-                <a:cs typeface="Arial" panose="020B0604020202020204" pitchFamily="34" charset="0"/>
-              </a:rPr>
-              <a:t> </a:t>
-            </a:r>
-            <a:r>
-              <a:rPr lang="de-DE" sz="1400" dirty="0" err="1">
-                <a:solidFill>
-                  <a:schemeClr val="tx1"/>
-                </a:solidFill>
-                <a:latin typeface="Arial" panose="020B0604020202020204" pitchFamily="34" charset="0"/>
-                <a:cs typeface="Arial" panose="020B0604020202020204" pitchFamily="34" charset="0"/>
-              </a:rPr>
-              <a:t>more</a:t>
-            </a:r>
-            <a:r>
-              <a:rPr lang="de-DE" sz="1400" dirty="0">
-                <a:solidFill>
-                  <a:schemeClr val="tx1"/>
-                </a:solidFill>
-                <a:latin typeface="Arial" panose="020B0604020202020204" pitchFamily="34" charset="0"/>
-                <a:cs typeface="Arial" panose="020B0604020202020204" pitchFamily="34" charset="0"/>
-              </a:rPr>
-              <a:t> </a:t>
-            </a:r>
-            <a:r>
-              <a:rPr lang="de-DE" sz="1400" dirty="0" err="1">
-                <a:solidFill>
-                  <a:schemeClr val="tx1"/>
-                </a:solidFill>
-                <a:latin typeface="Arial" panose="020B0604020202020204" pitchFamily="34" charset="0"/>
-                <a:cs typeface="Arial" panose="020B0604020202020204" pitchFamily="34" charset="0"/>
-              </a:rPr>
-              <a:t>products</a:t>
-            </a:r>
-            <a:r>
-              <a:rPr lang="de-DE" sz="1400" dirty="0">
-                <a:solidFill>
-                  <a:schemeClr val="tx1"/>
-                </a:solidFill>
-                <a:latin typeface="Arial" panose="020B0604020202020204" pitchFamily="34" charset="0"/>
-                <a:cs typeface="Arial" panose="020B0604020202020204" pitchFamily="34" charset="0"/>
-              </a:rPr>
-              <a:t> in a n-dimensional </a:t>
-            </a:r>
-            <a:r>
-              <a:rPr lang="de-DE" sz="1400" dirty="0" err="1">
-                <a:solidFill>
-                  <a:schemeClr val="tx1"/>
-                </a:solidFill>
-                <a:latin typeface="Arial" panose="020B0604020202020204" pitchFamily="34" charset="0"/>
-                <a:cs typeface="Arial" panose="020B0604020202020204" pitchFamily="34" charset="0"/>
-              </a:rPr>
-              <a:t>metric</a:t>
-            </a:r>
-            <a:r>
-              <a:rPr lang="de-DE" sz="1400" dirty="0">
-                <a:solidFill>
-                  <a:schemeClr val="tx1"/>
-                </a:solidFill>
-                <a:latin typeface="Arial" panose="020B0604020202020204" pitchFamily="34" charset="0"/>
-                <a:cs typeface="Arial" panose="020B0604020202020204" pitchFamily="34" charset="0"/>
-              </a:rPr>
-              <a:t> </a:t>
-            </a:r>
-            <a:r>
-              <a:rPr lang="de-DE" sz="1400" dirty="0" err="1">
-                <a:solidFill>
-                  <a:schemeClr val="tx1"/>
-                </a:solidFill>
-                <a:latin typeface="Arial" panose="020B0604020202020204" pitchFamily="34" charset="0"/>
-                <a:cs typeface="Arial" panose="020B0604020202020204" pitchFamily="34" charset="0"/>
-              </a:rPr>
-              <a:t>space</a:t>
+              <a:t>settings</a:t>
+            </a:r>
+            <a:r>
+              <a:rPr lang="de-DE" sz="1400" dirty="0">
+                <a:solidFill>
+                  <a:schemeClr val="tx1"/>
+                </a:solidFill>
+                <a:latin typeface="Arial" panose="020B0604020202020204" pitchFamily="34" charset="0"/>
+                <a:cs typeface="Arial" panose="020B0604020202020204" pitchFamily="34" charset="0"/>
+              </a:rPr>
+              <a:t> and </a:t>
+            </a:r>
+            <a:r>
+              <a:rPr lang="de-DE" sz="1400" dirty="0" err="1">
+                <a:solidFill>
+                  <a:schemeClr val="tx1"/>
+                </a:solidFill>
+                <a:latin typeface="Arial" panose="020B0604020202020204" pitchFamily="34" charset="0"/>
+                <a:cs typeface="Arial" panose="020B0604020202020204" pitchFamily="34" charset="0"/>
+              </a:rPr>
+              <a:t>targets</a:t>
             </a:r>
             <a:endParaRPr lang="en-US" sz="1400" dirty="0">
               <a:solidFill>
@@ -7228,8 +7630,8 @@
         </p:nvSpPr>
         <p:spPr>
           <a:xfrm>
-            <a:off x="3362595" y="452833"/>
-            <a:ext cx="2973977" cy="1532709"/>
+            <a:off x="3240675" y="452834"/>
+            <a:ext cx="2525487" cy="1058096"/>
           </a:xfrm>
           <a:prstGeom prst="roundRect">
             <a:avLst/>
@@ -7273,7 +7675,7 @@
                 <a:latin typeface="Arial" panose="020B0604020202020204" pitchFamily="34" charset="0"/>
                 <a:cs typeface="Arial" panose="020B0604020202020204" pitchFamily="34" charset="0"/>
               </a:rPr>
-              <a:t>Calculation</a:t>
+              <a:t>Loading</a:t>
             </a:r>
             <a:r>
               <a:rPr lang="de-DE" sz="1600" b="1" dirty="0">
@@ -7293,7 +7695,7 @@
                 <a:latin typeface="Arial" panose="020B0604020202020204" pitchFamily="34" charset="0"/>
                 <a:cs typeface="Arial" panose="020B0604020202020204" pitchFamily="34" charset="0"/>
               </a:rPr>
-              <a:t>of</a:t>
+              <a:t>data</a:t>
             </a:r>
             <a:r>
               <a:rPr lang="de-DE" sz="1600" b="1" dirty="0">
@@ -7303,7 +7705,7 @@
                 <a:latin typeface="Arial" panose="020B0604020202020204" pitchFamily="34" charset="0"/>
                 <a:cs typeface="Arial" panose="020B0604020202020204" pitchFamily="34" charset="0"/>
               </a:rPr>
-              <a:t> RFM </a:t>
+              <a:t> </a:t>
             </a:r>
             <a:r>
               <a:rPr lang="de-DE" sz="1600" b="1" dirty="0" err="1">
@@ -7313,7 +7715,7 @@
                 <a:latin typeface="Arial" panose="020B0604020202020204" pitchFamily="34" charset="0"/>
                 <a:cs typeface="Arial" panose="020B0604020202020204" pitchFamily="34" charset="0"/>
               </a:rPr>
-              <a:t>scores</a:t>
+              <a:t>files</a:t>
             </a:r>
             <a:endParaRPr lang="de-DE" sz="1600" b="1" dirty="0">
               <a:solidFill>
@@ -7334,35 +7736,26 @@
             </a:endParaRPr>
           </a:p>
           <a:p>
-            <a:r>
-              <a:rPr lang="de-DE" sz="1400" dirty="0" err="1">
-                <a:solidFill>
-                  <a:schemeClr val="tx1"/>
-                </a:solidFill>
-                <a:latin typeface="Arial" panose="020B0604020202020204" pitchFamily="34" charset="0"/>
-                <a:cs typeface="Arial" panose="020B0604020202020204" pitchFamily="34" charset="0"/>
-              </a:rPr>
-              <a:t>Based</a:t>
-            </a:r>
-            <a:r>
-              <a:rPr lang="de-DE" sz="1400" dirty="0">
-                <a:solidFill>
-                  <a:schemeClr val="tx1"/>
-                </a:solidFill>
-                <a:latin typeface="Arial" panose="020B0604020202020204" pitchFamily="34" charset="0"/>
-                <a:cs typeface="Arial" panose="020B0604020202020204" pitchFamily="34" charset="0"/>
-              </a:rPr>
-              <a:t> on </a:t>
-            </a:r>
-            <a:r>
-              <a:rPr lang="de-DE" sz="1400" dirty="0" err="1">
-                <a:solidFill>
-                  <a:schemeClr val="tx1"/>
-                </a:solidFill>
-                <a:latin typeface="Arial" panose="020B0604020202020204" pitchFamily="34" charset="0"/>
-                <a:cs typeface="Arial" panose="020B0604020202020204" pitchFamily="34" charset="0"/>
-              </a:rPr>
-              <a:t>input</a:t>
+            <a:pPr algn="ctr"/>
+            <a:r>
+              <a:rPr lang="de-DE" sz="1400" dirty="0">
+                <a:solidFill>
+                  <a:schemeClr val="tx1"/>
+                </a:solidFill>
+                <a:latin typeface="Arial" panose="020B0604020202020204" pitchFamily="34" charset="0"/>
+                <a:cs typeface="Arial" panose="020B0604020202020204" pitchFamily="34" charset="0"/>
+              </a:rPr>
+              <a:t>Load </a:t>
+            </a:r>
+            <a:r>
+              <a:rPr lang="de-DE" sz="1400" dirty="0" err="1">
+                <a:solidFill>
+                  <a:schemeClr val="tx1"/>
+                </a:solidFill>
+                <a:latin typeface="Arial" panose="020B0604020202020204" pitchFamily="34" charset="0"/>
+                <a:cs typeface="Arial" panose="020B0604020202020204" pitchFamily="34" charset="0"/>
+              </a:rPr>
+              <a:t>data</a:t>
             </a:r>
             <a:r>
               <a:rPr lang="de-DE" sz="1400" dirty="0">
@@ -7382,7 +7775,7 @@
                 <a:latin typeface="Arial" panose="020B0604020202020204" pitchFamily="34" charset="0"/>
                 <a:cs typeface="Arial" panose="020B0604020202020204" pitchFamily="34" charset="0"/>
               </a:rPr>
-              <a:t>features</a:t>
+              <a:t>from</a:t>
             </a:r>
             <a:r>
               <a:rPr lang="de-DE" sz="1400" dirty="0">
@@ -7402,27 +7795,7 @@
                 <a:latin typeface="Arial" panose="020B0604020202020204" pitchFamily="34" charset="0"/>
                 <a:cs typeface="Arial" panose="020B0604020202020204" pitchFamily="34" charset="0"/>
               </a:rPr>
-              <a:t>the</a:t>
-            </a:r>
-            <a:r>
-              <a:rPr lang="de-DE" sz="1400" dirty="0">
-                <a:solidFill>
-                  <a:schemeClr val="tx1"/>
-                </a:solidFill>
-                <a:latin typeface="Arial" panose="020B0604020202020204" pitchFamily="34" charset="0"/>
-                <a:cs typeface="Arial" panose="020B0604020202020204" pitchFamily="34" charset="0"/>
-              </a:rPr>
-              <a:t> individual R/F/M-</a:t>
-            </a:r>
-            <a:r>
-              <a:rPr lang="de-DE" sz="1400" dirty="0" err="1">
-                <a:solidFill>
-                  <a:schemeClr val="tx1"/>
-                </a:solidFill>
-                <a:latin typeface="Arial" panose="020B0604020202020204" pitchFamily="34" charset="0"/>
-                <a:cs typeface="Arial" panose="020B0604020202020204" pitchFamily="34" charset="0"/>
-              </a:rPr>
-              <a:t>Dimensions</a:t>
+              <a:t>csv</a:t>
             </a:r>
             <a:r>
               <a:rPr lang="de-DE" sz="1400" dirty="0">
@@ -7442,98 +7815,15 @@
                 <a:latin typeface="Arial" panose="020B0604020202020204" pitchFamily="34" charset="0"/>
                 <a:cs typeface="Arial" panose="020B0604020202020204" pitchFamily="34" charset="0"/>
               </a:rPr>
-              <a:t>are</a:t>
-            </a:r>
-            <a:r>
-              <a:rPr lang="de-DE" sz="1400" dirty="0">
-                <a:solidFill>
-                  <a:schemeClr val="tx1"/>
-                </a:solidFill>
-                <a:latin typeface="Arial" panose="020B0604020202020204" pitchFamily="34" charset="0"/>
-                <a:cs typeface="Arial" panose="020B0604020202020204" pitchFamily="34" charset="0"/>
-              </a:rPr>
-              <a:t> </a:t>
-            </a:r>
-            <a:r>
-              <a:rPr lang="de-DE" sz="1400" dirty="0" err="1">
-                <a:solidFill>
-                  <a:schemeClr val="tx1"/>
-                </a:solidFill>
-                <a:latin typeface="Arial" panose="020B0604020202020204" pitchFamily="34" charset="0"/>
-                <a:cs typeface="Arial" panose="020B0604020202020204" pitchFamily="34" charset="0"/>
-              </a:rPr>
-              <a:t>calculated</a:t>
-            </a:r>
-            <a:r>
-              <a:rPr lang="de-DE" sz="1400" dirty="0">
-                <a:solidFill>
-                  <a:schemeClr val="tx1"/>
-                </a:solidFill>
-                <a:latin typeface="Arial" panose="020B0604020202020204" pitchFamily="34" charset="0"/>
-                <a:cs typeface="Arial" panose="020B0604020202020204" pitchFamily="34" charset="0"/>
-              </a:rPr>
-              <a:t> and </a:t>
-            </a:r>
-            <a:r>
-              <a:rPr lang="de-DE" sz="1400" dirty="0" err="1">
-                <a:solidFill>
-                  <a:schemeClr val="tx1"/>
-                </a:solidFill>
-                <a:latin typeface="Arial" panose="020B0604020202020204" pitchFamily="34" charset="0"/>
-                <a:cs typeface="Arial" panose="020B0604020202020204" pitchFamily="34" charset="0"/>
-              </a:rPr>
-              <a:t>aggregated</a:t>
-            </a:r>
-            <a:r>
-              <a:rPr lang="de-DE" sz="1400" dirty="0">
-                <a:solidFill>
-                  <a:schemeClr val="tx1"/>
-                </a:solidFill>
-                <a:latin typeface="Arial" panose="020B0604020202020204" pitchFamily="34" charset="0"/>
-                <a:cs typeface="Arial" panose="020B0604020202020204" pitchFamily="34" charset="0"/>
-              </a:rPr>
-              <a:t> </a:t>
-            </a:r>
-            <a:r>
-              <a:rPr lang="de-DE" sz="1400" dirty="0" err="1">
-                <a:solidFill>
-                  <a:schemeClr val="tx1"/>
-                </a:solidFill>
-                <a:latin typeface="Arial" panose="020B0604020202020204" pitchFamily="34" charset="0"/>
-                <a:cs typeface="Arial" panose="020B0604020202020204" pitchFamily="34" charset="0"/>
-              </a:rPr>
-              <a:t>into</a:t>
-            </a:r>
-            <a:r>
-              <a:rPr lang="de-DE" sz="1400" dirty="0">
-                <a:solidFill>
-                  <a:schemeClr val="tx1"/>
-                </a:solidFill>
-                <a:latin typeface="Arial" panose="020B0604020202020204" pitchFamily="34" charset="0"/>
-                <a:cs typeface="Arial" panose="020B0604020202020204" pitchFamily="34" charset="0"/>
-              </a:rPr>
-              <a:t> </a:t>
-            </a:r>
-            <a:r>
-              <a:rPr lang="de-DE" sz="1400" dirty="0" err="1">
-                <a:solidFill>
-                  <a:schemeClr val="tx1"/>
-                </a:solidFill>
-                <a:latin typeface="Arial" panose="020B0604020202020204" pitchFamily="34" charset="0"/>
-                <a:cs typeface="Arial" panose="020B0604020202020204" pitchFamily="34" charset="0"/>
-              </a:rPr>
-              <a:t>target</a:t>
-            </a:r>
-            <a:r>
-              <a:rPr lang="de-DE" sz="1400" dirty="0">
-                <a:solidFill>
-                  <a:schemeClr val="tx1"/>
-                </a:solidFill>
-                <a:latin typeface="Arial" panose="020B0604020202020204" pitchFamily="34" charset="0"/>
-                <a:cs typeface="Arial" panose="020B0604020202020204" pitchFamily="34" charset="0"/>
-              </a:rPr>
-              <a:t> variable RFM score</a:t>
-            </a:r>
+              <a:t>files</a:t>
+            </a:r>
+            <a:endParaRPr lang="de-DE" sz="1400" dirty="0">
+              <a:solidFill>
+                <a:schemeClr val="tx1"/>
+              </a:solidFill>
+              <a:latin typeface="Arial" panose="020B0604020202020204" pitchFamily="34" charset="0"/>
+              <a:cs typeface="Arial" panose="020B0604020202020204" pitchFamily="34" charset="0"/>
+            </a:endParaRPr>
           </a:p>
         </p:txBody>
       </p:sp>
@@ -7555,8 +7845,3213 @@
         </p:nvCxnSpPr>
         <p:spPr>
           <a:xfrm flipV="1">
-            <a:off x="2873829" y="1219188"/>
-            <a:ext cx="488766" cy="4363"/>
+            <a:off x="2873829" y="981882"/>
+            <a:ext cx="366846" cy="1"/>
+          </a:xfrm>
+          <a:prstGeom prst="straightConnector1">
+            <a:avLst/>
+          </a:prstGeom>
+          <a:ln w="38100">
+            <a:solidFill>
+              <a:schemeClr val="tx1"/>
+            </a:solidFill>
+            <a:tailEnd type="triangle"/>
+          </a:ln>
+        </p:spPr>
+        <p:style>
+          <a:lnRef idx="1">
+            <a:schemeClr val="accent1"/>
+          </a:lnRef>
+          <a:fillRef idx="0">
+            <a:schemeClr val="accent1"/>
+          </a:fillRef>
+          <a:effectRef idx="0">
+            <a:schemeClr val="accent1"/>
+          </a:effectRef>
+          <a:fontRef idx="minor">
+            <a:schemeClr val="tx1"/>
+          </a:fontRef>
+        </p:style>
+      </p:cxnSp>
+      <p:sp>
+        <p:nvSpPr>
+          <p:cNvPr id="16" name="Rechteck 15">
+            <a:extLst>
+              <a:ext uri="{FF2B5EF4-FFF2-40B4-BE49-F238E27FC236}">
+                <a16:creationId xmlns:a16="http://schemas.microsoft.com/office/drawing/2014/main" id="{93F01EB0-BFCA-479F-BA4F-FC5A137755E2}"/>
+              </a:ext>
+            </a:extLst>
+          </p:cNvPr>
+          <p:cNvSpPr/>
+          <p:nvPr/>
+        </p:nvSpPr>
+        <p:spPr>
+          <a:xfrm>
+            <a:off x="6133008" y="452835"/>
+            <a:ext cx="2525486" cy="1058095"/>
+          </a:xfrm>
+          <a:prstGeom prst="rect">
+            <a:avLst/>
+          </a:prstGeom>
+          <a:solidFill>
+            <a:srgbClr val="B4C7E7"/>
+          </a:solidFill>
+          <a:ln>
+            <a:noFill/>
+          </a:ln>
+        </p:spPr>
+        <p:style>
+          <a:lnRef idx="2">
+            <a:schemeClr val="accent1">
+              <a:shade val="50000"/>
+            </a:schemeClr>
+          </a:lnRef>
+          <a:fillRef idx="1">
+            <a:schemeClr val="accent1"/>
+          </a:fillRef>
+          <a:effectRef idx="0">
+            <a:schemeClr val="accent1"/>
+          </a:effectRef>
+          <a:fontRef idx="minor">
+            <a:schemeClr val="lt1"/>
+          </a:fontRef>
+        </p:style>
+        <p:txBody>
+          <a:bodyPr rtlCol="0" anchor="ctr"/>
+          <a:lstStyle/>
+          <a:p>
+            <a:pPr algn="ctr"/>
+            <a:r>
+              <a:rPr lang="de-DE" sz="1600" b="1" dirty="0">
+                <a:solidFill>
+                  <a:schemeClr val="tx1"/>
+                </a:solidFill>
+                <a:latin typeface="Arial" panose="020B0604020202020204" pitchFamily="34" charset="0"/>
+                <a:cs typeface="Arial" panose="020B0604020202020204" pitchFamily="34" charset="0"/>
+              </a:rPr>
+              <a:t>Input </a:t>
+            </a:r>
+            <a:r>
+              <a:rPr lang="de-DE" sz="1600" b="1" dirty="0" err="1">
+                <a:solidFill>
+                  <a:schemeClr val="tx1"/>
+                </a:solidFill>
+                <a:latin typeface="Arial" panose="020B0604020202020204" pitchFamily="34" charset="0"/>
+                <a:cs typeface="Arial" panose="020B0604020202020204" pitchFamily="34" charset="0"/>
+              </a:rPr>
+              <a:t>data</a:t>
+            </a:r>
+            <a:endParaRPr lang="de-DE" sz="1600" b="1" dirty="0">
+              <a:solidFill>
+                <a:schemeClr val="tx1"/>
+              </a:solidFill>
+              <a:latin typeface="Arial" panose="020B0604020202020204" pitchFamily="34" charset="0"/>
+              <a:cs typeface="Arial" panose="020B0604020202020204" pitchFamily="34" charset="0"/>
+            </a:endParaRPr>
+          </a:p>
+          <a:p>
+            <a:pPr algn="ctr"/>
+            <a:endParaRPr lang="de-DE" sz="1600" b="1" dirty="0">
+              <a:solidFill>
+                <a:schemeClr val="tx1"/>
+              </a:solidFill>
+              <a:latin typeface="Arial" panose="020B0604020202020204" pitchFamily="34" charset="0"/>
+              <a:cs typeface="Arial" panose="020B0604020202020204" pitchFamily="34" charset="0"/>
+            </a:endParaRPr>
+          </a:p>
+          <a:p>
+            <a:pPr algn="ctr"/>
+            <a:r>
+              <a:rPr lang="de-DE" sz="1400" dirty="0">
+                <a:solidFill>
+                  <a:schemeClr val="tx1"/>
+                </a:solidFill>
+                <a:latin typeface="Arial" panose="020B0604020202020204" pitchFamily="34" charset="0"/>
+                <a:cs typeface="Arial" panose="020B0604020202020204" pitchFamily="34" charset="0"/>
+              </a:rPr>
+              <a:t>Input </a:t>
+            </a:r>
+            <a:r>
+              <a:rPr lang="de-DE" sz="1400" dirty="0" err="1">
+                <a:solidFill>
+                  <a:schemeClr val="tx1"/>
+                </a:solidFill>
+                <a:latin typeface="Arial" panose="020B0604020202020204" pitchFamily="34" charset="0"/>
+                <a:cs typeface="Arial" panose="020B0604020202020204" pitchFamily="34" charset="0"/>
+              </a:rPr>
+              <a:t>data</a:t>
+            </a:r>
+            <a:r>
+              <a:rPr lang="de-DE" sz="1400" dirty="0">
+                <a:solidFill>
+                  <a:schemeClr val="tx1"/>
+                </a:solidFill>
+                <a:latin typeface="Arial" panose="020B0604020202020204" pitchFamily="34" charset="0"/>
+                <a:cs typeface="Arial" panose="020B0604020202020204" pitchFamily="34" charset="0"/>
+              </a:rPr>
+              <a:t> </a:t>
+            </a:r>
+            <a:r>
+              <a:rPr lang="de-DE" sz="1400" dirty="0" err="1">
+                <a:solidFill>
+                  <a:schemeClr val="tx1"/>
+                </a:solidFill>
+                <a:latin typeface="Arial" panose="020B0604020202020204" pitchFamily="34" charset="0"/>
+                <a:cs typeface="Arial" panose="020B0604020202020204" pitchFamily="34" charset="0"/>
+              </a:rPr>
+              <a:t>as</a:t>
+            </a:r>
+            <a:r>
+              <a:rPr lang="de-DE" sz="1400" dirty="0">
+                <a:solidFill>
+                  <a:schemeClr val="tx1"/>
+                </a:solidFill>
+                <a:latin typeface="Arial" panose="020B0604020202020204" pitchFamily="34" charset="0"/>
+                <a:cs typeface="Arial" panose="020B0604020202020204" pitchFamily="34" charset="0"/>
+              </a:rPr>
+              <a:t> </a:t>
+            </a:r>
+            <a:r>
+              <a:rPr lang="de-DE" sz="1400" dirty="0" err="1">
+                <a:solidFill>
+                  <a:schemeClr val="tx1"/>
+                </a:solidFill>
+                <a:latin typeface="Arial" panose="020B0604020202020204" pitchFamily="34" charset="0"/>
+                <a:cs typeface="Arial" panose="020B0604020202020204" pitchFamily="34" charset="0"/>
+              </a:rPr>
+              <a:t>dataframes</a:t>
+            </a:r>
+            <a:endParaRPr lang="en-US" sz="1400" dirty="0">
+              <a:solidFill>
+                <a:schemeClr val="tx1"/>
+              </a:solidFill>
+              <a:latin typeface="Arial" panose="020B0604020202020204" pitchFamily="34" charset="0"/>
+              <a:cs typeface="Arial" panose="020B0604020202020204" pitchFamily="34" charset="0"/>
+            </a:endParaRPr>
+          </a:p>
+        </p:txBody>
+      </p:sp>
+      <p:cxnSp>
+        <p:nvCxnSpPr>
+          <p:cNvPr id="18" name="Gerade Verbindung mit Pfeil 17">
+            <a:extLst>
+              <a:ext uri="{FF2B5EF4-FFF2-40B4-BE49-F238E27FC236}">
+                <a16:creationId xmlns:a16="http://schemas.microsoft.com/office/drawing/2014/main" id="{296C40D1-B4FE-4581-AA49-F642CC39B4BF}"/>
+              </a:ext>
+            </a:extLst>
+          </p:cNvPr>
+          <p:cNvCxnSpPr>
+            <a:cxnSpLocks/>
+          </p:cNvCxnSpPr>
+          <p:nvPr/>
+        </p:nvCxnSpPr>
+        <p:spPr>
+          <a:xfrm>
+            <a:off x="5766161" y="981882"/>
+            <a:ext cx="366846" cy="1"/>
+          </a:xfrm>
+          <a:prstGeom prst="straightConnector1">
+            <a:avLst/>
+          </a:prstGeom>
+          <a:ln w="38100">
+            <a:solidFill>
+              <a:schemeClr val="tx1"/>
+            </a:solidFill>
+            <a:tailEnd type="triangle"/>
+          </a:ln>
+        </p:spPr>
+        <p:style>
+          <a:lnRef idx="1">
+            <a:schemeClr val="accent1"/>
+          </a:lnRef>
+          <a:fillRef idx="0">
+            <a:schemeClr val="accent1"/>
+          </a:fillRef>
+          <a:effectRef idx="0">
+            <a:schemeClr val="accent1"/>
+          </a:effectRef>
+          <a:fontRef idx="minor">
+            <a:schemeClr val="tx1"/>
+          </a:fontRef>
+        </p:style>
+      </p:cxnSp>
+      <p:sp>
+        <p:nvSpPr>
+          <p:cNvPr id="34" name="Rechteck: abgerundete Ecken 33">
+            <a:extLst>
+              <a:ext uri="{FF2B5EF4-FFF2-40B4-BE49-F238E27FC236}">
+                <a16:creationId xmlns:a16="http://schemas.microsoft.com/office/drawing/2014/main" id="{128257CC-5BF0-4AD1-BC94-EC99D6D7F169}"/>
+              </a:ext>
+            </a:extLst>
+          </p:cNvPr>
+          <p:cNvSpPr/>
+          <p:nvPr/>
+        </p:nvSpPr>
+        <p:spPr>
+          <a:xfrm>
+            <a:off x="9025340" y="452834"/>
+            <a:ext cx="2525487" cy="1058096"/>
+          </a:xfrm>
+          <a:prstGeom prst="roundRect">
+            <a:avLst/>
+          </a:prstGeom>
+          <a:solidFill>
+            <a:schemeClr val="accent6">
+              <a:lumMod val="60000"/>
+              <a:lumOff val="40000"/>
+            </a:schemeClr>
+          </a:solidFill>
+          <a:ln>
+            <a:noFill/>
+          </a:ln>
+        </p:spPr>
+        <p:style>
+          <a:lnRef idx="2">
+            <a:schemeClr val="accent1">
+              <a:shade val="50000"/>
+            </a:schemeClr>
+          </a:lnRef>
+          <a:fillRef idx="1">
+            <a:schemeClr val="accent1"/>
+          </a:fillRef>
+          <a:effectRef idx="0">
+            <a:schemeClr val="accent1"/>
+          </a:effectRef>
+          <a:fontRef idx="minor">
+            <a:schemeClr val="lt1"/>
+          </a:fontRef>
+        </p:style>
+        <p:txBody>
+          <a:bodyPr rtlCol="0" anchor="ctr"/>
+          <a:lstStyle/>
+          <a:p>
+            <a:pPr algn="ctr"/>
+            <a:r>
+              <a:rPr lang="de-DE" sz="1600" b="1" dirty="0" err="1">
+                <a:solidFill>
+                  <a:schemeClr val="tx1"/>
+                </a:solidFill>
+                <a:latin typeface="Arial" panose="020B0604020202020204" pitchFamily="34" charset="0"/>
+                <a:cs typeface="Arial" panose="020B0604020202020204" pitchFamily="34" charset="0"/>
+              </a:rPr>
+              <a:t>Exploring</a:t>
+            </a:r>
+            <a:r>
+              <a:rPr lang="de-DE" sz="1600" b="1" dirty="0">
+                <a:solidFill>
+                  <a:schemeClr val="tx1"/>
+                </a:solidFill>
+                <a:latin typeface="Arial" panose="020B0604020202020204" pitchFamily="34" charset="0"/>
+                <a:cs typeface="Arial" panose="020B0604020202020204" pitchFamily="34" charset="0"/>
+              </a:rPr>
+              <a:t> </a:t>
+            </a:r>
+            <a:r>
+              <a:rPr lang="de-DE" sz="1600" b="1" dirty="0" err="1">
+                <a:solidFill>
+                  <a:schemeClr val="tx1"/>
+                </a:solidFill>
+                <a:latin typeface="Arial" panose="020B0604020202020204" pitchFamily="34" charset="0"/>
+                <a:cs typeface="Arial" panose="020B0604020202020204" pitchFamily="34" charset="0"/>
+              </a:rPr>
+              <a:t>dataframes</a:t>
+            </a:r>
+            <a:endParaRPr lang="de-DE" sz="1600" b="1" dirty="0">
+              <a:solidFill>
+                <a:schemeClr val="tx1"/>
+              </a:solidFill>
+              <a:latin typeface="Arial" panose="020B0604020202020204" pitchFamily="34" charset="0"/>
+              <a:cs typeface="Arial" panose="020B0604020202020204" pitchFamily="34" charset="0"/>
+            </a:endParaRPr>
+          </a:p>
+          <a:p>
+            <a:pPr algn="ctr"/>
+            <a:endParaRPr lang="de-DE" sz="1600" b="1" dirty="0">
+              <a:solidFill>
+                <a:schemeClr val="tx1"/>
+              </a:solidFill>
+              <a:latin typeface="Arial" panose="020B0604020202020204" pitchFamily="34" charset="0"/>
+              <a:cs typeface="Arial" panose="020B0604020202020204" pitchFamily="34" charset="0"/>
+            </a:endParaRPr>
+          </a:p>
+          <a:p>
+            <a:pPr algn="ctr"/>
+            <a:r>
+              <a:rPr lang="de-DE" sz="1400" dirty="0">
+                <a:solidFill>
+                  <a:schemeClr val="tx1"/>
+                </a:solidFill>
+                <a:latin typeface="Arial" panose="020B0604020202020204" pitchFamily="34" charset="0"/>
+                <a:cs typeface="Arial" panose="020B0604020202020204" pitchFamily="34" charset="0"/>
+              </a:rPr>
+              <a:t>Basic Exploration </a:t>
+            </a:r>
+            <a:r>
+              <a:rPr lang="de-DE" sz="1400" dirty="0" err="1">
+                <a:solidFill>
+                  <a:schemeClr val="tx1"/>
+                </a:solidFill>
+                <a:latin typeface="Arial" panose="020B0604020202020204" pitchFamily="34" charset="0"/>
+                <a:cs typeface="Arial" panose="020B0604020202020204" pitchFamily="34" charset="0"/>
+              </a:rPr>
+              <a:t>of</a:t>
+            </a:r>
+            <a:r>
+              <a:rPr lang="de-DE" sz="1400" dirty="0">
+                <a:solidFill>
+                  <a:schemeClr val="tx1"/>
+                </a:solidFill>
+                <a:latin typeface="Arial" panose="020B0604020202020204" pitchFamily="34" charset="0"/>
+                <a:cs typeface="Arial" panose="020B0604020202020204" pitchFamily="34" charset="0"/>
+              </a:rPr>
+              <a:t> </a:t>
+            </a:r>
+            <a:r>
+              <a:rPr lang="de-DE" sz="1400" dirty="0" err="1">
+                <a:solidFill>
+                  <a:schemeClr val="tx1"/>
+                </a:solidFill>
+                <a:latin typeface="Arial" panose="020B0604020202020204" pitchFamily="34" charset="0"/>
+                <a:cs typeface="Arial" panose="020B0604020202020204" pitchFamily="34" charset="0"/>
+              </a:rPr>
+              <a:t>data</a:t>
+            </a:r>
+            <a:r>
+              <a:rPr lang="de-DE" sz="1400" dirty="0">
+                <a:solidFill>
+                  <a:schemeClr val="tx1"/>
+                </a:solidFill>
+                <a:latin typeface="Arial" panose="020B0604020202020204" pitchFamily="34" charset="0"/>
+                <a:cs typeface="Arial" panose="020B0604020202020204" pitchFamily="34" charset="0"/>
+              </a:rPr>
+              <a:t> </a:t>
+            </a:r>
+          </a:p>
+        </p:txBody>
+      </p:sp>
+      <p:sp>
+        <p:nvSpPr>
+          <p:cNvPr id="35" name="Rechteck: abgerundete Ecken 34">
+            <a:extLst>
+              <a:ext uri="{FF2B5EF4-FFF2-40B4-BE49-F238E27FC236}">
+                <a16:creationId xmlns:a16="http://schemas.microsoft.com/office/drawing/2014/main" id="{305B281B-0034-4BF8-AB92-C9DF687E1851}"/>
+              </a:ext>
+            </a:extLst>
+          </p:cNvPr>
+          <p:cNvSpPr/>
+          <p:nvPr/>
+        </p:nvSpPr>
+        <p:spPr>
+          <a:xfrm>
+            <a:off x="9025340" y="2120525"/>
+            <a:ext cx="2525487" cy="1058096"/>
+          </a:xfrm>
+          <a:prstGeom prst="roundRect">
+            <a:avLst/>
+          </a:prstGeom>
+          <a:solidFill>
+            <a:schemeClr val="accent6">
+              <a:lumMod val="60000"/>
+              <a:lumOff val="40000"/>
+            </a:schemeClr>
+          </a:solidFill>
+          <a:ln>
+            <a:noFill/>
+          </a:ln>
+        </p:spPr>
+        <p:style>
+          <a:lnRef idx="2">
+            <a:schemeClr val="accent1">
+              <a:shade val="50000"/>
+            </a:schemeClr>
+          </a:lnRef>
+          <a:fillRef idx="1">
+            <a:schemeClr val="accent1"/>
+          </a:fillRef>
+          <a:effectRef idx="0">
+            <a:schemeClr val="accent1"/>
+          </a:effectRef>
+          <a:fontRef idx="minor">
+            <a:schemeClr val="lt1"/>
+          </a:fontRef>
+        </p:style>
+        <p:txBody>
+          <a:bodyPr rtlCol="0" anchor="ctr"/>
+          <a:lstStyle/>
+          <a:p>
+            <a:pPr algn="ctr"/>
+            <a:r>
+              <a:rPr lang="de-DE" sz="1600" b="1" dirty="0" err="1">
+                <a:solidFill>
+                  <a:schemeClr val="tx1"/>
+                </a:solidFill>
+                <a:latin typeface="Arial" panose="020B0604020202020204" pitchFamily="34" charset="0"/>
+                <a:cs typeface="Arial" panose="020B0604020202020204" pitchFamily="34" charset="0"/>
+              </a:rPr>
+              <a:t>Joining</a:t>
+            </a:r>
+            <a:r>
+              <a:rPr lang="de-DE" sz="1600" b="1" dirty="0">
+                <a:solidFill>
+                  <a:schemeClr val="tx1"/>
+                </a:solidFill>
+                <a:latin typeface="Arial" panose="020B0604020202020204" pitchFamily="34" charset="0"/>
+                <a:cs typeface="Arial" panose="020B0604020202020204" pitchFamily="34" charset="0"/>
+              </a:rPr>
+              <a:t> </a:t>
+            </a:r>
+            <a:r>
+              <a:rPr lang="de-DE" sz="1600" b="1" dirty="0" err="1">
+                <a:solidFill>
+                  <a:schemeClr val="tx1"/>
+                </a:solidFill>
+                <a:latin typeface="Arial" panose="020B0604020202020204" pitchFamily="34" charset="0"/>
+                <a:cs typeface="Arial" panose="020B0604020202020204" pitchFamily="34" charset="0"/>
+              </a:rPr>
+              <a:t>dataframes</a:t>
+            </a:r>
+            <a:endParaRPr lang="de-DE" sz="1600" b="1" dirty="0">
+              <a:solidFill>
+                <a:schemeClr val="tx1"/>
+              </a:solidFill>
+              <a:latin typeface="Arial" panose="020B0604020202020204" pitchFamily="34" charset="0"/>
+              <a:cs typeface="Arial" panose="020B0604020202020204" pitchFamily="34" charset="0"/>
+            </a:endParaRPr>
+          </a:p>
+          <a:p>
+            <a:pPr algn="ctr"/>
+            <a:endParaRPr lang="de-DE" sz="600" b="1" dirty="0">
+              <a:solidFill>
+                <a:schemeClr val="tx1"/>
+              </a:solidFill>
+              <a:latin typeface="Arial" panose="020B0604020202020204" pitchFamily="34" charset="0"/>
+              <a:cs typeface="Arial" panose="020B0604020202020204" pitchFamily="34" charset="0"/>
+            </a:endParaRPr>
+          </a:p>
+          <a:p>
+            <a:pPr algn="ctr"/>
+            <a:r>
+              <a:rPr lang="de-DE" sz="1400" dirty="0" err="1">
+                <a:solidFill>
+                  <a:schemeClr val="tx1"/>
+                </a:solidFill>
+                <a:latin typeface="Arial" panose="020B0604020202020204" pitchFamily="34" charset="0"/>
+                <a:cs typeface="Arial" panose="020B0604020202020204" pitchFamily="34" charset="0"/>
+              </a:rPr>
+              <a:t>Creating</a:t>
+            </a:r>
+            <a:r>
+              <a:rPr lang="de-DE" sz="1400" dirty="0">
+                <a:solidFill>
+                  <a:schemeClr val="tx1"/>
+                </a:solidFill>
+                <a:latin typeface="Arial" panose="020B0604020202020204" pitchFamily="34" charset="0"/>
+                <a:cs typeface="Arial" panose="020B0604020202020204" pitchFamily="34" charset="0"/>
+              </a:rPr>
+              <a:t> </a:t>
+            </a:r>
+            <a:r>
+              <a:rPr lang="de-DE" sz="1400" dirty="0" err="1">
+                <a:solidFill>
+                  <a:schemeClr val="tx1"/>
+                </a:solidFill>
+                <a:latin typeface="Arial" panose="020B0604020202020204" pitchFamily="34" charset="0"/>
+                <a:cs typeface="Arial" panose="020B0604020202020204" pitchFamily="34" charset="0"/>
+              </a:rPr>
+              <a:t>marketing</a:t>
+            </a:r>
+            <a:r>
+              <a:rPr lang="de-DE" sz="1400" dirty="0">
+                <a:solidFill>
+                  <a:schemeClr val="tx1"/>
+                </a:solidFill>
+                <a:latin typeface="Arial" panose="020B0604020202020204" pitchFamily="34" charset="0"/>
+                <a:cs typeface="Arial" panose="020B0604020202020204" pitchFamily="34" charset="0"/>
+              </a:rPr>
+              <a:t> and </a:t>
+            </a:r>
+            <a:r>
+              <a:rPr lang="de-DE" sz="1400" dirty="0" err="1">
+                <a:solidFill>
+                  <a:schemeClr val="tx1"/>
+                </a:solidFill>
+                <a:latin typeface="Arial" panose="020B0604020202020204" pitchFamily="34" charset="0"/>
+                <a:cs typeface="Arial" panose="020B0604020202020204" pitchFamily="34" charset="0"/>
+              </a:rPr>
+              <a:t>seller</a:t>
+            </a:r>
+            <a:r>
+              <a:rPr lang="de-DE" sz="1400" dirty="0">
+                <a:solidFill>
+                  <a:schemeClr val="tx1"/>
+                </a:solidFill>
+                <a:latin typeface="Arial" panose="020B0604020202020204" pitchFamily="34" charset="0"/>
+                <a:cs typeface="Arial" panose="020B0604020202020204" pitchFamily="34" charset="0"/>
+              </a:rPr>
+              <a:t> </a:t>
+            </a:r>
+            <a:r>
+              <a:rPr lang="de-DE" sz="1400" dirty="0" err="1">
+                <a:solidFill>
+                  <a:schemeClr val="tx1"/>
+                </a:solidFill>
+                <a:latin typeface="Arial" panose="020B0604020202020204" pitchFamily="34" charset="0"/>
+                <a:cs typeface="Arial" panose="020B0604020202020204" pitchFamily="34" charset="0"/>
+              </a:rPr>
+              <a:t>dataframes</a:t>
+            </a:r>
+            <a:endParaRPr lang="de-DE" sz="1400" dirty="0">
+              <a:solidFill>
+                <a:schemeClr val="tx1"/>
+              </a:solidFill>
+              <a:latin typeface="Arial" panose="020B0604020202020204" pitchFamily="34" charset="0"/>
+              <a:cs typeface="Arial" panose="020B0604020202020204" pitchFamily="34" charset="0"/>
+            </a:endParaRPr>
+          </a:p>
+        </p:txBody>
+      </p:sp>
+      <p:sp>
+        <p:nvSpPr>
+          <p:cNvPr id="36" name="Rechteck: abgerundete Ecken 35">
+            <a:extLst>
+              <a:ext uri="{FF2B5EF4-FFF2-40B4-BE49-F238E27FC236}">
+                <a16:creationId xmlns:a16="http://schemas.microsoft.com/office/drawing/2014/main" id="{F3029869-A722-4C9A-8460-736EE3123272}"/>
+              </a:ext>
+            </a:extLst>
+          </p:cNvPr>
+          <p:cNvSpPr/>
+          <p:nvPr/>
+        </p:nvSpPr>
+        <p:spPr>
+          <a:xfrm>
+            <a:off x="6133008" y="2120525"/>
+            <a:ext cx="2525487" cy="1058096"/>
+          </a:xfrm>
+          <a:prstGeom prst="roundRect">
+            <a:avLst/>
+          </a:prstGeom>
+          <a:solidFill>
+            <a:schemeClr val="accent6">
+              <a:lumMod val="60000"/>
+              <a:lumOff val="40000"/>
+            </a:schemeClr>
+          </a:solidFill>
+          <a:ln>
+            <a:noFill/>
+          </a:ln>
+        </p:spPr>
+        <p:style>
+          <a:lnRef idx="2">
+            <a:schemeClr val="accent1">
+              <a:shade val="50000"/>
+            </a:schemeClr>
+          </a:lnRef>
+          <a:fillRef idx="1">
+            <a:schemeClr val="accent1"/>
+          </a:fillRef>
+          <a:effectRef idx="0">
+            <a:schemeClr val="accent1"/>
+          </a:effectRef>
+          <a:fontRef idx="minor">
+            <a:schemeClr val="lt1"/>
+          </a:fontRef>
+        </p:style>
+        <p:txBody>
+          <a:bodyPr rtlCol="0" anchor="ctr"/>
+          <a:lstStyle/>
+          <a:p>
+            <a:pPr algn="ctr"/>
+            <a:r>
+              <a:rPr lang="de-DE" sz="1600" b="1" dirty="0" err="1">
+                <a:solidFill>
+                  <a:schemeClr val="tx1"/>
+                </a:solidFill>
+                <a:latin typeface="Arial" panose="020B0604020202020204" pitchFamily="34" charset="0"/>
+                <a:cs typeface="Arial" panose="020B0604020202020204" pitchFamily="34" charset="0"/>
+              </a:rPr>
+              <a:t>Selecting</a:t>
+            </a:r>
+            <a:r>
+              <a:rPr lang="de-DE" sz="1600" b="1" dirty="0">
+                <a:solidFill>
+                  <a:schemeClr val="tx1"/>
+                </a:solidFill>
+                <a:latin typeface="Arial" panose="020B0604020202020204" pitchFamily="34" charset="0"/>
+                <a:cs typeface="Arial" panose="020B0604020202020204" pitchFamily="34" charset="0"/>
+              </a:rPr>
+              <a:t> variables</a:t>
+            </a:r>
+          </a:p>
+          <a:p>
+            <a:pPr algn="ctr"/>
+            <a:endParaRPr lang="de-DE" sz="600" b="1" dirty="0">
+              <a:solidFill>
+                <a:schemeClr val="tx1"/>
+              </a:solidFill>
+              <a:latin typeface="Arial" panose="020B0604020202020204" pitchFamily="34" charset="0"/>
+              <a:cs typeface="Arial" panose="020B0604020202020204" pitchFamily="34" charset="0"/>
+            </a:endParaRPr>
+          </a:p>
+          <a:p>
+            <a:pPr algn="ctr"/>
+            <a:r>
+              <a:rPr lang="de-DE" sz="1400" dirty="0" err="1">
+                <a:solidFill>
+                  <a:schemeClr val="tx1"/>
+                </a:solidFill>
+                <a:latin typeface="Arial" panose="020B0604020202020204" pitchFamily="34" charset="0"/>
+                <a:cs typeface="Arial" panose="020B0604020202020204" pitchFamily="34" charset="0"/>
+              </a:rPr>
+              <a:t>Selecting</a:t>
+            </a:r>
+            <a:r>
+              <a:rPr lang="de-DE" sz="1400" dirty="0">
+                <a:solidFill>
+                  <a:schemeClr val="tx1"/>
+                </a:solidFill>
+                <a:latin typeface="Arial" panose="020B0604020202020204" pitchFamily="34" charset="0"/>
+                <a:cs typeface="Arial" panose="020B0604020202020204" pitchFamily="34" charset="0"/>
+              </a:rPr>
+              <a:t> </a:t>
+            </a:r>
+            <a:r>
+              <a:rPr lang="de-DE" sz="1400" dirty="0" err="1">
+                <a:solidFill>
+                  <a:schemeClr val="tx1"/>
+                </a:solidFill>
+                <a:latin typeface="Arial" panose="020B0604020202020204" pitchFamily="34" charset="0"/>
+                <a:cs typeface="Arial" panose="020B0604020202020204" pitchFamily="34" charset="0"/>
+              </a:rPr>
+              <a:t>necessary</a:t>
+            </a:r>
+            <a:r>
+              <a:rPr lang="de-DE" sz="1400" dirty="0">
+                <a:solidFill>
+                  <a:schemeClr val="tx1"/>
+                </a:solidFill>
+                <a:latin typeface="Arial" panose="020B0604020202020204" pitchFamily="34" charset="0"/>
+                <a:cs typeface="Arial" panose="020B0604020202020204" pitchFamily="34" charset="0"/>
+              </a:rPr>
+              <a:t> variables </a:t>
+            </a:r>
+            <a:r>
+              <a:rPr lang="de-DE" sz="1400" dirty="0" err="1">
+                <a:solidFill>
+                  <a:schemeClr val="tx1"/>
+                </a:solidFill>
+                <a:latin typeface="Arial" panose="020B0604020202020204" pitchFamily="34" charset="0"/>
+                <a:cs typeface="Arial" panose="020B0604020202020204" pitchFamily="34" charset="0"/>
+              </a:rPr>
+              <a:t>for</a:t>
+            </a:r>
+            <a:r>
+              <a:rPr lang="de-DE" sz="1400" dirty="0">
+                <a:solidFill>
+                  <a:schemeClr val="tx1"/>
+                </a:solidFill>
+                <a:latin typeface="Arial" panose="020B0604020202020204" pitchFamily="34" charset="0"/>
+                <a:cs typeface="Arial" panose="020B0604020202020204" pitchFamily="34" charset="0"/>
+              </a:rPr>
+              <a:t> </a:t>
+            </a:r>
+            <a:r>
+              <a:rPr lang="de-DE" sz="1400" dirty="0" err="1">
+                <a:solidFill>
+                  <a:schemeClr val="tx1"/>
+                </a:solidFill>
+                <a:latin typeface="Arial" panose="020B0604020202020204" pitchFamily="34" charset="0"/>
+                <a:cs typeface="Arial" panose="020B0604020202020204" pitchFamily="34" charset="0"/>
+              </a:rPr>
+              <a:t>calculations</a:t>
+            </a:r>
+            <a:endParaRPr lang="de-DE" sz="1400" dirty="0">
+              <a:solidFill>
+                <a:schemeClr val="tx1"/>
+              </a:solidFill>
+              <a:latin typeface="Arial" panose="020B0604020202020204" pitchFamily="34" charset="0"/>
+              <a:cs typeface="Arial" panose="020B0604020202020204" pitchFamily="34" charset="0"/>
+            </a:endParaRPr>
+          </a:p>
+        </p:txBody>
+      </p:sp>
+      <p:sp>
+        <p:nvSpPr>
+          <p:cNvPr id="37" name="Rechteck: abgerundete Ecken 36">
+            <a:extLst>
+              <a:ext uri="{FF2B5EF4-FFF2-40B4-BE49-F238E27FC236}">
+                <a16:creationId xmlns:a16="http://schemas.microsoft.com/office/drawing/2014/main" id="{EADF5C37-03ED-446F-A4B6-969A7E2F2E31}"/>
+              </a:ext>
+            </a:extLst>
+          </p:cNvPr>
+          <p:cNvSpPr/>
+          <p:nvPr/>
+        </p:nvSpPr>
+        <p:spPr>
+          <a:xfrm>
+            <a:off x="3240675" y="2120525"/>
+            <a:ext cx="2525487" cy="1058096"/>
+          </a:xfrm>
+          <a:prstGeom prst="roundRect">
+            <a:avLst/>
+          </a:prstGeom>
+          <a:solidFill>
+            <a:schemeClr val="accent6">
+              <a:lumMod val="60000"/>
+              <a:lumOff val="40000"/>
+            </a:schemeClr>
+          </a:solidFill>
+          <a:ln>
+            <a:noFill/>
+          </a:ln>
+        </p:spPr>
+        <p:style>
+          <a:lnRef idx="2">
+            <a:schemeClr val="accent1">
+              <a:shade val="50000"/>
+            </a:schemeClr>
+          </a:lnRef>
+          <a:fillRef idx="1">
+            <a:schemeClr val="accent1"/>
+          </a:fillRef>
+          <a:effectRef idx="0">
+            <a:schemeClr val="accent1"/>
+          </a:effectRef>
+          <a:fontRef idx="minor">
+            <a:schemeClr val="lt1"/>
+          </a:fontRef>
+        </p:style>
+        <p:txBody>
+          <a:bodyPr rtlCol="0" anchor="ctr"/>
+          <a:lstStyle/>
+          <a:p>
+            <a:pPr algn="ctr"/>
+            <a:r>
+              <a:rPr lang="de-DE" sz="1600" b="1" dirty="0" err="1">
+                <a:solidFill>
+                  <a:schemeClr val="tx1"/>
+                </a:solidFill>
+                <a:latin typeface="Arial" panose="020B0604020202020204" pitchFamily="34" charset="0"/>
+                <a:cs typeface="Arial" panose="020B0604020202020204" pitchFamily="34" charset="0"/>
+              </a:rPr>
+              <a:t>Calculating</a:t>
+            </a:r>
+            <a:r>
+              <a:rPr lang="de-DE" sz="1600" b="1" dirty="0">
+                <a:solidFill>
+                  <a:schemeClr val="tx1"/>
+                </a:solidFill>
+                <a:latin typeface="Arial" panose="020B0604020202020204" pitchFamily="34" charset="0"/>
+                <a:cs typeface="Arial" panose="020B0604020202020204" pitchFamily="34" charset="0"/>
+              </a:rPr>
+              <a:t> </a:t>
+            </a:r>
+            <a:r>
+              <a:rPr lang="de-DE" sz="1600" b="1" dirty="0" err="1">
+                <a:solidFill>
+                  <a:schemeClr val="tx1"/>
+                </a:solidFill>
+                <a:latin typeface="Arial" panose="020B0604020202020204" pitchFamily="34" charset="0"/>
+                <a:cs typeface="Arial" panose="020B0604020202020204" pitchFamily="34" charset="0"/>
+              </a:rPr>
+              <a:t>scores</a:t>
+            </a:r>
+            <a:endParaRPr lang="de-DE" sz="1600" b="1" dirty="0">
+              <a:solidFill>
+                <a:schemeClr val="tx1"/>
+              </a:solidFill>
+              <a:latin typeface="Arial" panose="020B0604020202020204" pitchFamily="34" charset="0"/>
+              <a:cs typeface="Arial" panose="020B0604020202020204" pitchFamily="34" charset="0"/>
+            </a:endParaRPr>
+          </a:p>
+          <a:p>
+            <a:pPr algn="ctr"/>
+            <a:endParaRPr lang="de-DE" sz="600" b="1" dirty="0">
+              <a:solidFill>
+                <a:schemeClr val="tx1"/>
+              </a:solidFill>
+              <a:latin typeface="Arial" panose="020B0604020202020204" pitchFamily="34" charset="0"/>
+              <a:cs typeface="Arial" panose="020B0604020202020204" pitchFamily="34" charset="0"/>
+            </a:endParaRPr>
+          </a:p>
+          <a:p>
+            <a:pPr algn="ctr"/>
+            <a:r>
+              <a:rPr lang="de-DE" sz="1400" dirty="0">
+                <a:solidFill>
+                  <a:schemeClr val="tx1"/>
+                </a:solidFill>
+                <a:latin typeface="Arial" panose="020B0604020202020204" pitchFamily="34" charset="0"/>
+                <a:cs typeface="Arial" panose="020B0604020202020204" pitchFamily="34" charset="0"/>
+              </a:rPr>
+              <a:t>RFM </a:t>
+            </a:r>
+            <a:r>
+              <a:rPr lang="de-DE" sz="1400" dirty="0" err="1">
+                <a:solidFill>
+                  <a:schemeClr val="tx1"/>
+                </a:solidFill>
+                <a:latin typeface="Arial" panose="020B0604020202020204" pitchFamily="34" charset="0"/>
+                <a:cs typeface="Arial" panose="020B0604020202020204" pitchFamily="34" charset="0"/>
+              </a:rPr>
+              <a:t>scores</a:t>
+            </a:r>
+            <a:r>
+              <a:rPr lang="de-DE" sz="1400" dirty="0">
+                <a:solidFill>
+                  <a:schemeClr val="tx1"/>
+                </a:solidFill>
+                <a:latin typeface="Arial" panose="020B0604020202020204" pitchFamily="34" charset="0"/>
+                <a:cs typeface="Arial" panose="020B0604020202020204" pitchFamily="34" charset="0"/>
+              </a:rPr>
+              <a:t> </a:t>
+            </a:r>
+            <a:r>
+              <a:rPr lang="de-DE" sz="1400" dirty="0" err="1">
+                <a:solidFill>
+                  <a:schemeClr val="tx1"/>
+                </a:solidFill>
+                <a:latin typeface="Arial" panose="020B0604020202020204" pitchFamily="34" charset="0"/>
+                <a:cs typeface="Arial" panose="020B0604020202020204" pitchFamily="34" charset="0"/>
+              </a:rPr>
+              <a:t>are</a:t>
+            </a:r>
+            <a:r>
+              <a:rPr lang="de-DE" sz="1400" dirty="0">
+                <a:solidFill>
+                  <a:schemeClr val="tx1"/>
+                </a:solidFill>
+                <a:latin typeface="Arial" panose="020B0604020202020204" pitchFamily="34" charset="0"/>
+                <a:cs typeface="Arial" panose="020B0604020202020204" pitchFamily="34" charset="0"/>
+              </a:rPr>
+              <a:t> </a:t>
+            </a:r>
+            <a:r>
+              <a:rPr lang="de-DE" sz="1400" dirty="0" err="1">
+                <a:solidFill>
+                  <a:schemeClr val="tx1"/>
+                </a:solidFill>
+                <a:latin typeface="Arial" panose="020B0604020202020204" pitchFamily="34" charset="0"/>
+                <a:cs typeface="Arial" panose="020B0604020202020204" pitchFamily="34" charset="0"/>
+              </a:rPr>
+              <a:t>calculated</a:t>
+            </a:r>
+            <a:r>
+              <a:rPr lang="de-DE" sz="1400" dirty="0">
+                <a:solidFill>
+                  <a:schemeClr val="tx1"/>
+                </a:solidFill>
+                <a:latin typeface="Arial" panose="020B0604020202020204" pitchFamily="34" charset="0"/>
+                <a:cs typeface="Arial" panose="020B0604020202020204" pitchFamily="34" charset="0"/>
+              </a:rPr>
+              <a:t> </a:t>
+            </a:r>
+            <a:r>
+              <a:rPr lang="de-DE" sz="1400" dirty="0" err="1">
+                <a:solidFill>
+                  <a:schemeClr val="tx1"/>
+                </a:solidFill>
+                <a:latin typeface="Arial" panose="020B0604020202020204" pitchFamily="34" charset="0"/>
+                <a:cs typeface="Arial" panose="020B0604020202020204" pitchFamily="34" charset="0"/>
+              </a:rPr>
+              <a:t>based</a:t>
+            </a:r>
+            <a:r>
+              <a:rPr lang="de-DE" sz="1400" dirty="0">
+                <a:solidFill>
+                  <a:schemeClr val="tx1"/>
+                </a:solidFill>
+                <a:latin typeface="Arial" panose="020B0604020202020204" pitchFamily="34" charset="0"/>
+                <a:cs typeface="Arial" panose="020B0604020202020204" pitchFamily="34" charset="0"/>
+              </a:rPr>
+              <a:t> on </a:t>
+            </a:r>
+            <a:r>
+              <a:rPr lang="de-DE" sz="1400" dirty="0" err="1">
+                <a:solidFill>
+                  <a:schemeClr val="tx1"/>
+                </a:solidFill>
+                <a:latin typeface="Arial" panose="020B0604020202020204" pitchFamily="34" charset="0"/>
+                <a:cs typeface="Arial" panose="020B0604020202020204" pitchFamily="34" charset="0"/>
+              </a:rPr>
+              <a:t>selected</a:t>
+            </a:r>
+            <a:r>
+              <a:rPr lang="de-DE" sz="1400" dirty="0">
+                <a:solidFill>
+                  <a:schemeClr val="tx1"/>
+                </a:solidFill>
+                <a:latin typeface="Arial" panose="020B0604020202020204" pitchFamily="34" charset="0"/>
+                <a:cs typeface="Arial" panose="020B0604020202020204" pitchFamily="34" charset="0"/>
+              </a:rPr>
+              <a:t> variables</a:t>
+            </a:r>
+          </a:p>
+        </p:txBody>
+      </p:sp>
+      <p:sp>
+        <p:nvSpPr>
+          <p:cNvPr id="39" name="Rechteck 38">
+            <a:extLst>
+              <a:ext uri="{FF2B5EF4-FFF2-40B4-BE49-F238E27FC236}">
+                <a16:creationId xmlns:a16="http://schemas.microsoft.com/office/drawing/2014/main" id="{40B833F8-1874-424C-B2DC-468CD9120E7F}"/>
+              </a:ext>
+            </a:extLst>
+          </p:cNvPr>
+          <p:cNvSpPr/>
+          <p:nvPr/>
+        </p:nvSpPr>
+        <p:spPr>
+          <a:xfrm>
+            <a:off x="348343" y="2120525"/>
+            <a:ext cx="2525486" cy="1058095"/>
+          </a:xfrm>
+          <a:prstGeom prst="rect">
+            <a:avLst/>
+          </a:prstGeom>
+          <a:solidFill>
+            <a:srgbClr val="B4C7E7"/>
+          </a:solidFill>
+          <a:ln>
+            <a:noFill/>
+          </a:ln>
+        </p:spPr>
+        <p:style>
+          <a:lnRef idx="2">
+            <a:schemeClr val="accent1">
+              <a:shade val="50000"/>
+            </a:schemeClr>
+          </a:lnRef>
+          <a:fillRef idx="1">
+            <a:schemeClr val="accent1"/>
+          </a:fillRef>
+          <a:effectRef idx="0">
+            <a:schemeClr val="accent1"/>
+          </a:effectRef>
+          <a:fontRef idx="minor">
+            <a:schemeClr val="lt1"/>
+          </a:fontRef>
+        </p:style>
+        <p:txBody>
+          <a:bodyPr rtlCol="0" anchor="ctr"/>
+          <a:lstStyle/>
+          <a:p>
+            <a:pPr algn="ctr"/>
+            <a:r>
+              <a:rPr lang="de-DE" sz="1600" b="1" dirty="0">
+                <a:solidFill>
+                  <a:schemeClr val="tx1"/>
+                </a:solidFill>
+                <a:latin typeface="Arial" panose="020B0604020202020204" pitchFamily="34" charset="0"/>
+                <a:cs typeface="Arial" panose="020B0604020202020204" pitchFamily="34" charset="0"/>
+              </a:rPr>
+              <a:t>Target variable</a:t>
+            </a:r>
+          </a:p>
+          <a:p>
+            <a:pPr algn="ctr"/>
+            <a:endParaRPr lang="de-DE" sz="1600" b="1" dirty="0">
+              <a:solidFill>
+                <a:schemeClr val="tx1"/>
+              </a:solidFill>
+              <a:latin typeface="Arial" panose="020B0604020202020204" pitchFamily="34" charset="0"/>
+              <a:cs typeface="Arial" panose="020B0604020202020204" pitchFamily="34" charset="0"/>
+            </a:endParaRPr>
+          </a:p>
+          <a:p>
+            <a:pPr algn="ctr"/>
+            <a:r>
+              <a:rPr lang="de-DE" sz="1400" dirty="0">
+                <a:solidFill>
+                  <a:schemeClr val="tx1"/>
+                </a:solidFill>
+                <a:latin typeface="Arial" panose="020B0604020202020204" pitchFamily="34" charset="0"/>
+                <a:cs typeface="Arial" panose="020B0604020202020204" pitchFamily="34" charset="0"/>
+              </a:rPr>
+              <a:t>RFM </a:t>
+            </a:r>
+            <a:r>
+              <a:rPr lang="de-DE" sz="1400" dirty="0" err="1">
+                <a:solidFill>
+                  <a:schemeClr val="tx1"/>
+                </a:solidFill>
+                <a:latin typeface="Arial" panose="020B0604020202020204" pitchFamily="34" charset="0"/>
+                <a:cs typeface="Arial" panose="020B0604020202020204" pitchFamily="34" charset="0"/>
+              </a:rPr>
+              <a:t>scores</a:t>
+            </a:r>
+            <a:r>
+              <a:rPr lang="de-DE" sz="1400" dirty="0">
+                <a:solidFill>
+                  <a:schemeClr val="tx1"/>
+                </a:solidFill>
+                <a:latin typeface="Arial" panose="020B0604020202020204" pitchFamily="34" charset="0"/>
+                <a:cs typeface="Arial" panose="020B0604020202020204" pitchFamily="34" charset="0"/>
+              </a:rPr>
+              <a:t> </a:t>
+            </a:r>
+            <a:r>
+              <a:rPr lang="de-DE" sz="1400" dirty="0" err="1">
+                <a:solidFill>
+                  <a:schemeClr val="tx1"/>
+                </a:solidFill>
+                <a:latin typeface="Arial" panose="020B0604020202020204" pitchFamily="34" charset="0"/>
+                <a:cs typeface="Arial" panose="020B0604020202020204" pitchFamily="34" charset="0"/>
+              </a:rPr>
+              <a:t>as</a:t>
+            </a:r>
+            <a:r>
+              <a:rPr lang="de-DE" sz="1400" dirty="0">
+                <a:solidFill>
+                  <a:schemeClr val="tx1"/>
+                </a:solidFill>
+                <a:latin typeface="Arial" panose="020B0604020202020204" pitchFamily="34" charset="0"/>
+                <a:cs typeface="Arial" panose="020B0604020202020204" pitchFamily="34" charset="0"/>
+              </a:rPr>
+              <a:t> </a:t>
+            </a:r>
+            <a:r>
+              <a:rPr lang="de-DE" sz="1400" dirty="0" err="1">
+                <a:solidFill>
+                  <a:schemeClr val="tx1"/>
+                </a:solidFill>
+                <a:latin typeface="Arial" panose="020B0604020202020204" pitchFamily="34" charset="0"/>
+                <a:cs typeface="Arial" panose="020B0604020202020204" pitchFamily="34" charset="0"/>
+              </a:rPr>
+              <a:t>target</a:t>
+            </a:r>
+            <a:endParaRPr lang="en-US" sz="1400" dirty="0">
+              <a:solidFill>
+                <a:schemeClr val="tx1"/>
+              </a:solidFill>
+              <a:latin typeface="Arial" panose="020B0604020202020204" pitchFamily="34" charset="0"/>
+              <a:cs typeface="Arial" panose="020B0604020202020204" pitchFamily="34" charset="0"/>
+            </a:endParaRPr>
+          </a:p>
+        </p:txBody>
+      </p:sp>
+      <p:sp>
+        <p:nvSpPr>
+          <p:cNvPr id="40" name="Rechteck: abgerundete Ecken 39">
+            <a:extLst>
+              <a:ext uri="{FF2B5EF4-FFF2-40B4-BE49-F238E27FC236}">
+                <a16:creationId xmlns:a16="http://schemas.microsoft.com/office/drawing/2014/main" id="{9C88E3C3-F034-48D9-993B-12707E7D2975}"/>
+              </a:ext>
+            </a:extLst>
+          </p:cNvPr>
+          <p:cNvSpPr/>
+          <p:nvPr/>
+        </p:nvSpPr>
+        <p:spPr>
+          <a:xfrm>
+            <a:off x="348343" y="3788215"/>
+            <a:ext cx="2525487" cy="1058096"/>
+          </a:xfrm>
+          <a:prstGeom prst="roundRect">
+            <a:avLst/>
+          </a:prstGeom>
+          <a:solidFill>
+            <a:schemeClr val="accent6">
+              <a:lumMod val="60000"/>
+              <a:lumOff val="40000"/>
+            </a:schemeClr>
+          </a:solidFill>
+          <a:ln>
+            <a:noFill/>
+          </a:ln>
+        </p:spPr>
+        <p:style>
+          <a:lnRef idx="2">
+            <a:schemeClr val="accent1">
+              <a:shade val="50000"/>
+            </a:schemeClr>
+          </a:lnRef>
+          <a:fillRef idx="1">
+            <a:schemeClr val="accent1"/>
+          </a:fillRef>
+          <a:effectRef idx="0">
+            <a:schemeClr val="accent1"/>
+          </a:effectRef>
+          <a:fontRef idx="minor">
+            <a:schemeClr val="lt1"/>
+          </a:fontRef>
+        </p:style>
+        <p:txBody>
+          <a:bodyPr rtlCol="0" anchor="ctr"/>
+          <a:lstStyle/>
+          <a:p>
+            <a:pPr algn="ctr"/>
+            <a:r>
+              <a:rPr lang="de-DE" sz="1600" b="1" dirty="0" err="1">
+                <a:solidFill>
+                  <a:schemeClr val="tx1"/>
+                </a:solidFill>
+                <a:latin typeface="Arial" panose="020B0604020202020204" pitchFamily="34" charset="0"/>
+                <a:cs typeface="Arial" panose="020B0604020202020204" pitchFamily="34" charset="0"/>
+              </a:rPr>
+              <a:t>Recoding</a:t>
+            </a:r>
+            <a:r>
+              <a:rPr lang="de-DE" sz="1600" b="1" dirty="0">
+                <a:solidFill>
+                  <a:schemeClr val="tx1"/>
+                </a:solidFill>
+                <a:latin typeface="Arial" panose="020B0604020202020204" pitchFamily="34" charset="0"/>
+                <a:cs typeface="Arial" panose="020B0604020202020204" pitchFamily="34" charset="0"/>
+              </a:rPr>
+              <a:t> variables</a:t>
+            </a:r>
+          </a:p>
+          <a:p>
+            <a:pPr algn="ctr"/>
+            <a:endParaRPr lang="de-DE" sz="600" b="1" dirty="0">
+              <a:solidFill>
+                <a:schemeClr val="tx1"/>
+              </a:solidFill>
+              <a:latin typeface="Arial" panose="020B0604020202020204" pitchFamily="34" charset="0"/>
+              <a:cs typeface="Arial" panose="020B0604020202020204" pitchFamily="34" charset="0"/>
+            </a:endParaRPr>
+          </a:p>
+          <a:p>
+            <a:pPr algn="ctr"/>
+            <a:r>
+              <a:rPr lang="de-DE" sz="1400" dirty="0">
+                <a:solidFill>
+                  <a:schemeClr val="tx1"/>
+                </a:solidFill>
+                <a:latin typeface="Arial" panose="020B0604020202020204" pitchFamily="34" charset="0"/>
+                <a:cs typeface="Arial" panose="020B0604020202020204" pitchFamily="34" charset="0"/>
+              </a:rPr>
+              <a:t>Attributes </a:t>
+            </a:r>
+            <a:r>
+              <a:rPr lang="de-DE" sz="1400" dirty="0" err="1">
+                <a:solidFill>
+                  <a:schemeClr val="tx1"/>
+                </a:solidFill>
+                <a:latin typeface="Arial" panose="020B0604020202020204" pitchFamily="34" charset="0"/>
+                <a:cs typeface="Arial" panose="020B0604020202020204" pitchFamily="34" charset="0"/>
+              </a:rPr>
+              <a:t>are</a:t>
+            </a:r>
+            <a:r>
+              <a:rPr lang="de-DE" sz="1400" dirty="0">
+                <a:solidFill>
+                  <a:schemeClr val="tx1"/>
+                </a:solidFill>
+                <a:latin typeface="Arial" panose="020B0604020202020204" pitchFamily="34" charset="0"/>
+                <a:cs typeface="Arial" panose="020B0604020202020204" pitchFamily="34" charset="0"/>
+              </a:rPr>
+              <a:t> </a:t>
+            </a:r>
+            <a:r>
+              <a:rPr lang="de-DE" sz="1400" dirty="0" err="1">
+                <a:solidFill>
+                  <a:schemeClr val="tx1"/>
+                </a:solidFill>
+                <a:latin typeface="Arial" panose="020B0604020202020204" pitchFamily="34" charset="0"/>
+                <a:cs typeface="Arial" panose="020B0604020202020204" pitchFamily="34" charset="0"/>
+              </a:rPr>
+              <a:t>recoded</a:t>
+            </a:r>
+            <a:r>
+              <a:rPr lang="de-DE" sz="1400" dirty="0">
+                <a:solidFill>
+                  <a:schemeClr val="tx1"/>
+                </a:solidFill>
+                <a:latin typeface="Arial" panose="020B0604020202020204" pitchFamily="34" charset="0"/>
+                <a:cs typeface="Arial" panose="020B0604020202020204" pitchFamily="34" charset="0"/>
+              </a:rPr>
+              <a:t> </a:t>
+            </a:r>
+            <a:r>
+              <a:rPr lang="de-DE" sz="1400" dirty="0" err="1">
+                <a:solidFill>
+                  <a:schemeClr val="tx1"/>
+                </a:solidFill>
+                <a:latin typeface="Arial" panose="020B0604020202020204" pitchFamily="34" charset="0"/>
+                <a:cs typeface="Arial" panose="020B0604020202020204" pitchFamily="34" charset="0"/>
+              </a:rPr>
+              <a:t>into</a:t>
+            </a:r>
+            <a:r>
+              <a:rPr lang="de-DE" sz="1400" dirty="0">
+                <a:solidFill>
+                  <a:schemeClr val="tx1"/>
+                </a:solidFill>
+                <a:latin typeface="Arial" panose="020B0604020202020204" pitchFamily="34" charset="0"/>
+                <a:cs typeface="Arial" panose="020B0604020202020204" pitchFamily="34" charset="0"/>
+              </a:rPr>
+              <a:t> </a:t>
+            </a:r>
+            <a:r>
+              <a:rPr lang="de-DE" sz="1400" dirty="0" err="1">
+                <a:solidFill>
+                  <a:schemeClr val="tx1"/>
+                </a:solidFill>
+                <a:latin typeface="Arial" panose="020B0604020202020204" pitchFamily="34" charset="0"/>
+                <a:cs typeface="Arial" panose="020B0604020202020204" pitchFamily="34" charset="0"/>
+              </a:rPr>
+              <a:t>categorical</a:t>
+            </a:r>
+            <a:r>
+              <a:rPr lang="de-DE" sz="1400" dirty="0">
+                <a:solidFill>
+                  <a:schemeClr val="tx1"/>
+                </a:solidFill>
+                <a:latin typeface="Arial" panose="020B0604020202020204" pitchFamily="34" charset="0"/>
+                <a:cs typeface="Arial" panose="020B0604020202020204" pitchFamily="34" charset="0"/>
+              </a:rPr>
+              <a:t>/</a:t>
+            </a:r>
+            <a:r>
+              <a:rPr lang="de-DE" sz="1400" dirty="0" err="1">
+                <a:solidFill>
+                  <a:schemeClr val="tx1"/>
+                </a:solidFill>
+                <a:latin typeface="Arial" panose="020B0604020202020204" pitchFamily="34" charset="0"/>
+                <a:cs typeface="Arial" panose="020B0604020202020204" pitchFamily="34" charset="0"/>
+              </a:rPr>
+              <a:t>binary</a:t>
+            </a:r>
+            <a:r>
+              <a:rPr lang="de-DE" sz="1400" dirty="0">
+                <a:solidFill>
+                  <a:schemeClr val="tx1"/>
+                </a:solidFill>
+                <a:latin typeface="Arial" panose="020B0604020202020204" pitchFamily="34" charset="0"/>
+                <a:cs typeface="Arial" panose="020B0604020202020204" pitchFamily="34" charset="0"/>
+              </a:rPr>
+              <a:t> variables</a:t>
+            </a:r>
+          </a:p>
+        </p:txBody>
+      </p:sp>
+      <p:sp>
+        <p:nvSpPr>
+          <p:cNvPr id="41" name="Rechteck 40">
+            <a:extLst>
+              <a:ext uri="{FF2B5EF4-FFF2-40B4-BE49-F238E27FC236}">
+                <a16:creationId xmlns:a16="http://schemas.microsoft.com/office/drawing/2014/main" id="{7AAC9655-5EC0-466C-9DD2-717BEC377B1D}"/>
+              </a:ext>
+            </a:extLst>
+          </p:cNvPr>
+          <p:cNvSpPr/>
+          <p:nvPr/>
+        </p:nvSpPr>
+        <p:spPr>
+          <a:xfrm>
+            <a:off x="3240676" y="3788216"/>
+            <a:ext cx="2525486" cy="1058095"/>
+          </a:xfrm>
+          <a:prstGeom prst="rect">
+            <a:avLst/>
+          </a:prstGeom>
+          <a:solidFill>
+            <a:srgbClr val="B4C7E7"/>
+          </a:solidFill>
+          <a:ln>
+            <a:noFill/>
+          </a:ln>
+        </p:spPr>
+        <p:style>
+          <a:lnRef idx="2">
+            <a:schemeClr val="accent1">
+              <a:shade val="50000"/>
+            </a:schemeClr>
+          </a:lnRef>
+          <a:fillRef idx="1">
+            <a:schemeClr val="accent1"/>
+          </a:fillRef>
+          <a:effectRef idx="0">
+            <a:schemeClr val="accent1"/>
+          </a:effectRef>
+          <a:fontRef idx="minor">
+            <a:schemeClr val="lt1"/>
+          </a:fontRef>
+        </p:style>
+        <p:txBody>
+          <a:bodyPr rtlCol="0" anchor="ctr"/>
+          <a:lstStyle/>
+          <a:p>
+            <a:pPr algn="ctr"/>
+            <a:r>
+              <a:rPr lang="de-DE" sz="1600" b="1" dirty="0">
+                <a:solidFill>
+                  <a:schemeClr val="tx1"/>
+                </a:solidFill>
+                <a:latin typeface="Arial" panose="020B0604020202020204" pitchFamily="34" charset="0"/>
+                <a:cs typeface="Arial" panose="020B0604020202020204" pitchFamily="34" charset="0"/>
+              </a:rPr>
+              <a:t>Model </a:t>
+            </a:r>
+            <a:r>
+              <a:rPr lang="de-DE" sz="1600" b="1" dirty="0" err="1">
+                <a:solidFill>
+                  <a:schemeClr val="tx1"/>
+                </a:solidFill>
+                <a:latin typeface="Arial" panose="020B0604020202020204" pitchFamily="34" charset="0"/>
+                <a:cs typeface="Arial" panose="020B0604020202020204" pitchFamily="34" charset="0"/>
+              </a:rPr>
+              <a:t>data</a:t>
+            </a:r>
+            <a:endParaRPr lang="de-DE" sz="1600" b="1" dirty="0">
+              <a:solidFill>
+                <a:schemeClr val="tx1"/>
+              </a:solidFill>
+              <a:latin typeface="Arial" panose="020B0604020202020204" pitchFamily="34" charset="0"/>
+              <a:cs typeface="Arial" panose="020B0604020202020204" pitchFamily="34" charset="0"/>
+            </a:endParaRPr>
+          </a:p>
+          <a:p>
+            <a:pPr algn="ctr"/>
+            <a:endParaRPr lang="de-DE" sz="1600" b="1" dirty="0">
+              <a:solidFill>
+                <a:schemeClr val="tx1"/>
+              </a:solidFill>
+              <a:latin typeface="Arial" panose="020B0604020202020204" pitchFamily="34" charset="0"/>
+              <a:cs typeface="Arial" panose="020B0604020202020204" pitchFamily="34" charset="0"/>
+            </a:endParaRPr>
+          </a:p>
+          <a:p>
+            <a:pPr algn="ctr"/>
+            <a:r>
+              <a:rPr lang="de-DE" sz="1400" dirty="0">
+                <a:solidFill>
+                  <a:schemeClr val="tx1"/>
+                </a:solidFill>
+                <a:latin typeface="Arial" panose="020B0604020202020204" pitchFamily="34" charset="0"/>
+                <a:cs typeface="Arial" panose="020B0604020202020204" pitchFamily="34" charset="0"/>
+              </a:rPr>
+              <a:t>Data </a:t>
+            </a:r>
+            <a:r>
+              <a:rPr lang="de-DE" sz="1400" dirty="0" err="1">
+                <a:solidFill>
+                  <a:schemeClr val="tx1"/>
+                </a:solidFill>
+                <a:latin typeface="Arial" panose="020B0604020202020204" pitchFamily="34" charset="0"/>
+                <a:cs typeface="Arial" panose="020B0604020202020204" pitchFamily="34" charset="0"/>
+              </a:rPr>
+              <a:t>prepared</a:t>
+            </a:r>
+            <a:r>
+              <a:rPr lang="de-DE" sz="1400" dirty="0">
+                <a:solidFill>
+                  <a:schemeClr val="tx1"/>
+                </a:solidFill>
+                <a:latin typeface="Arial" panose="020B0604020202020204" pitchFamily="34" charset="0"/>
+                <a:cs typeface="Arial" panose="020B0604020202020204" pitchFamily="34" charset="0"/>
+              </a:rPr>
+              <a:t> </a:t>
+            </a:r>
+            <a:r>
+              <a:rPr lang="de-DE" sz="1400" dirty="0" err="1">
+                <a:solidFill>
+                  <a:schemeClr val="tx1"/>
+                </a:solidFill>
+                <a:latin typeface="Arial" panose="020B0604020202020204" pitchFamily="34" charset="0"/>
+                <a:cs typeface="Arial" panose="020B0604020202020204" pitchFamily="34" charset="0"/>
+              </a:rPr>
+              <a:t>for</a:t>
+            </a:r>
+            <a:r>
+              <a:rPr lang="de-DE" sz="1400" dirty="0">
+                <a:solidFill>
+                  <a:schemeClr val="tx1"/>
+                </a:solidFill>
+                <a:latin typeface="Arial" panose="020B0604020202020204" pitchFamily="34" charset="0"/>
+                <a:cs typeface="Arial" panose="020B0604020202020204" pitchFamily="34" charset="0"/>
+              </a:rPr>
+              <a:t> </a:t>
+            </a:r>
+            <a:r>
+              <a:rPr lang="de-DE" sz="1400" dirty="0" err="1">
+                <a:solidFill>
+                  <a:schemeClr val="tx1"/>
+                </a:solidFill>
+                <a:latin typeface="Arial" panose="020B0604020202020204" pitchFamily="34" charset="0"/>
+                <a:cs typeface="Arial" panose="020B0604020202020204" pitchFamily="34" charset="0"/>
+              </a:rPr>
+              <a:t>model</a:t>
+            </a:r>
+            <a:endParaRPr lang="en-US" sz="1400" dirty="0">
+              <a:solidFill>
+                <a:schemeClr val="tx1"/>
+              </a:solidFill>
+              <a:latin typeface="Arial" panose="020B0604020202020204" pitchFamily="34" charset="0"/>
+              <a:cs typeface="Arial" panose="020B0604020202020204" pitchFamily="34" charset="0"/>
+            </a:endParaRPr>
+          </a:p>
+        </p:txBody>
+      </p:sp>
+      <p:sp>
+        <p:nvSpPr>
+          <p:cNvPr id="43" name="Rechteck: abgerundete Ecken 42">
+            <a:extLst>
+              <a:ext uri="{FF2B5EF4-FFF2-40B4-BE49-F238E27FC236}">
+                <a16:creationId xmlns:a16="http://schemas.microsoft.com/office/drawing/2014/main" id="{EE5F8BD9-A304-43C4-88A2-FF9B78026BA5}"/>
+              </a:ext>
+            </a:extLst>
+          </p:cNvPr>
+          <p:cNvSpPr/>
+          <p:nvPr/>
+        </p:nvSpPr>
+        <p:spPr>
+          <a:xfrm>
+            <a:off x="6133008" y="3788215"/>
+            <a:ext cx="2525487" cy="1058096"/>
+          </a:xfrm>
+          <a:prstGeom prst="roundRect">
+            <a:avLst/>
+          </a:prstGeom>
+          <a:solidFill>
+            <a:schemeClr val="accent6">
+              <a:lumMod val="60000"/>
+              <a:lumOff val="40000"/>
+            </a:schemeClr>
+          </a:solidFill>
+          <a:ln>
+            <a:noFill/>
+          </a:ln>
+        </p:spPr>
+        <p:style>
+          <a:lnRef idx="2">
+            <a:schemeClr val="accent1">
+              <a:shade val="50000"/>
+            </a:schemeClr>
+          </a:lnRef>
+          <a:fillRef idx="1">
+            <a:schemeClr val="accent1"/>
+          </a:fillRef>
+          <a:effectRef idx="0">
+            <a:schemeClr val="accent1"/>
+          </a:effectRef>
+          <a:fontRef idx="minor">
+            <a:schemeClr val="lt1"/>
+          </a:fontRef>
+        </p:style>
+        <p:txBody>
+          <a:bodyPr rtlCol="0" anchor="ctr"/>
+          <a:lstStyle/>
+          <a:p>
+            <a:pPr algn="ctr"/>
+            <a:r>
+              <a:rPr lang="de-DE" sz="1600" b="1" dirty="0">
+                <a:solidFill>
+                  <a:schemeClr val="tx1"/>
+                </a:solidFill>
+                <a:latin typeface="Arial" panose="020B0604020202020204" pitchFamily="34" charset="0"/>
+                <a:cs typeface="Arial" panose="020B0604020202020204" pitchFamily="34" charset="0"/>
+              </a:rPr>
+              <a:t>Splitting </a:t>
+            </a:r>
+            <a:r>
+              <a:rPr lang="de-DE" sz="1600" b="1" dirty="0" err="1">
+                <a:solidFill>
+                  <a:schemeClr val="tx1"/>
+                </a:solidFill>
+                <a:latin typeface="Arial" panose="020B0604020202020204" pitchFamily="34" charset="0"/>
+                <a:cs typeface="Arial" panose="020B0604020202020204" pitchFamily="34" charset="0"/>
+              </a:rPr>
+              <a:t>data</a:t>
+            </a:r>
+            <a:endParaRPr lang="de-DE" sz="1600" b="1" dirty="0">
+              <a:solidFill>
+                <a:schemeClr val="tx1"/>
+              </a:solidFill>
+              <a:latin typeface="Arial" panose="020B0604020202020204" pitchFamily="34" charset="0"/>
+              <a:cs typeface="Arial" panose="020B0604020202020204" pitchFamily="34" charset="0"/>
+            </a:endParaRPr>
+          </a:p>
+          <a:p>
+            <a:pPr algn="ctr"/>
+            <a:endParaRPr lang="de-DE" sz="600" b="1" dirty="0">
+              <a:solidFill>
+                <a:schemeClr val="tx1"/>
+              </a:solidFill>
+              <a:latin typeface="Arial" panose="020B0604020202020204" pitchFamily="34" charset="0"/>
+              <a:cs typeface="Arial" panose="020B0604020202020204" pitchFamily="34" charset="0"/>
+            </a:endParaRPr>
+          </a:p>
+          <a:p>
+            <a:pPr algn="ctr"/>
+            <a:r>
+              <a:rPr lang="de-DE" sz="1400" dirty="0">
+                <a:solidFill>
+                  <a:schemeClr val="tx1"/>
+                </a:solidFill>
+                <a:latin typeface="Arial" panose="020B0604020202020204" pitchFamily="34" charset="0"/>
+                <a:cs typeface="Arial" panose="020B0604020202020204" pitchFamily="34" charset="0"/>
+              </a:rPr>
+              <a:t>Data </a:t>
+            </a:r>
+            <a:r>
+              <a:rPr lang="de-DE" sz="1400" dirty="0" err="1">
+                <a:solidFill>
+                  <a:schemeClr val="tx1"/>
+                </a:solidFill>
+                <a:latin typeface="Arial" panose="020B0604020202020204" pitchFamily="34" charset="0"/>
+                <a:cs typeface="Arial" panose="020B0604020202020204" pitchFamily="34" charset="0"/>
+              </a:rPr>
+              <a:t>are</a:t>
+            </a:r>
+            <a:r>
+              <a:rPr lang="de-DE" sz="1400" dirty="0">
+                <a:solidFill>
+                  <a:schemeClr val="tx1"/>
+                </a:solidFill>
+                <a:latin typeface="Arial" panose="020B0604020202020204" pitchFamily="34" charset="0"/>
+                <a:cs typeface="Arial" panose="020B0604020202020204" pitchFamily="34" charset="0"/>
+              </a:rPr>
+              <a:t> </a:t>
+            </a:r>
+            <a:r>
+              <a:rPr lang="de-DE" sz="1400" dirty="0" err="1">
+                <a:solidFill>
+                  <a:schemeClr val="tx1"/>
+                </a:solidFill>
+                <a:latin typeface="Arial" panose="020B0604020202020204" pitchFamily="34" charset="0"/>
+                <a:cs typeface="Arial" panose="020B0604020202020204" pitchFamily="34" charset="0"/>
+              </a:rPr>
+              <a:t>split</a:t>
+            </a:r>
+            <a:r>
+              <a:rPr lang="de-DE" sz="1400" dirty="0">
+                <a:solidFill>
+                  <a:schemeClr val="tx1"/>
+                </a:solidFill>
+                <a:latin typeface="Arial" panose="020B0604020202020204" pitchFamily="34" charset="0"/>
+                <a:cs typeface="Arial" panose="020B0604020202020204" pitchFamily="34" charset="0"/>
+              </a:rPr>
+              <a:t> </a:t>
+            </a:r>
+            <a:r>
+              <a:rPr lang="de-DE" sz="1400" dirty="0" err="1">
+                <a:solidFill>
+                  <a:schemeClr val="tx1"/>
+                </a:solidFill>
+                <a:latin typeface="Arial" panose="020B0604020202020204" pitchFamily="34" charset="0"/>
+                <a:cs typeface="Arial" panose="020B0604020202020204" pitchFamily="34" charset="0"/>
+              </a:rPr>
+              <a:t>into</a:t>
+            </a:r>
+            <a:r>
+              <a:rPr lang="de-DE" sz="1400" dirty="0">
+                <a:solidFill>
+                  <a:schemeClr val="tx1"/>
+                </a:solidFill>
+                <a:latin typeface="Arial" panose="020B0604020202020204" pitchFamily="34" charset="0"/>
+                <a:cs typeface="Arial" panose="020B0604020202020204" pitchFamily="34" charset="0"/>
+              </a:rPr>
+              <a:t> </a:t>
+            </a:r>
+            <a:r>
+              <a:rPr lang="de-DE" sz="1400" dirty="0" err="1">
+                <a:solidFill>
+                  <a:schemeClr val="tx1"/>
+                </a:solidFill>
+                <a:latin typeface="Arial" panose="020B0604020202020204" pitchFamily="34" charset="0"/>
+                <a:cs typeface="Arial" panose="020B0604020202020204" pitchFamily="34" charset="0"/>
+              </a:rPr>
+              <a:t>test</a:t>
+            </a:r>
+            <a:r>
+              <a:rPr lang="de-DE" sz="1400" dirty="0">
+                <a:solidFill>
+                  <a:schemeClr val="tx1"/>
+                </a:solidFill>
+                <a:latin typeface="Arial" panose="020B0604020202020204" pitchFamily="34" charset="0"/>
+                <a:cs typeface="Arial" panose="020B0604020202020204" pitchFamily="34" charset="0"/>
+              </a:rPr>
+              <a:t> and </a:t>
+            </a:r>
+            <a:r>
+              <a:rPr lang="de-DE" sz="1400" dirty="0" err="1">
+                <a:solidFill>
+                  <a:schemeClr val="tx1"/>
+                </a:solidFill>
+                <a:latin typeface="Arial" panose="020B0604020202020204" pitchFamily="34" charset="0"/>
+                <a:cs typeface="Arial" panose="020B0604020202020204" pitchFamily="34" charset="0"/>
+              </a:rPr>
+              <a:t>train</a:t>
+            </a:r>
+            <a:r>
+              <a:rPr lang="de-DE" sz="1400" dirty="0">
+                <a:solidFill>
+                  <a:schemeClr val="tx1"/>
+                </a:solidFill>
+                <a:latin typeface="Arial" panose="020B0604020202020204" pitchFamily="34" charset="0"/>
+                <a:cs typeface="Arial" panose="020B0604020202020204" pitchFamily="34" charset="0"/>
+              </a:rPr>
+              <a:t> </a:t>
+            </a:r>
+            <a:r>
+              <a:rPr lang="de-DE" sz="1400" dirty="0" err="1">
+                <a:solidFill>
+                  <a:schemeClr val="tx1"/>
+                </a:solidFill>
+                <a:latin typeface="Arial" panose="020B0604020202020204" pitchFamily="34" charset="0"/>
+                <a:cs typeface="Arial" panose="020B0604020202020204" pitchFamily="34" charset="0"/>
+              </a:rPr>
+              <a:t>subsets</a:t>
+            </a:r>
+            <a:endParaRPr lang="de-DE" sz="1400" dirty="0">
+              <a:solidFill>
+                <a:schemeClr val="tx1"/>
+              </a:solidFill>
+              <a:latin typeface="Arial" panose="020B0604020202020204" pitchFamily="34" charset="0"/>
+              <a:cs typeface="Arial" panose="020B0604020202020204" pitchFamily="34" charset="0"/>
+            </a:endParaRPr>
+          </a:p>
+        </p:txBody>
+      </p:sp>
+      <p:sp>
+        <p:nvSpPr>
+          <p:cNvPr id="45" name="Rechteck: abgerundete Ecken 44">
+            <a:extLst>
+              <a:ext uri="{FF2B5EF4-FFF2-40B4-BE49-F238E27FC236}">
+                <a16:creationId xmlns:a16="http://schemas.microsoft.com/office/drawing/2014/main" id="{AB1887A1-A9E3-4FC8-B914-24CFC004373F}"/>
+              </a:ext>
+            </a:extLst>
+          </p:cNvPr>
+          <p:cNvSpPr/>
+          <p:nvPr/>
+        </p:nvSpPr>
+        <p:spPr>
+          <a:xfrm>
+            <a:off x="9025339" y="3788215"/>
+            <a:ext cx="2525487" cy="1058096"/>
+          </a:xfrm>
+          <a:prstGeom prst="roundRect">
+            <a:avLst/>
+          </a:prstGeom>
+          <a:solidFill>
+            <a:schemeClr val="accent6">
+              <a:lumMod val="60000"/>
+              <a:lumOff val="40000"/>
+            </a:schemeClr>
+          </a:solidFill>
+          <a:ln>
+            <a:noFill/>
+          </a:ln>
+        </p:spPr>
+        <p:style>
+          <a:lnRef idx="2">
+            <a:schemeClr val="accent1">
+              <a:shade val="50000"/>
+            </a:schemeClr>
+          </a:lnRef>
+          <a:fillRef idx="1">
+            <a:schemeClr val="accent1"/>
+          </a:fillRef>
+          <a:effectRef idx="0">
+            <a:schemeClr val="accent1"/>
+          </a:effectRef>
+          <a:fontRef idx="minor">
+            <a:schemeClr val="lt1"/>
+          </a:fontRef>
+        </p:style>
+        <p:txBody>
+          <a:bodyPr rtlCol="0" anchor="ctr"/>
+          <a:lstStyle/>
+          <a:p>
+            <a:pPr algn="ctr"/>
+            <a:r>
+              <a:rPr lang="de-DE" sz="1600" b="1" dirty="0">
+                <a:solidFill>
+                  <a:schemeClr val="tx1"/>
+                </a:solidFill>
+                <a:latin typeface="Arial" panose="020B0604020202020204" pitchFamily="34" charset="0"/>
+                <a:cs typeface="Arial" panose="020B0604020202020204" pitchFamily="34" charset="0"/>
+              </a:rPr>
+              <a:t>Training </a:t>
+            </a:r>
+            <a:r>
+              <a:rPr lang="de-DE" sz="1600" b="1" dirty="0" err="1">
+                <a:solidFill>
+                  <a:schemeClr val="tx1"/>
+                </a:solidFill>
+                <a:latin typeface="Arial" panose="020B0604020202020204" pitchFamily="34" charset="0"/>
+                <a:cs typeface="Arial" panose="020B0604020202020204" pitchFamily="34" charset="0"/>
+              </a:rPr>
+              <a:t>classifier</a:t>
+            </a:r>
+            <a:endParaRPr lang="de-DE" sz="1600" b="1" dirty="0">
+              <a:solidFill>
+                <a:schemeClr val="tx1"/>
+              </a:solidFill>
+              <a:latin typeface="Arial" panose="020B0604020202020204" pitchFamily="34" charset="0"/>
+              <a:cs typeface="Arial" panose="020B0604020202020204" pitchFamily="34" charset="0"/>
+            </a:endParaRPr>
+          </a:p>
+          <a:p>
+            <a:pPr algn="ctr"/>
+            <a:endParaRPr lang="de-DE" sz="600" b="1" dirty="0">
+              <a:solidFill>
+                <a:schemeClr val="tx1"/>
+              </a:solidFill>
+              <a:latin typeface="Arial" panose="020B0604020202020204" pitchFamily="34" charset="0"/>
+              <a:cs typeface="Arial" panose="020B0604020202020204" pitchFamily="34" charset="0"/>
+            </a:endParaRPr>
+          </a:p>
+          <a:p>
+            <a:pPr algn="ctr"/>
+            <a:r>
+              <a:rPr lang="de-DE" sz="1400" dirty="0">
+                <a:solidFill>
+                  <a:schemeClr val="tx1"/>
+                </a:solidFill>
+                <a:latin typeface="Arial" panose="020B0604020202020204" pitchFamily="34" charset="0"/>
+                <a:cs typeface="Arial" panose="020B0604020202020204" pitchFamily="34" charset="0"/>
+              </a:rPr>
+              <a:t>Training </a:t>
+            </a:r>
+            <a:r>
+              <a:rPr lang="de-DE" sz="1400" dirty="0" err="1">
+                <a:solidFill>
+                  <a:schemeClr val="tx1"/>
+                </a:solidFill>
+                <a:latin typeface="Arial" panose="020B0604020202020204" pitchFamily="34" charset="0"/>
+                <a:cs typeface="Arial" panose="020B0604020202020204" pitchFamily="34" charset="0"/>
+              </a:rPr>
+              <a:t>with</a:t>
+            </a:r>
+            <a:r>
+              <a:rPr lang="de-DE" sz="1400" dirty="0">
+                <a:solidFill>
+                  <a:schemeClr val="tx1"/>
+                </a:solidFill>
+                <a:latin typeface="Arial" panose="020B0604020202020204" pitchFamily="34" charset="0"/>
+                <a:cs typeface="Arial" panose="020B0604020202020204" pitchFamily="34" charset="0"/>
+              </a:rPr>
+              <a:t> </a:t>
+            </a:r>
+            <a:r>
+              <a:rPr lang="de-DE" sz="1400" dirty="0" err="1">
+                <a:solidFill>
+                  <a:schemeClr val="tx1"/>
+                </a:solidFill>
+                <a:latin typeface="Arial" panose="020B0604020202020204" pitchFamily="34" charset="0"/>
+                <a:cs typeface="Arial" panose="020B0604020202020204" pitchFamily="34" charset="0"/>
+              </a:rPr>
+              <a:t>train</a:t>
+            </a:r>
+            <a:r>
+              <a:rPr lang="de-DE" sz="1400" dirty="0">
+                <a:solidFill>
+                  <a:schemeClr val="tx1"/>
+                </a:solidFill>
+                <a:latin typeface="Arial" panose="020B0604020202020204" pitchFamily="34" charset="0"/>
+                <a:cs typeface="Arial" panose="020B0604020202020204" pitchFamily="34" charset="0"/>
+              </a:rPr>
+              <a:t> </a:t>
+            </a:r>
+            <a:r>
+              <a:rPr lang="de-DE" sz="1400" dirty="0" err="1">
+                <a:solidFill>
+                  <a:schemeClr val="tx1"/>
+                </a:solidFill>
+                <a:latin typeface="Arial" panose="020B0604020202020204" pitchFamily="34" charset="0"/>
+                <a:cs typeface="Arial" panose="020B0604020202020204" pitchFamily="34" charset="0"/>
+              </a:rPr>
+              <a:t>subset</a:t>
+            </a:r>
+            <a:r>
+              <a:rPr lang="de-DE" sz="1400" dirty="0">
+                <a:solidFill>
+                  <a:schemeClr val="tx1"/>
+                </a:solidFill>
+                <a:latin typeface="Arial" panose="020B0604020202020204" pitchFamily="34" charset="0"/>
+                <a:cs typeface="Arial" panose="020B0604020202020204" pitchFamily="34" charset="0"/>
+              </a:rPr>
+              <a:t> and </a:t>
+            </a:r>
+            <a:r>
+              <a:rPr lang="de-DE" sz="1400" dirty="0" err="1">
+                <a:solidFill>
+                  <a:schemeClr val="tx1"/>
+                </a:solidFill>
+                <a:latin typeface="Arial" panose="020B0604020202020204" pitchFamily="34" charset="0"/>
+                <a:cs typeface="Arial" panose="020B0604020202020204" pitchFamily="34" charset="0"/>
+              </a:rPr>
+              <a:t>tested</a:t>
+            </a:r>
+            <a:r>
+              <a:rPr lang="de-DE" sz="1400" dirty="0">
+                <a:solidFill>
+                  <a:schemeClr val="tx1"/>
+                </a:solidFill>
+                <a:latin typeface="Arial" panose="020B0604020202020204" pitchFamily="34" charset="0"/>
+                <a:cs typeface="Arial" panose="020B0604020202020204" pitchFamily="34" charset="0"/>
+              </a:rPr>
+              <a:t> </a:t>
+            </a:r>
+            <a:r>
+              <a:rPr lang="de-DE" sz="1400" dirty="0" err="1">
+                <a:solidFill>
+                  <a:schemeClr val="tx1"/>
+                </a:solidFill>
+                <a:latin typeface="Arial" panose="020B0604020202020204" pitchFamily="34" charset="0"/>
+                <a:cs typeface="Arial" panose="020B0604020202020204" pitchFamily="34" charset="0"/>
+              </a:rPr>
+              <a:t>with</a:t>
+            </a:r>
+            <a:r>
+              <a:rPr lang="de-DE" sz="1400" dirty="0">
+                <a:solidFill>
+                  <a:schemeClr val="tx1"/>
+                </a:solidFill>
+                <a:latin typeface="Arial" panose="020B0604020202020204" pitchFamily="34" charset="0"/>
+                <a:cs typeface="Arial" panose="020B0604020202020204" pitchFamily="34" charset="0"/>
+              </a:rPr>
+              <a:t> </a:t>
+            </a:r>
+            <a:r>
+              <a:rPr lang="de-DE" sz="1400" dirty="0" err="1">
+                <a:solidFill>
+                  <a:schemeClr val="tx1"/>
+                </a:solidFill>
+                <a:latin typeface="Arial" panose="020B0604020202020204" pitchFamily="34" charset="0"/>
+                <a:cs typeface="Arial" panose="020B0604020202020204" pitchFamily="34" charset="0"/>
+              </a:rPr>
+              <a:t>test</a:t>
+            </a:r>
+            <a:r>
+              <a:rPr lang="de-DE" sz="1400" dirty="0">
+                <a:solidFill>
+                  <a:schemeClr val="tx1"/>
+                </a:solidFill>
+                <a:latin typeface="Arial" panose="020B0604020202020204" pitchFamily="34" charset="0"/>
+                <a:cs typeface="Arial" panose="020B0604020202020204" pitchFamily="34" charset="0"/>
+              </a:rPr>
+              <a:t> </a:t>
+            </a:r>
+            <a:r>
+              <a:rPr lang="de-DE" sz="1400" dirty="0" err="1">
+                <a:solidFill>
+                  <a:schemeClr val="tx1"/>
+                </a:solidFill>
+                <a:latin typeface="Arial" panose="020B0604020202020204" pitchFamily="34" charset="0"/>
+                <a:cs typeface="Arial" panose="020B0604020202020204" pitchFamily="34" charset="0"/>
+              </a:rPr>
+              <a:t>subset</a:t>
+            </a:r>
+            <a:endParaRPr lang="de-DE" sz="1400" dirty="0">
+              <a:solidFill>
+                <a:schemeClr val="tx1"/>
+              </a:solidFill>
+              <a:latin typeface="Arial" panose="020B0604020202020204" pitchFamily="34" charset="0"/>
+              <a:cs typeface="Arial" panose="020B0604020202020204" pitchFamily="34" charset="0"/>
+            </a:endParaRPr>
+          </a:p>
+        </p:txBody>
+      </p:sp>
+      <p:sp>
+        <p:nvSpPr>
+          <p:cNvPr id="46" name="Rechteck 45">
+            <a:extLst>
+              <a:ext uri="{FF2B5EF4-FFF2-40B4-BE49-F238E27FC236}">
+                <a16:creationId xmlns:a16="http://schemas.microsoft.com/office/drawing/2014/main" id="{6A06A282-832C-4D6F-A48A-554E8913DEC9}"/>
+              </a:ext>
+            </a:extLst>
+          </p:cNvPr>
+          <p:cNvSpPr/>
+          <p:nvPr/>
+        </p:nvSpPr>
+        <p:spPr>
+          <a:xfrm>
+            <a:off x="6133008" y="5455905"/>
+            <a:ext cx="2525486" cy="1058095"/>
+          </a:xfrm>
+          <a:prstGeom prst="rect">
+            <a:avLst/>
+          </a:prstGeom>
+          <a:solidFill>
+            <a:srgbClr val="B4C7E7"/>
+          </a:solidFill>
+          <a:ln>
+            <a:noFill/>
+          </a:ln>
+        </p:spPr>
+        <p:style>
+          <a:lnRef idx="2">
+            <a:schemeClr val="accent1">
+              <a:shade val="50000"/>
+            </a:schemeClr>
+          </a:lnRef>
+          <a:fillRef idx="1">
+            <a:schemeClr val="accent1"/>
+          </a:fillRef>
+          <a:effectRef idx="0">
+            <a:schemeClr val="accent1"/>
+          </a:effectRef>
+          <a:fontRef idx="minor">
+            <a:schemeClr val="lt1"/>
+          </a:fontRef>
+        </p:style>
+        <p:txBody>
+          <a:bodyPr rtlCol="0" anchor="ctr"/>
+          <a:lstStyle/>
+          <a:p>
+            <a:pPr algn="ctr"/>
+            <a:r>
+              <a:rPr lang="de-DE" sz="1600" b="1" dirty="0" err="1">
+                <a:solidFill>
+                  <a:schemeClr val="tx1"/>
+                </a:solidFill>
+                <a:latin typeface="Arial" panose="020B0604020202020204" pitchFamily="34" charset="0"/>
+                <a:cs typeface="Arial" panose="020B0604020202020204" pitchFamily="34" charset="0"/>
+              </a:rPr>
+              <a:t>Prediction</a:t>
+            </a:r>
+            <a:r>
+              <a:rPr lang="de-DE" sz="1600" b="1" dirty="0">
+                <a:solidFill>
+                  <a:schemeClr val="tx1"/>
+                </a:solidFill>
+                <a:latin typeface="Arial" panose="020B0604020202020204" pitchFamily="34" charset="0"/>
+                <a:cs typeface="Arial" panose="020B0604020202020204" pitchFamily="34" charset="0"/>
+              </a:rPr>
+              <a:t> </a:t>
+            </a:r>
+            <a:r>
+              <a:rPr lang="de-DE" sz="1600" b="1" dirty="0" err="1">
+                <a:solidFill>
+                  <a:schemeClr val="tx1"/>
+                </a:solidFill>
+                <a:latin typeface="Arial" panose="020B0604020202020204" pitchFamily="34" charset="0"/>
+                <a:cs typeface="Arial" panose="020B0604020202020204" pitchFamily="34" charset="0"/>
+              </a:rPr>
+              <a:t>data</a:t>
+            </a:r>
+            <a:endParaRPr lang="de-DE" sz="1600" b="1" dirty="0">
+              <a:solidFill>
+                <a:schemeClr val="tx1"/>
+              </a:solidFill>
+              <a:latin typeface="Arial" panose="020B0604020202020204" pitchFamily="34" charset="0"/>
+              <a:cs typeface="Arial" panose="020B0604020202020204" pitchFamily="34" charset="0"/>
+            </a:endParaRPr>
+          </a:p>
+          <a:p>
+            <a:pPr algn="ctr"/>
+            <a:endParaRPr lang="de-DE" sz="700" b="1" dirty="0">
+              <a:solidFill>
+                <a:schemeClr val="tx1"/>
+              </a:solidFill>
+              <a:latin typeface="Arial" panose="020B0604020202020204" pitchFamily="34" charset="0"/>
+              <a:cs typeface="Arial" panose="020B0604020202020204" pitchFamily="34" charset="0"/>
+            </a:endParaRPr>
+          </a:p>
+          <a:p>
+            <a:pPr algn="ctr"/>
+            <a:r>
+              <a:rPr lang="de-DE" sz="1400" dirty="0" err="1">
+                <a:solidFill>
+                  <a:schemeClr val="tx1"/>
+                </a:solidFill>
+                <a:latin typeface="Arial" panose="020B0604020202020204" pitchFamily="34" charset="0"/>
+                <a:cs typeface="Arial" panose="020B0604020202020204" pitchFamily="34" charset="0"/>
+              </a:rPr>
+              <a:t>Predicted</a:t>
+            </a:r>
+            <a:r>
+              <a:rPr lang="de-DE" sz="1400" dirty="0">
+                <a:solidFill>
+                  <a:schemeClr val="tx1"/>
+                </a:solidFill>
+                <a:latin typeface="Arial" panose="020B0604020202020204" pitchFamily="34" charset="0"/>
+                <a:cs typeface="Arial" panose="020B0604020202020204" pitchFamily="34" charset="0"/>
+              </a:rPr>
+              <a:t> </a:t>
+            </a:r>
+            <a:r>
+              <a:rPr lang="de-DE" sz="1400" dirty="0" err="1">
+                <a:solidFill>
+                  <a:schemeClr val="tx1"/>
+                </a:solidFill>
+                <a:latin typeface="Arial" panose="020B0604020202020204" pitchFamily="34" charset="0"/>
+                <a:cs typeface="Arial" panose="020B0604020202020204" pitchFamily="34" charset="0"/>
+              </a:rPr>
+              <a:t>scores</a:t>
+            </a:r>
+            <a:r>
+              <a:rPr lang="de-DE" sz="1400" dirty="0">
+                <a:solidFill>
+                  <a:schemeClr val="tx1"/>
+                </a:solidFill>
+                <a:latin typeface="Arial" panose="020B0604020202020204" pitchFamily="34" charset="0"/>
+                <a:cs typeface="Arial" panose="020B0604020202020204" pitchFamily="34" charset="0"/>
+              </a:rPr>
+              <a:t> </a:t>
+            </a:r>
+            <a:r>
+              <a:rPr lang="de-DE" sz="1400" dirty="0" err="1">
+                <a:solidFill>
+                  <a:schemeClr val="tx1"/>
+                </a:solidFill>
+                <a:latin typeface="Arial" panose="020B0604020202020204" pitchFamily="34" charset="0"/>
+                <a:cs typeface="Arial" panose="020B0604020202020204" pitchFamily="34" charset="0"/>
+              </a:rPr>
+              <a:t>for</a:t>
+            </a:r>
+            <a:r>
+              <a:rPr lang="de-DE" sz="1400" dirty="0">
+                <a:solidFill>
+                  <a:schemeClr val="tx1"/>
+                </a:solidFill>
+                <a:latin typeface="Arial" panose="020B0604020202020204" pitchFamily="34" charset="0"/>
+                <a:cs typeface="Arial" panose="020B0604020202020204" pitchFamily="34" charset="0"/>
+              </a:rPr>
+              <a:t> </a:t>
+            </a:r>
+            <a:r>
+              <a:rPr lang="de-DE" sz="1400" dirty="0" err="1">
+                <a:solidFill>
+                  <a:schemeClr val="tx1"/>
+                </a:solidFill>
+                <a:latin typeface="Arial" panose="020B0604020202020204" pitchFamily="34" charset="0"/>
+                <a:cs typeface="Arial" panose="020B0604020202020204" pitchFamily="34" charset="0"/>
+              </a:rPr>
+              <a:t>new</a:t>
+            </a:r>
+            <a:r>
+              <a:rPr lang="de-DE" sz="1400" dirty="0">
+                <a:solidFill>
+                  <a:schemeClr val="tx1"/>
+                </a:solidFill>
+                <a:latin typeface="Arial" panose="020B0604020202020204" pitchFamily="34" charset="0"/>
+                <a:cs typeface="Arial" panose="020B0604020202020204" pitchFamily="34" charset="0"/>
+              </a:rPr>
+              <a:t> </a:t>
+            </a:r>
+            <a:r>
+              <a:rPr lang="de-DE" sz="1400" dirty="0" err="1">
+                <a:solidFill>
+                  <a:schemeClr val="tx1"/>
+                </a:solidFill>
+                <a:latin typeface="Arial" panose="020B0604020202020204" pitchFamily="34" charset="0"/>
+                <a:cs typeface="Arial" panose="020B0604020202020204" pitchFamily="34" charset="0"/>
+              </a:rPr>
+              <a:t>customers</a:t>
+            </a:r>
+            <a:endParaRPr lang="en-US" sz="1400" dirty="0">
+              <a:solidFill>
+                <a:schemeClr val="tx1"/>
+              </a:solidFill>
+              <a:latin typeface="Arial" panose="020B0604020202020204" pitchFamily="34" charset="0"/>
+              <a:cs typeface="Arial" panose="020B0604020202020204" pitchFamily="34" charset="0"/>
+            </a:endParaRPr>
+          </a:p>
+        </p:txBody>
+      </p:sp>
+      <p:sp>
+        <p:nvSpPr>
+          <p:cNvPr id="47" name="Rechteck: abgerundete Ecken 46">
+            <a:extLst>
+              <a:ext uri="{FF2B5EF4-FFF2-40B4-BE49-F238E27FC236}">
+                <a16:creationId xmlns:a16="http://schemas.microsoft.com/office/drawing/2014/main" id="{7058BDF5-B91F-4213-A576-3BBE10C5145F}"/>
+              </a:ext>
+            </a:extLst>
+          </p:cNvPr>
+          <p:cNvSpPr/>
+          <p:nvPr/>
+        </p:nvSpPr>
+        <p:spPr>
+          <a:xfrm>
+            <a:off x="9025338" y="5455904"/>
+            <a:ext cx="2525487" cy="1058096"/>
+          </a:xfrm>
+          <a:prstGeom prst="roundRect">
+            <a:avLst/>
+          </a:prstGeom>
+          <a:solidFill>
+            <a:schemeClr val="accent6">
+              <a:lumMod val="60000"/>
+              <a:lumOff val="40000"/>
+            </a:schemeClr>
+          </a:solidFill>
+          <a:ln>
+            <a:noFill/>
+          </a:ln>
+        </p:spPr>
+        <p:style>
+          <a:lnRef idx="2">
+            <a:schemeClr val="accent1">
+              <a:shade val="50000"/>
+            </a:schemeClr>
+          </a:lnRef>
+          <a:fillRef idx="1">
+            <a:schemeClr val="accent1"/>
+          </a:fillRef>
+          <a:effectRef idx="0">
+            <a:schemeClr val="accent1"/>
+          </a:effectRef>
+          <a:fontRef idx="minor">
+            <a:schemeClr val="lt1"/>
+          </a:fontRef>
+        </p:style>
+        <p:txBody>
+          <a:bodyPr rtlCol="0" anchor="ctr"/>
+          <a:lstStyle/>
+          <a:p>
+            <a:pPr algn="ctr"/>
+            <a:r>
+              <a:rPr lang="de-DE" sz="1600" b="1" dirty="0" err="1">
+                <a:solidFill>
+                  <a:schemeClr val="tx1"/>
+                </a:solidFill>
+                <a:latin typeface="Arial" panose="020B0604020202020204" pitchFamily="34" charset="0"/>
+                <a:cs typeface="Arial" panose="020B0604020202020204" pitchFamily="34" charset="0"/>
+              </a:rPr>
+              <a:t>Applying</a:t>
+            </a:r>
+            <a:r>
+              <a:rPr lang="de-DE" sz="1600" b="1" dirty="0">
+                <a:solidFill>
+                  <a:schemeClr val="tx1"/>
+                </a:solidFill>
+                <a:latin typeface="Arial" panose="020B0604020202020204" pitchFamily="34" charset="0"/>
+                <a:cs typeface="Arial" panose="020B0604020202020204" pitchFamily="34" charset="0"/>
+              </a:rPr>
+              <a:t> </a:t>
+            </a:r>
+            <a:r>
+              <a:rPr lang="de-DE" sz="1600" b="1" dirty="0" err="1">
+                <a:solidFill>
+                  <a:schemeClr val="tx1"/>
+                </a:solidFill>
+                <a:latin typeface="Arial" panose="020B0604020202020204" pitchFamily="34" charset="0"/>
+                <a:cs typeface="Arial" panose="020B0604020202020204" pitchFamily="34" charset="0"/>
+              </a:rPr>
+              <a:t>classifier</a:t>
+            </a:r>
+            <a:endParaRPr lang="de-DE" sz="1600" b="1" dirty="0">
+              <a:solidFill>
+                <a:schemeClr val="tx1"/>
+              </a:solidFill>
+              <a:latin typeface="Arial" panose="020B0604020202020204" pitchFamily="34" charset="0"/>
+              <a:cs typeface="Arial" panose="020B0604020202020204" pitchFamily="34" charset="0"/>
+            </a:endParaRPr>
+          </a:p>
+          <a:p>
+            <a:pPr algn="ctr"/>
+            <a:endParaRPr lang="de-DE" sz="600" b="1" dirty="0">
+              <a:solidFill>
+                <a:schemeClr val="tx1"/>
+              </a:solidFill>
+              <a:latin typeface="Arial" panose="020B0604020202020204" pitchFamily="34" charset="0"/>
+              <a:cs typeface="Arial" panose="020B0604020202020204" pitchFamily="34" charset="0"/>
+            </a:endParaRPr>
+          </a:p>
+          <a:p>
+            <a:pPr algn="ctr"/>
+            <a:r>
+              <a:rPr lang="de-DE" sz="1400" dirty="0" err="1">
+                <a:solidFill>
+                  <a:schemeClr val="tx1"/>
+                </a:solidFill>
+                <a:latin typeface="Arial" panose="020B0604020202020204" pitchFamily="34" charset="0"/>
+                <a:cs typeface="Arial" panose="020B0604020202020204" pitchFamily="34" charset="0"/>
+              </a:rPr>
+              <a:t>Classifier</a:t>
+            </a:r>
+            <a:r>
+              <a:rPr lang="de-DE" sz="1400" dirty="0">
+                <a:solidFill>
+                  <a:schemeClr val="tx1"/>
+                </a:solidFill>
+                <a:latin typeface="Arial" panose="020B0604020202020204" pitchFamily="34" charset="0"/>
+                <a:cs typeface="Arial" panose="020B0604020202020204" pitchFamily="34" charset="0"/>
+              </a:rPr>
+              <a:t> </a:t>
+            </a:r>
+            <a:r>
+              <a:rPr lang="de-DE" sz="1400" dirty="0" err="1">
+                <a:solidFill>
+                  <a:schemeClr val="tx1"/>
+                </a:solidFill>
+                <a:latin typeface="Arial" panose="020B0604020202020204" pitchFamily="34" charset="0"/>
+                <a:cs typeface="Arial" panose="020B0604020202020204" pitchFamily="34" charset="0"/>
+              </a:rPr>
+              <a:t>is</a:t>
+            </a:r>
+            <a:r>
+              <a:rPr lang="de-DE" sz="1400" dirty="0">
+                <a:solidFill>
+                  <a:schemeClr val="tx1"/>
+                </a:solidFill>
+                <a:latin typeface="Arial" panose="020B0604020202020204" pitchFamily="34" charset="0"/>
+                <a:cs typeface="Arial" panose="020B0604020202020204" pitchFamily="34" charset="0"/>
+              </a:rPr>
+              <a:t> </a:t>
+            </a:r>
+            <a:r>
+              <a:rPr lang="de-DE" sz="1400" dirty="0" err="1">
+                <a:solidFill>
+                  <a:schemeClr val="tx1"/>
+                </a:solidFill>
+                <a:latin typeface="Arial" panose="020B0604020202020204" pitchFamily="34" charset="0"/>
+                <a:cs typeface="Arial" panose="020B0604020202020204" pitchFamily="34" charset="0"/>
+              </a:rPr>
+              <a:t>applied</a:t>
+            </a:r>
+            <a:r>
+              <a:rPr lang="de-DE" sz="1400" dirty="0">
+                <a:solidFill>
+                  <a:schemeClr val="tx1"/>
+                </a:solidFill>
+                <a:latin typeface="Arial" panose="020B0604020202020204" pitchFamily="34" charset="0"/>
+                <a:cs typeface="Arial" panose="020B0604020202020204" pitchFamily="34" charset="0"/>
+              </a:rPr>
+              <a:t> on </a:t>
+            </a:r>
+            <a:r>
+              <a:rPr lang="de-DE" sz="1400" dirty="0" err="1">
+                <a:solidFill>
+                  <a:schemeClr val="tx1"/>
+                </a:solidFill>
+                <a:latin typeface="Arial" panose="020B0604020202020204" pitchFamily="34" charset="0"/>
+                <a:cs typeface="Arial" panose="020B0604020202020204" pitchFamily="34" charset="0"/>
+              </a:rPr>
+              <a:t>unseen</a:t>
+            </a:r>
+            <a:r>
+              <a:rPr lang="de-DE" sz="1400" dirty="0">
+                <a:solidFill>
+                  <a:schemeClr val="tx1"/>
+                </a:solidFill>
+                <a:latin typeface="Arial" panose="020B0604020202020204" pitchFamily="34" charset="0"/>
+                <a:cs typeface="Arial" panose="020B0604020202020204" pitchFamily="34" charset="0"/>
+              </a:rPr>
+              <a:t> </a:t>
+            </a:r>
+            <a:r>
+              <a:rPr lang="de-DE" sz="1400" dirty="0" err="1">
+                <a:solidFill>
+                  <a:schemeClr val="tx1"/>
+                </a:solidFill>
+                <a:latin typeface="Arial" panose="020B0604020202020204" pitchFamily="34" charset="0"/>
+                <a:cs typeface="Arial" panose="020B0604020202020204" pitchFamily="34" charset="0"/>
+              </a:rPr>
+              <a:t>data</a:t>
+            </a:r>
+            <a:endParaRPr lang="de-DE" sz="1400" dirty="0">
+              <a:solidFill>
+                <a:schemeClr val="tx1"/>
+              </a:solidFill>
+              <a:latin typeface="Arial" panose="020B0604020202020204" pitchFamily="34" charset="0"/>
+              <a:cs typeface="Arial" panose="020B0604020202020204" pitchFamily="34" charset="0"/>
+            </a:endParaRPr>
+          </a:p>
+        </p:txBody>
+      </p:sp>
+      <p:sp>
+        <p:nvSpPr>
+          <p:cNvPr id="48" name="Rechteck: abgerundete Ecken 47">
+            <a:extLst>
+              <a:ext uri="{FF2B5EF4-FFF2-40B4-BE49-F238E27FC236}">
+                <a16:creationId xmlns:a16="http://schemas.microsoft.com/office/drawing/2014/main" id="{773475E6-122C-4E34-83F7-75B9276A1AD9}"/>
+              </a:ext>
+            </a:extLst>
+          </p:cNvPr>
+          <p:cNvSpPr/>
+          <p:nvPr/>
+        </p:nvSpPr>
+        <p:spPr>
+          <a:xfrm>
+            <a:off x="3240674" y="5455904"/>
+            <a:ext cx="2525487" cy="1058096"/>
+          </a:xfrm>
+          <a:prstGeom prst="roundRect">
+            <a:avLst/>
+          </a:prstGeom>
+          <a:solidFill>
+            <a:schemeClr val="accent6">
+              <a:lumMod val="60000"/>
+              <a:lumOff val="40000"/>
+            </a:schemeClr>
+          </a:solidFill>
+          <a:ln>
+            <a:noFill/>
+          </a:ln>
+        </p:spPr>
+        <p:style>
+          <a:lnRef idx="2">
+            <a:schemeClr val="accent1">
+              <a:shade val="50000"/>
+            </a:schemeClr>
+          </a:lnRef>
+          <a:fillRef idx="1">
+            <a:schemeClr val="accent1"/>
+          </a:fillRef>
+          <a:effectRef idx="0">
+            <a:schemeClr val="accent1"/>
+          </a:effectRef>
+          <a:fontRef idx="minor">
+            <a:schemeClr val="lt1"/>
+          </a:fontRef>
+        </p:style>
+        <p:txBody>
+          <a:bodyPr rtlCol="0" anchor="ctr"/>
+          <a:lstStyle/>
+          <a:p>
+            <a:pPr algn="ctr"/>
+            <a:r>
+              <a:rPr lang="de-DE" sz="1600" b="1" dirty="0" err="1">
+                <a:solidFill>
+                  <a:schemeClr val="tx1"/>
+                </a:solidFill>
+                <a:latin typeface="Arial" panose="020B0604020202020204" pitchFamily="34" charset="0"/>
+                <a:cs typeface="Arial" panose="020B0604020202020204" pitchFamily="34" charset="0"/>
+              </a:rPr>
+              <a:t>Refactoring</a:t>
+            </a:r>
+            <a:r>
+              <a:rPr lang="de-DE" sz="1600" b="1" dirty="0">
+                <a:solidFill>
+                  <a:schemeClr val="tx1"/>
+                </a:solidFill>
+                <a:latin typeface="Arial" panose="020B0604020202020204" pitchFamily="34" charset="0"/>
+                <a:cs typeface="Arial" panose="020B0604020202020204" pitchFamily="34" charset="0"/>
+              </a:rPr>
+              <a:t> code</a:t>
+            </a:r>
+          </a:p>
+          <a:p>
+            <a:pPr algn="ctr"/>
+            <a:endParaRPr lang="de-DE" sz="600" b="1" dirty="0">
+              <a:solidFill>
+                <a:schemeClr val="tx1"/>
+              </a:solidFill>
+              <a:latin typeface="Arial" panose="020B0604020202020204" pitchFamily="34" charset="0"/>
+              <a:cs typeface="Arial" panose="020B0604020202020204" pitchFamily="34" charset="0"/>
+            </a:endParaRPr>
+          </a:p>
+          <a:p>
+            <a:pPr algn="ctr"/>
+            <a:r>
+              <a:rPr lang="de-DE" sz="1400" dirty="0">
+                <a:solidFill>
+                  <a:schemeClr val="tx1"/>
+                </a:solidFill>
+                <a:latin typeface="Arial" panose="020B0604020202020204" pitchFamily="34" charset="0"/>
+                <a:cs typeface="Arial" panose="020B0604020202020204" pitchFamily="34" charset="0"/>
+              </a:rPr>
+              <a:t>Code </a:t>
+            </a:r>
+            <a:r>
+              <a:rPr lang="de-DE" sz="1400" dirty="0" err="1">
+                <a:solidFill>
+                  <a:schemeClr val="tx1"/>
+                </a:solidFill>
+                <a:latin typeface="Arial" panose="020B0604020202020204" pitchFamily="34" charset="0"/>
+                <a:cs typeface="Arial" panose="020B0604020202020204" pitchFamily="34" charset="0"/>
+              </a:rPr>
+              <a:t>is</a:t>
+            </a:r>
+            <a:r>
+              <a:rPr lang="de-DE" sz="1400" dirty="0">
+                <a:solidFill>
+                  <a:schemeClr val="tx1"/>
+                </a:solidFill>
+                <a:latin typeface="Arial" panose="020B0604020202020204" pitchFamily="34" charset="0"/>
+                <a:cs typeface="Arial" panose="020B0604020202020204" pitchFamily="34" charset="0"/>
+              </a:rPr>
+              <a:t> </a:t>
+            </a:r>
+            <a:r>
+              <a:rPr lang="de-DE" sz="1400" dirty="0" err="1">
+                <a:solidFill>
+                  <a:schemeClr val="tx1"/>
+                </a:solidFill>
+                <a:latin typeface="Arial" panose="020B0604020202020204" pitchFamily="34" charset="0"/>
+                <a:cs typeface="Arial" panose="020B0604020202020204" pitchFamily="34" charset="0"/>
+              </a:rPr>
+              <a:t>refactored</a:t>
+            </a:r>
+            <a:r>
+              <a:rPr lang="de-DE" sz="1400" dirty="0">
+                <a:solidFill>
+                  <a:schemeClr val="tx1"/>
+                </a:solidFill>
+                <a:latin typeface="Arial" panose="020B0604020202020204" pitchFamily="34" charset="0"/>
+                <a:cs typeface="Arial" panose="020B0604020202020204" pitchFamily="34" charset="0"/>
+              </a:rPr>
+              <a:t> in </a:t>
+            </a:r>
+            <a:r>
+              <a:rPr lang="de-DE" sz="1400" dirty="0" err="1">
+                <a:solidFill>
+                  <a:schemeClr val="tx1"/>
+                </a:solidFill>
+                <a:latin typeface="Arial" panose="020B0604020202020204" pitchFamily="34" charset="0"/>
+                <a:cs typeface="Arial" panose="020B0604020202020204" pitchFamily="34" charset="0"/>
+              </a:rPr>
+              <a:t>dataflows</a:t>
+            </a:r>
+            <a:r>
+              <a:rPr lang="de-DE" sz="1400" dirty="0">
+                <a:solidFill>
+                  <a:schemeClr val="tx1"/>
+                </a:solidFill>
+                <a:latin typeface="Arial" panose="020B0604020202020204" pitchFamily="34" charset="0"/>
+                <a:cs typeface="Arial" panose="020B0604020202020204" pitchFamily="34" charset="0"/>
+              </a:rPr>
+              <a:t> and </a:t>
+            </a:r>
+            <a:r>
+              <a:rPr lang="de-DE" sz="1400" dirty="0" err="1">
+                <a:solidFill>
+                  <a:schemeClr val="tx1"/>
+                </a:solidFill>
+                <a:latin typeface="Arial" panose="020B0604020202020204" pitchFamily="34" charset="0"/>
+                <a:cs typeface="Arial" panose="020B0604020202020204" pitchFamily="34" charset="0"/>
+              </a:rPr>
+              <a:t>documented</a:t>
+            </a:r>
+            <a:endParaRPr lang="de-DE" sz="1400" dirty="0">
+              <a:solidFill>
+                <a:schemeClr val="tx1"/>
+              </a:solidFill>
+              <a:latin typeface="Arial" panose="020B0604020202020204" pitchFamily="34" charset="0"/>
+              <a:cs typeface="Arial" panose="020B0604020202020204" pitchFamily="34" charset="0"/>
+            </a:endParaRPr>
+          </a:p>
+        </p:txBody>
+      </p:sp>
+      <p:sp>
+        <p:nvSpPr>
+          <p:cNvPr id="50" name="Rechteck 49">
+            <a:extLst>
+              <a:ext uri="{FF2B5EF4-FFF2-40B4-BE49-F238E27FC236}">
+                <a16:creationId xmlns:a16="http://schemas.microsoft.com/office/drawing/2014/main" id="{010B9FC6-BE34-41F6-BB7C-B6FDFE6AF4E7}"/>
+              </a:ext>
+            </a:extLst>
+          </p:cNvPr>
+          <p:cNvSpPr/>
+          <p:nvPr/>
+        </p:nvSpPr>
+        <p:spPr>
+          <a:xfrm>
+            <a:off x="348343" y="5455904"/>
+            <a:ext cx="2525486" cy="1058095"/>
+          </a:xfrm>
+          <a:prstGeom prst="rect">
+            <a:avLst/>
+          </a:prstGeom>
+          <a:solidFill>
+            <a:schemeClr val="accent2">
+              <a:lumMod val="60000"/>
+              <a:lumOff val="40000"/>
+            </a:schemeClr>
+          </a:solidFill>
+          <a:ln>
+            <a:noFill/>
+          </a:ln>
+        </p:spPr>
+        <p:style>
+          <a:lnRef idx="2">
+            <a:schemeClr val="accent1">
+              <a:shade val="50000"/>
+            </a:schemeClr>
+          </a:lnRef>
+          <a:fillRef idx="1">
+            <a:schemeClr val="accent1"/>
+          </a:fillRef>
+          <a:effectRef idx="0">
+            <a:schemeClr val="accent1"/>
+          </a:effectRef>
+          <a:fontRef idx="minor">
+            <a:schemeClr val="lt1"/>
+          </a:fontRef>
+        </p:style>
+        <p:txBody>
+          <a:bodyPr rtlCol="0" anchor="ctr"/>
+          <a:lstStyle/>
+          <a:p>
+            <a:pPr algn="ctr"/>
+            <a:r>
+              <a:rPr lang="de-DE" sz="1600" b="1" dirty="0">
+                <a:solidFill>
+                  <a:schemeClr val="tx1"/>
+                </a:solidFill>
+                <a:latin typeface="Arial" panose="020B0604020202020204" pitchFamily="34" charset="0"/>
+                <a:cs typeface="Arial" panose="020B0604020202020204" pitchFamily="34" charset="0"/>
+              </a:rPr>
+              <a:t>Share </a:t>
+            </a:r>
+            <a:r>
+              <a:rPr lang="de-DE" sz="1600" b="1" dirty="0" err="1">
+                <a:solidFill>
+                  <a:schemeClr val="tx1"/>
+                </a:solidFill>
+                <a:latin typeface="Arial" panose="020B0604020202020204" pitchFamily="34" charset="0"/>
+                <a:cs typeface="Arial" panose="020B0604020202020204" pitchFamily="34" charset="0"/>
+              </a:rPr>
+              <a:t>project</a:t>
+            </a:r>
+            <a:endParaRPr lang="de-DE" sz="1600" b="1" dirty="0">
+              <a:solidFill>
+                <a:schemeClr val="tx1"/>
+              </a:solidFill>
+              <a:latin typeface="Arial" panose="020B0604020202020204" pitchFamily="34" charset="0"/>
+              <a:cs typeface="Arial" panose="020B0604020202020204" pitchFamily="34" charset="0"/>
+            </a:endParaRPr>
+          </a:p>
+          <a:p>
+            <a:pPr algn="ctr"/>
+            <a:endParaRPr lang="de-DE" sz="1600" b="1" dirty="0">
+              <a:solidFill>
+                <a:schemeClr val="tx1"/>
+              </a:solidFill>
+              <a:latin typeface="Arial" panose="020B0604020202020204" pitchFamily="34" charset="0"/>
+              <a:cs typeface="Arial" panose="020B0604020202020204" pitchFamily="34" charset="0"/>
+            </a:endParaRPr>
+          </a:p>
+          <a:p>
+            <a:pPr algn="ctr"/>
+            <a:r>
+              <a:rPr lang="de-DE" sz="1400" dirty="0">
+                <a:solidFill>
+                  <a:schemeClr val="tx1"/>
+                </a:solidFill>
+                <a:latin typeface="Arial" panose="020B0604020202020204" pitchFamily="34" charset="0"/>
+                <a:cs typeface="Arial" panose="020B0604020202020204" pitchFamily="34" charset="0"/>
+              </a:rPr>
+              <a:t>Project </a:t>
+            </a:r>
+            <a:r>
+              <a:rPr lang="de-DE" sz="1400" dirty="0" err="1">
+                <a:solidFill>
+                  <a:schemeClr val="tx1"/>
+                </a:solidFill>
+                <a:latin typeface="Arial" panose="020B0604020202020204" pitchFamily="34" charset="0"/>
+                <a:cs typeface="Arial" panose="020B0604020202020204" pitchFamily="34" charset="0"/>
+              </a:rPr>
+              <a:t>is</a:t>
+            </a:r>
+            <a:r>
+              <a:rPr lang="de-DE" sz="1400" dirty="0">
+                <a:solidFill>
+                  <a:schemeClr val="tx1"/>
+                </a:solidFill>
+                <a:latin typeface="Arial" panose="020B0604020202020204" pitchFamily="34" charset="0"/>
+                <a:cs typeface="Arial" panose="020B0604020202020204" pitchFamily="34" charset="0"/>
+              </a:rPr>
+              <a:t> </a:t>
+            </a:r>
+            <a:r>
+              <a:rPr lang="de-DE" sz="1400" dirty="0" err="1">
+                <a:solidFill>
+                  <a:schemeClr val="tx1"/>
+                </a:solidFill>
+                <a:latin typeface="Arial" panose="020B0604020202020204" pitchFamily="34" charset="0"/>
+                <a:cs typeface="Arial" panose="020B0604020202020204" pitchFamily="34" charset="0"/>
+              </a:rPr>
+              <a:t>shared</a:t>
+            </a:r>
+            <a:r>
+              <a:rPr lang="de-DE" sz="1400" dirty="0">
+                <a:solidFill>
+                  <a:schemeClr val="tx1"/>
+                </a:solidFill>
+                <a:latin typeface="Arial" panose="020B0604020202020204" pitchFamily="34" charset="0"/>
+                <a:cs typeface="Arial" panose="020B0604020202020204" pitchFamily="34" charset="0"/>
+              </a:rPr>
+              <a:t> on </a:t>
+            </a:r>
+            <a:r>
+              <a:rPr lang="de-DE" sz="1400" dirty="0" err="1">
+                <a:solidFill>
+                  <a:schemeClr val="tx1"/>
+                </a:solidFill>
+                <a:latin typeface="Arial" panose="020B0604020202020204" pitchFamily="34" charset="0"/>
+                <a:cs typeface="Arial" panose="020B0604020202020204" pitchFamily="34" charset="0"/>
+              </a:rPr>
+              <a:t>Github</a:t>
+            </a:r>
+            <a:endParaRPr lang="en-US" sz="1400" dirty="0">
+              <a:solidFill>
+                <a:schemeClr val="tx1"/>
+              </a:solidFill>
+              <a:latin typeface="Arial" panose="020B0604020202020204" pitchFamily="34" charset="0"/>
+              <a:cs typeface="Arial" panose="020B0604020202020204" pitchFamily="34" charset="0"/>
+            </a:endParaRPr>
+          </a:p>
+        </p:txBody>
+      </p:sp>
+      <p:cxnSp>
+        <p:nvCxnSpPr>
+          <p:cNvPr id="51" name="Gerade Verbindung mit Pfeil 50">
+            <a:extLst>
+              <a:ext uri="{FF2B5EF4-FFF2-40B4-BE49-F238E27FC236}">
+                <a16:creationId xmlns:a16="http://schemas.microsoft.com/office/drawing/2014/main" id="{781F0020-77B0-40B0-B56D-14CF6F12314E}"/>
+              </a:ext>
+            </a:extLst>
+          </p:cNvPr>
+          <p:cNvCxnSpPr>
+            <a:cxnSpLocks/>
+            <a:stCxn id="16" idx="3"/>
+            <a:endCxn id="34" idx="1"/>
+          </p:cNvCxnSpPr>
+          <p:nvPr/>
+        </p:nvCxnSpPr>
+        <p:spPr>
+          <a:xfrm flipV="1">
+            <a:off x="8658494" y="981882"/>
+            <a:ext cx="366846" cy="1"/>
+          </a:xfrm>
+          <a:prstGeom prst="straightConnector1">
+            <a:avLst/>
+          </a:prstGeom>
+          <a:ln w="38100">
+            <a:solidFill>
+              <a:schemeClr val="tx1"/>
+            </a:solidFill>
+            <a:tailEnd type="triangle"/>
+          </a:ln>
+        </p:spPr>
+        <p:style>
+          <a:lnRef idx="1">
+            <a:schemeClr val="accent1"/>
+          </a:lnRef>
+          <a:fillRef idx="0">
+            <a:schemeClr val="accent1"/>
+          </a:fillRef>
+          <a:effectRef idx="0">
+            <a:schemeClr val="accent1"/>
+          </a:effectRef>
+          <a:fontRef idx="minor">
+            <a:schemeClr val="tx1"/>
+          </a:fontRef>
+        </p:style>
+      </p:cxnSp>
+      <p:cxnSp>
+        <p:nvCxnSpPr>
+          <p:cNvPr id="54" name="Gerade Verbindung mit Pfeil 53">
+            <a:extLst>
+              <a:ext uri="{FF2B5EF4-FFF2-40B4-BE49-F238E27FC236}">
+                <a16:creationId xmlns:a16="http://schemas.microsoft.com/office/drawing/2014/main" id="{C0061CFF-DFC8-452C-B095-1BB170AEC201}"/>
+              </a:ext>
+            </a:extLst>
+          </p:cNvPr>
+          <p:cNvCxnSpPr>
+            <a:cxnSpLocks/>
+            <a:stCxn id="34" idx="2"/>
+            <a:endCxn id="35" idx="0"/>
+          </p:cNvCxnSpPr>
+          <p:nvPr/>
+        </p:nvCxnSpPr>
+        <p:spPr>
+          <a:xfrm>
+            <a:off x="10288084" y="1510930"/>
+            <a:ext cx="0" cy="609595"/>
+          </a:xfrm>
+          <a:prstGeom prst="straightConnector1">
+            <a:avLst/>
+          </a:prstGeom>
+          <a:ln w="38100">
+            <a:solidFill>
+              <a:schemeClr val="tx1"/>
+            </a:solidFill>
+            <a:tailEnd type="triangle"/>
+          </a:ln>
+        </p:spPr>
+        <p:style>
+          <a:lnRef idx="1">
+            <a:schemeClr val="accent1"/>
+          </a:lnRef>
+          <a:fillRef idx="0">
+            <a:schemeClr val="accent1"/>
+          </a:fillRef>
+          <a:effectRef idx="0">
+            <a:schemeClr val="accent1"/>
+          </a:effectRef>
+          <a:fontRef idx="minor">
+            <a:schemeClr val="tx1"/>
+          </a:fontRef>
+        </p:style>
+      </p:cxnSp>
+      <p:cxnSp>
+        <p:nvCxnSpPr>
+          <p:cNvPr id="57" name="Gerade Verbindung mit Pfeil 56">
+            <a:extLst>
+              <a:ext uri="{FF2B5EF4-FFF2-40B4-BE49-F238E27FC236}">
+                <a16:creationId xmlns:a16="http://schemas.microsoft.com/office/drawing/2014/main" id="{AD5880A8-74D9-44DA-9BEB-5108858A46F8}"/>
+              </a:ext>
+            </a:extLst>
+          </p:cNvPr>
+          <p:cNvCxnSpPr>
+            <a:cxnSpLocks/>
+            <a:stCxn id="35" idx="1"/>
+            <a:endCxn id="36" idx="3"/>
+          </p:cNvCxnSpPr>
+          <p:nvPr/>
+        </p:nvCxnSpPr>
+        <p:spPr>
+          <a:xfrm flipH="1">
+            <a:off x="8658495" y="2649573"/>
+            <a:ext cx="366845" cy="0"/>
+          </a:xfrm>
+          <a:prstGeom prst="straightConnector1">
+            <a:avLst/>
+          </a:prstGeom>
+          <a:ln w="38100">
+            <a:solidFill>
+              <a:schemeClr val="tx1"/>
+            </a:solidFill>
+            <a:tailEnd type="triangle"/>
+          </a:ln>
+        </p:spPr>
+        <p:style>
+          <a:lnRef idx="1">
+            <a:schemeClr val="accent1"/>
+          </a:lnRef>
+          <a:fillRef idx="0">
+            <a:schemeClr val="accent1"/>
+          </a:fillRef>
+          <a:effectRef idx="0">
+            <a:schemeClr val="accent1"/>
+          </a:effectRef>
+          <a:fontRef idx="minor">
+            <a:schemeClr val="tx1"/>
+          </a:fontRef>
+        </p:style>
+      </p:cxnSp>
+      <p:cxnSp>
+        <p:nvCxnSpPr>
+          <p:cNvPr id="60" name="Gerade Verbindung mit Pfeil 59">
+            <a:extLst>
+              <a:ext uri="{FF2B5EF4-FFF2-40B4-BE49-F238E27FC236}">
+                <a16:creationId xmlns:a16="http://schemas.microsoft.com/office/drawing/2014/main" id="{1002D52F-5791-4960-B206-447E2DD0FDD1}"/>
+              </a:ext>
+            </a:extLst>
+          </p:cNvPr>
+          <p:cNvCxnSpPr>
+            <a:cxnSpLocks/>
+            <a:stCxn id="36" idx="1"/>
+            <a:endCxn id="37" idx="3"/>
+          </p:cNvCxnSpPr>
+          <p:nvPr/>
+        </p:nvCxnSpPr>
+        <p:spPr>
+          <a:xfrm flipH="1">
+            <a:off x="5766162" y="2649573"/>
+            <a:ext cx="366846" cy="0"/>
+          </a:xfrm>
+          <a:prstGeom prst="straightConnector1">
+            <a:avLst/>
+          </a:prstGeom>
+          <a:ln w="38100">
+            <a:solidFill>
+              <a:schemeClr val="tx1"/>
+            </a:solidFill>
+            <a:tailEnd type="triangle"/>
+          </a:ln>
+        </p:spPr>
+        <p:style>
+          <a:lnRef idx="1">
+            <a:schemeClr val="accent1"/>
+          </a:lnRef>
+          <a:fillRef idx="0">
+            <a:schemeClr val="accent1"/>
+          </a:fillRef>
+          <a:effectRef idx="0">
+            <a:schemeClr val="accent1"/>
+          </a:effectRef>
+          <a:fontRef idx="minor">
+            <a:schemeClr val="tx1"/>
+          </a:fontRef>
+        </p:style>
+      </p:cxnSp>
+      <p:cxnSp>
+        <p:nvCxnSpPr>
+          <p:cNvPr id="63" name="Gerade Verbindung mit Pfeil 62">
+            <a:extLst>
+              <a:ext uri="{FF2B5EF4-FFF2-40B4-BE49-F238E27FC236}">
+                <a16:creationId xmlns:a16="http://schemas.microsoft.com/office/drawing/2014/main" id="{6069EEA9-1B1A-414E-BAA4-3D9B797562C6}"/>
+              </a:ext>
+            </a:extLst>
+          </p:cNvPr>
+          <p:cNvCxnSpPr>
+            <a:cxnSpLocks/>
+            <a:stCxn id="37" idx="1"/>
+            <a:endCxn id="39" idx="3"/>
+          </p:cNvCxnSpPr>
+          <p:nvPr/>
+        </p:nvCxnSpPr>
+        <p:spPr>
+          <a:xfrm flipH="1">
+            <a:off x="2873829" y="2649573"/>
+            <a:ext cx="366846" cy="0"/>
+          </a:xfrm>
+          <a:prstGeom prst="straightConnector1">
+            <a:avLst/>
+          </a:prstGeom>
+          <a:ln w="38100">
+            <a:solidFill>
+              <a:schemeClr val="tx1"/>
+            </a:solidFill>
+            <a:tailEnd type="triangle"/>
+          </a:ln>
+        </p:spPr>
+        <p:style>
+          <a:lnRef idx="1">
+            <a:schemeClr val="accent1"/>
+          </a:lnRef>
+          <a:fillRef idx="0">
+            <a:schemeClr val="accent1"/>
+          </a:fillRef>
+          <a:effectRef idx="0">
+            <a:schemeClr val="accent1"/>
+          </a:effectRef>
+          <a:fontRef idx="minor">
+            <a:schemeClr val="tx1"/>
+          </a:fontRef>
+        </p:style>
+      </p:cxnSp>
+      <p:cxnSp>
+        <p:nvCxnSpPr>
+          <p:cNvPr id="66" name="Gerade Verbindung mit Pfeil 65">
+            <a:extLst>
+              <a:ext uri="{FF2B5EF4-FFF2-40B4-BE49-F238E27FC236}">
+                <a16:creationId xmlns:a16="http://schemas.microsoft.com/office/drawing/2014/main" id="{CA39988F-3589-48DC-ABF2-7F0DD3273B81}"/>
+              </a:ext>
+            </a:extLst>
+          </p:cNvPr>
+          <p:cNvCxnSpPr>
+            <a:cxnSpLocks/>
+            <a:stCxn id="39" idx="2"/>
+            <a:endCxn id="40" idx="0"/>
+          </p:cNvCxnSpPr>
+          <p:nvPr/>
+        </p:nvCxnSpPr>
+        <p:spPr>
+          <a:xfrm>
+            <a:off x="1611086" y="3178620"/>
+            <a:ext cx="1" cy="609595"/>
+          </a:xfrm>
+          <a:prstGeom prst="straightConnector1">
+            <a:avLst/>
+          </a:prstGeom>
+          <a:ln w="38100">
+            <a:solidFill>
+              <a:schemeClr val="tx1"/>
+            </a:solidFill>
+            <a:tailEnd type="triangle"/>
+          </a:ln>
+        </p:spPr>
+        <p:style>
+          <a:lnRef idx="1">
+            <a:schemeClr val="accent1"/>
+          </a:lnRef>
+          <a:fillRef idx="0">
+            <a:schemeClr val="accent1"/>
+          </a:fillRef>
+          <a:effectRef idx="0">
+            <a:schemeClr val="accent1"/>
+          </a:effectRef>
+          <a:fontRef idx="minor">
+            <a:schemeClr val="tx1"/>
+          </a:fontRef>
+        </p:style>
+      </p:cxnSp>
+      <p:cxnSp>
+        <p:nvCxnSpPr>
+          <p:cNvPr id="69" name="Gerade Verbindung mit Pfeil 68">
+            <a:extLst>
+              <a:ext uri="{FF2B5EF4-FFF2-40B4-BE49-F238E27FC236}">
+                <a16:creationId xmlns:a16="http://schemas.microsoft.com/office/drawing/2014/main" id="{93EA1914-66BA-445C-9B20-2A05518FB692}"/>
+              </a:ext>
+            </a:extLst>
+          </p:cNvPr>
+          <p:cNvCxnSpPr>
+            <a:cxnSpLocks/>
+            <a:stCxn id="40" idx="3"/>
+            <a:endCxn id="41" idx="1"/>
+          </p:cNvCxnSpPr>
+          <p:nvPr/>
+        </p:nvCxnSpPr>
+        <p:spPr>
+          <a:xfrm>
+            <a:off x="2873830" y="4317263"/>
+            <a:ext cx="366846" cy="1"/>
+          </a:xfrm>
+          <a:prstGeom prst="straightConnector1">
+            <a:avLst/>
+          </a:prstGeom>
+          <a:ln w="38100">
+            <a:solidFill>
+              <a:schemeClr val="tx1"/>
+            </a:solidFill>
+            <a:tailEnd type="triangle"/>
+          </a:ln>
+        </p:spPr>
+        <p:style>
+          <a:lnRef idx="1">
+            <a:schemeClr val="accent1"/>
+          </a:lnRef>
+          <a:fillRef idx="0">
+            <a:schemeClr val="accent1"/>
+          </a:fillRef>
+          <a:effectRef idx="0">
+            <a:schemeClr val="accent1"/>
+          </a:effectRef>
+          <a:fontRef idx="minor">
+            <a:schemeClr val="tx1"/>
+          </a:fontRef>
+        </p:style>
+      </p:cxnSp>
+      <p:cxnSp>
+        <p:nvCxnSpPr>
+          <p:cNvPr id="72" name="Gerade Verbindung mit Pfeil 71">
+            <a:extLst>
+              <a:ext uri="{FF2B5EF4-FFF2-40B4-BE49-F238E27FC236}">
+                <a16:creationId xmlns:a16="http://schemas.microsoft.com/office/drawing/2014/main" id="{5FC3AD82-3FFD-4549-AA6A-5912A101B945}"/>
+              </a:ext>
+            </a:extLst>
+          </p:cNvPr>
+          <p:cNvCxnSpPr>
+            <a:cxnSpLocks/>
+            <a:stCxn id="41" idx="3"/>
+            <a:endCxn id="43" idx="1"/>
+          </p:cNvCxnSpPr>
+          <p:nvPr/>
+        </p:nvCxnSpPr>
+        <p:spPr>
+          <a:xfrm flipV="1">
+            <a:off x="5766162" y="4317263"/>
+            <a:ext cx="366846" cy="1"/>
+          </a:xfrm>
+          <a:prstGeom prst="straightConnector1">
+            <a:avLst/>
+          </a:prstGeom>
+          <a:ln w="38100">
+            <a:solidFill>
+              <a:schemeClr val="tx1"/>
+            </a:solidFill>
+            <a:tailEnd type="triangle"/>
+          </a:ln>
+        </p:spPr>
+        <p:style>
+          <a:lnRef idx="1">
+            <a:schemeClr val="accent1"/>
+          </a:lnRef>
+          <a:fillRef idx="0">
+            <a:schemeClr val="accent1"/>
+          </a:fillRef>
+          <a:effectRef idx="0">
+            <a:schemeClr val="accent1"/>
+          </a:effectRef>
+          <a:fontRef idx="minor">
+            <a:schemeClr val="tx1"/>
+          </a:fontRef>
+        </p:style>
+      </p:cxnSp>
+      <p:cxnSp>
+        <p:nvCxnSpPr>
+          <p:cNvPr id="75" name="Gerade Verbindung mit Pfeil 74">
+            <a:extLst>
+              <a:ext uri="{FF2B5EF4-FFF2-40B4-BE49-F238E27FC236}">
+                <a16:creationId xmlns:a16="http://schemas.microsoft.com/office/drawing/2014/main" id="{5DC0BE84-62E7-4B54-89F4-6192FAFDD4A3}"/>
+              </a:ext>
+            </a:extLst>
+          </p:cNvPr>
+          <p:cNvCxnSpPr>
+            <a:cxnSpLocks/>
+            <a:stCxn id="43" idx="3"/>
+            <a:endCxn id="45" idx="1"/>
+          </p:cNvCxnSpPr>
+          <p:nvPr/>
+        </p:nvCxnSpPr>
+        <p:spPr>
+          <a:xfrm>
+            <a:off x="8658495" y="4317263"/>
+            <a:ext cx="366844" cy="0"/>
+          </a:xfrm>
+          <a:prstGeom prst="straightConnector1">
+            <a:avLst/>
+          </a:prstGeom>
+          <a:ln w="38100">
+            <a:solidFill>
+              <a:schemeClr val="tx1"/>
+            </a:solidFill>
+            <a:tailEnd type="triangle"/>
+          </a:ln>
+        </p:spPr>
+        <p:style>
+          <a:lnRef idx="1">
+            <a:schemeClr val="accent1"/>
+          </a:lnRef>
+          <a:fillRef idx="0">
+            <a:schemeClr val="accent1"/>
+          </a:fillRef>
+          <a:effectRef idx="0">
+            <a:schemeClr val="accent1"/>
+          </a:effectRef>
+          <a:fontRef idx="minor">
+            <a:schemeClr val="tx1"/>
+          </a:fontRef>
+        </p:style>
+      </p:cxnSp>
+      <p:cxnSp>
+        <p:nvCxnSpPr>
+          <p:cNvPr id="78" name="Gerade Verbindung mit Pfeil 77">
+            <a:extLst>
+              <a:ext uri="{FF2B5EF4-FFF2-40B4-BE49-F238E27FC236}">
+                <a16:creationId xmlns:a16="http://schemas.microsoft.com/office/drawing/2014/main" id="{62336838-70D2-437E-BE1B-AAD8FA24C323}"/>
+              </a:ext>
+            </a:extLst>
+          </p:cNvPr>
+          <p:cNvCxnSpPr>
+            <a:cxnSpLocks/>
+            <a:stCxn id="45" idx="2"/>
+            <a:endCxn id="47" idx="0"/>
+          </p:cNvCxnSpPr>
+          <p:nvPr/>
+        </p:nvCxnSpPr>
+        <p:spPr>
+          <a:xfrm flipH="1">
+            <a:off x="10288082" y="4846311"/>
+            <a:ext cx="1" cy="609593"/>
+          </a:xfrm>
+          <a:prstGeom prst="straightConnector1">
+            <a:avLst/>
+          </a:prstGeom>
+          <a:ln w="38100">
+            <a:solidFill>
+              <a:schemeClr val="tx1"/>
+            </a:solidFill>
+            <a:tailEnd type="triangle"/>
+          </a:ln>
+        </p:spPr>
+        <p:style>
+          <a:lnRef idx="1">
+            <a:schemeClr val="accent1"/>
+          </a:lnRef>
+          <a:fillRef idx="0">
+            <a:schemeClr val="accent1"/>
+          </a:fillRef>
+          <a:effectRef idx="0">
+            <a:schemeClr val="accent1"/>
+          </a:effectRef>
+          <a:fontRef idx="minor">
+            <a:schemeClr val="tx1"/>
+          </a:fontRef>
+        </p:style>
+      </p:cxnSp>
+      <p:cxnSp>
+        <p:nvCxnSpPr>
+          <p:cNvPr id="81" name="Gerade Verbindung mit Pfeil 80">
+            <a:extLst>
+              <a:ext uri="{FF2B5EF4-FFF2-40B4-BE49-F238E27FC236}">
+                <a16:creationId xmlns:a16="http://schemas.microsoft.com/office/drawing/2014/main" id="{FDE5B1B4-AC50-45C9-B8FE-EC4F75584387}"/>
+              </a:ext>
+            </a:extLst>
+          </p:cNvPr>
+          <p:cNvCxnSpPr>
+            <a:cxnSpLocks/>
+            <a:stCxn id="47" idx="1"/>
+            <a:endCxn id="46" idx="3"/>
+          </p:cNvCxnSpPr>
+          <p:nvPr/>
+        </p:nvCxnSpPr>
+        <p:spPr>
+          <a:xfrm flipH="1">
+            <a:off x="8658494" y="5984952"/>
+            <a:ext cx="366844" cy="1"/>
+          </a:xfrm>
+          <a:prstGeom prst="straightConnector1">
+            <a:avLst/>
+          </a:prstGeom>
+          <a:ln w="38100">
+            <a:solidFill>
+              <a:schemeClr val="tx1"/>
+            </a:solidFill>
+            <a:tailEnd type="triangle"/>
+          </a:ln>
+        </p:spPr>
+        <p:style>
+          <a:lnRef idx="1">
+            <a:schemeClr val="accent1"/>
+          </a:lnRef>
+          <a:fillRef idx="0">
+            <a:schemeClr val="accent1"/>
+          </a:fillRef>
+          <a:effectRef idx="0">
+            <a:schemeClr val="accent1"/>
+          </a:effectRef>
+          <a:fontRef idx="minor">
+            <a:schemeClr val="tx1"/>
+          </a:fontRef>
+        </p:style>
+      </p:cxnSp>
+      <p:cxnSp>
+        <p:nvCxnSpPr>
+          <p:cNvPr id="84" name="Gerade Verbindung mit Pfeil 83">
+            <a:extLst>
+              <a:ext uri="{FF2B5EF4-FFF2-40B4-BE49-F238E27FC236}">
+                <a16:creationId xmlns:a16="http://schemas.microsoft.com/office/drawing/2014/main" id="{23A0140B-6B0D-4298-94E8-EC37EABED614}"/>
+              </a:ext>
+            </a:extLst>
+          </p:cNvPr>
+          <p:cNvCxnSpPr>
+            <a:cxnSpLocks/>
+            <a:stCxn id="46" idx="1"/>
+            <a:endCxn id="48" idx="3"/>
+          </p:cNvCxnSpPr>
+          <p:nvPr/>
+        </p:nvCxnSpPr>
+        <p:spPr>
+          <a:xfrm flipH="1" flipV="1">
+            <a:off x="5766161" y="5984952"/>
+            <a:ext cx="366847" cy="1"/>
+          </a:xfrm>
+          <a:prstGeom prst="straightConnector1">
+            <a:avLst/>
+          </a:prstGeom>
+          <a:ln w="38100">
+            <a:solidFill>
+              <a:schemeClr val="tx1"/>
+            </a:solidFill>
+            <a:tailEnd type="triangle"/>
+          </a:ln>
+        </p:spPr>
+        <p:style>
+          <a:lnRef idx="1">
+            <a:schemeClr val="accent1"/>
+          </a:lnRef>
+          <a:fillRef idx="0">
+            <a:schemeClr val="accent1"/>
+          </a:fillRef>
+          <a:effectRef idx="0">
+            <a:schemeClr val="accent1"/>
+          </a:effectRef>
+          <a:fontRef idx="minor">
+            <a:schemeClr val="tx1"/>
+          </a:fontRef>
+        </p:style>
+      </p:cxnSp>
+      <p:cxnSp>
+        <p:nvCxnSpPr>
+          <p:cNvPr id="87" name="Gerade Verbindung mit Pfeil 86">
+            <a:extLst>
+              <a:ext uri="{FF2B5EF4-FFF2-40B4-BE49-F238E27FC236}">
+                <a16:creationId xmlns:a16="http://schemas.microsoft.com/office/drawing/2014/main" id="{01AE7312-5A9D-469F-95B8-29837AB63B61}"/>
+              </a:ext>
+            </a:extLst>
+          </p:cNvPr>
+          <p:cNvCxnSpPr>
+            <a:cxnSpLocks/>
+            <a:stCxn id="48" idx="1"/>
+            <a:endCxn id="50" idx="3"/>
+          </p:cNvCxnSpPr>
+          <p:nvPr/>
+        </p:nvCxnSpPr>
+        <p:spPr>
+          <a:xfrm flipH="1">
+            <a:off x="2873829" y="5984952"/>
+            <a:ext cx="366845" cy="0"/>
           </a:xfrm>
           <a:prstGeom prst="straightConnector1">
             <a:avLst/>
